--- a/_Old_Materials/Database Technologies/Session1.pptx
+++ b/_Old_Materials/Database Technologies/Session1.pptx
@@ -2,36 +2,36 @@
 <file path=ppt/presentation.xml><?xml version="1.0" encoding="utf-8"?>
 <p:presentation xmlns:a="http://schemas.openxmlformats.org/drawingml/2006/main" xmlns:r="http://schemas.openxmlformats.org/officeDocument/2006/relationships" xmlns:p="http://schemas.openxmlformats.org/presentationml/2006/main">
   <p:sldMasterIdLst>
-    <p:sldMasterId id="2147483648" r:id="rId1"/>
+    <p:sldMasterId id="2147483666" r:id="rId1"/>
   </p:sldMasterIdLst>
   <p:notesMasterIdLst>
-    <p:notesMasterId r:id="rId24"/>
+    <p:notesMasterId r:id="rId23"/>
   </p:notesMasterIdLst>
   <p:handoutMasterIdLst>
-    <p:handoutMasterId r:id="rId25"/>
+    <p:handoutMasterId r:id="rId24"/>
   </p:handoutMasterIdLst>
   <p:sldIdLst>
-    <p:sldId id="257" r:id="rId3"/>
-    <p:sldId id="258" r:id="rId4"/>
-    <p:sldId id="259" r:id="rId5"/>
-    <p:sldId id="262" r:id="rId6"/>
-    <p:sldId id="261" r:id="rId7"/>
-    <p:sldId id="260" r:id="rId8"/>
-    <p:sldId id="264" r:id="rId9"/>
-    <p:sldId id="265" r:id="rId10"/>
-    <p:sldId id="269" r:id="rId11"/>
-    <p:sldId id="266" r:id="rId12"/>
-    <p:sldId id="270" r:id="rId13"/>
-    <p:sldId id="268" r:id="rId14"/>
-    <p:sldId id="271" r:id="rId15"/>
-    <p:sldId id="272" r:id="rId16"/>
-    <p:sldId id="273" r:id="rId17"/>
-    <p:sldId id="280" r:id="rId18"/>
-    <p:sldId id="274" r:id="rId19"/>
-    <p:sldId id="278" r:id="rId20"/>
-    <p:sldId id="275" r:id="rId21"/>
-    <p:sldId id="276" r:id="rId22"/>
-    <p:sldId id="277" r:id="rId23"/>
+    <p:sldId id="281" r:id="rId2"/>
+    <p:sldId id="258" r:id="rId3"/>
+    <p:sldId id="259" r:id="rId4"/>
+    <p:sldId id="262" r:id="rId5"/>
+    <p:sldId id="261" r:id="rId6"/>
+    <p:sldId id="260" r:id="rId7"/>
+    <p:sldId id="264" r:id="rId8"/>
+    <p:sldId id="265" r:id="rId9"/>
+    <p:sldId id="269" r:id="rId10"/>
+    <p:sldId id="266" r:id="rId11"/>
+    <p:sldId id="270" r:id="rId12"/>
+    <p:sldId id="268" r:id="rId13"/>
+    <p:sldId id="271" r:id="rId14"/>
+    <p:sldId id="272" r:id="rId15"/>
+    <p:sldId id="273" r:id="rId16"/>
+    <p:sldId id="280" r:id="rId17"/>
+    <p:sldId id="274" r:id="rId18"/>
+    <p:sldId id="278" r:id="rId19"/>
+    <p:sldId id="275" r:id="rId20"/>
+    <p:sldId id="276" r:id="rId21"/>
+    <p:sldId id="277" r:id="rId22"/>
   </p:sldIdLst>
   <p:sldSz cx="9144000" cy="6858000" type="screen4x3"/>
   <p:notesSz cx="6858000" cy="9144000"/>
@@ -130,6 +130,22 @@
       </a:defRPr>
     </a:lvl9pPr>
   </p:defaultTextStyle>
+  <p:extLst>
+    <p:ext uri="{EFAFB233-063F-42B5-8137-9DF3F51BA10A}">
+      <p15:sldGuideLst xmlns:p15="http://schemas.microsoft.com/office/powerpoint/2012/main">
+        <p15:guide id="1" orient="horz" pos="2160">
+          <p15:clr>
+            <a:srgbClr val="A4A3A4"/>
+          </p15:clr>
+        </p15:guide>
+        <p15:guide id="2" pos="2880">
+          <p15:clr>
+            <a:srgbClr val="A4A3A4"/>
+          </p15:clr>
+        </p15:guide>
+      </p15:sldGuideLst>
+    </p:ext>
+  </p:extLst>
 </p:presentation>
 </file>
 
@@ -215,6 +231,7 @@
           <a:p>
             <a:fld id="{696C064A-D61B-4B21-B757-51A9B82445B8}" type="datetimeFigureOut">
               <a:rPr lang="en-US" smtClean="0"/>
+              <a:t>10/14/2019</a:t>
             </a:fld>
             <a:endParaRPr lang="en-US"/>
           </a:p>
@@ -280,6 +297,7 @@
           <a:p>
             <a:fld id="{50305E07-67EA-4042-A3F6-853A8AD8D209}" type="slidenum">
               <a:rPr lang="en-US" smtClean="0"/>
+              <a:t>‹#›</a:t>
             </a:fld>
             <a:endParaRPr lang="en-US"/>
           </a:p>
@@ -373,6 +391,7 @@
           <a:p>
             <a:fld id="{3EFD42F7-718C-4B98-AAEC-167E6DDD60A7}" type="datetimeFigureOut">
               <a:rPr lang="en-US" smtClean="0"/>
+              <a:t>10/14/2019</a:t>
             </a:fld>
             <a:endParaRPr lang="en-US"/>
           </a:p>
@@ -439,7 +458,6 @@
               <a:rPr lang="en-US" smtClean="0"/>
               <a:t>Click to edit Master text styles</a:t>
             </a:r>
-            <a:endParaRPr lang="en-US" smtClean="0"/>
           </a:p>
           <a:p>
             <a:pPr lvl="1"/>
@@ -447,7 +465,6 @@
               <a:rPr lang="en-US" smtClean="0"/>
               <a:t>Second level</a:t>
             </a:r>
-            <a:endParaRPr lang="en-US" smtClean="0"/>
           </a:p>
           <a:p>
             <a:pPr lvl="2"/>
@@ -455,7 +472,6 @@
               <a:rPr lang="en-US" smtClean="0"/>
               <a:t>Third level</a:t>
             </a:r>
-            <a:endParaRPr lang="en-US" smtClean="0"/>
           </a:p>
           <a:p>
             <a:pPr lvl="3"/>
@@ -463,7 +479,6 @@
               <a:rPr lang="en-US" smtClean="0"/>
               <a:t>Fourth level</a:t>
             </a:r>
-            <a:endParaRPr lang="en-US" smtClean="0"/>
           </a:p>
           <a:p>
             <a:pPr lvl="4"/>
@@ -535,6 +550,7 @@
           <a:p>
             <a:fld id="{21B2AA4F-B828-4D7C-AFD3-893933DAFCB4}" type="slidenum">
               <a:rPr lang="en-US" smtClean="0"/>
+              <a:t>‹#›</a:t>
             </a:fld>
             <a:endParaRPr lang="en-US"/>
           </a:p>
@@ -667,8 +683,8 @@
         </p:nvSpPr>
         <p:spPr>
           <a:xfrm>
-            <a:off x="1143000" y="1122363"/>
-            <a:ext cx="6858000" cy="2387600"/>
+            <a:off x="685800" y="1122363"/>
+            <a:ext cx="7772400" cy="2387600"/>
           </a:xfrm>
         </p:spPr>
         <p:txBody>
@@ -683,7 +699,7 @@
               <a:rPr lang="en-US" smtClean="0"/>
               <a:t>Click to edit Master title style</a:t>
             </a:r>
-            <a:endParaRPr lang="en-IN"/>
+            <a:endParaRPr lang="en-US" dirty="0"/>
           </a:p>
         </p:txBody>
       </p:sp>
@@ -748,7 +764,7 @@
               <a:rPr lang="en-US" smtClean="0"/>
               <a:t>Click to edit Master subtitle style</a:t>
             </a:r>
-            <a:endParaRPr lang="en-IN"/>
+            <a:endParaRPr lang="en-US" dirty="0"/>
           </a:p>
         </p:txBody>
       </p:sp>
@@ -762,14 +778,18 @@
             <p:ph type="dt" sz="half" idx="10"/>
           </p:nvPr>
         </p:nvSpPr>
-        <p:spPr/>
-        <p:txBody>
-          <a:bodyPr/>
-          <a:lstStyle>
-            <a:lvl1pPr>
-              <a:defRPr/>
-            </a:lvl1pPr>
-          </a:lstStyle>
+        <p:spPr>
+          <a:xfrm>
+            <a:off x="0" y="6240753"/>
+            <a:ext cx="2057400" cy="365125"/>
+          </a:xfrm>
+          <a:prstGeom prst="rect">
+            <a:avLst/>
+          </a:prstGeom>
+        </p:spPr>
+        <p:txBody>
+          <a:bodyPr/>
+          <a:lstStyle/>
           <a:p>
             <a:endParaRPr lang="en-US" altLang="en-US"/>
           </a:p>
@@ -785,14 +805,18 @@
             <p:ph type="ftr" sz="quarter" idx="11"/>
           </p:nvPr>
         </p:nvSpPr>
-        <p:spPr/>
-        <p:txBody>
-          <a:bodyPr/>
-          <a:lstStyle>
-            <a:lvl1pPr>
-              <a:defRPr/>
-            </a:lvl1pPr>
-          </a:lstStyle>
+        <p:spPr>
+          <a:xfrm>
+            <a:off x="3745923" y="6539056"/>
+            <a:ext cx="3086100" cy="365125"/>
+          </a:xfrm>
+          <a:prstGeom prst="rect">
+            <a:avLst/>
+          </a:prstGeom>
+        </p:spPr>
+        <p:txBody>
+          <a:bodyPr/>
+          <a:lstStyle/>
           <a:p>
             <a:endParaRPr lang="en-US" altLang="en-US"/>
           </a:p>
@@ -808,27 +832,41 @@
             <p:ph type="sldNum" sz="quarter" idx="12"/>
           </p:nvPr>
         </p:nvSpPr>
-        <p:spPr/>
-        <p:txBody>
-          <a:bodyPr/>
-          <a:lstStyle>
-            <a:lvl1pPr>
-              <a:defRPr/>
-            </a:lvl1pPr>
-          </a:lstStyle>
+        <p:spPr>
+          <a:xfrm>
+            <a:off x="6832023" y="6539056"/>
+            <a:ext cx="2057400" cy="365125"/>
+          </a:xfrm>
+        </p:spPr>
+        <p:txBody>
+          <a:bodyPr/>
+          <a:lstStyle/>
           <a:p>
             <a:fld id="{9A678811-B549-45B3-81B1-47E6AC5F9402}" type="slidenum">
-              <a:rPr lang="en-US" altLang="en-US"/>
+              <a:rPr lang="en-US" altLang="en-US" smtClean="0"/>
+              <a:t>‹#›</a:t>
             </a:fld>
             <a:endParaRPr lang="en-US" altLang="en-US"/>
           </a:p>
         </p:txBody>
       </p:sp>
     </p:spTree>
+    <p:extLst>
+      <p:ext uri="{BB962C8B-B14F-4D97-AF65-F5344CB8AC3E}">
+        <p14:creationId xmlns:p14="http://schemas.microsoft.com/office/powerpoint/2010/main" val="2602916140"/>
+      </p:ext>
+    </p:extLst>
   </p:cSld>
   <p:clrMapOvr>
     <a:masterClrMapping/>
   </p:clrMapOvr>
+  <p:timing>
+    <p:tnLst>
+      <p:par>
+        <p:cTn id="1" dur="indefinite" restart="never" nodeType="tmRoot"/>
+      </p:par>
+    </p:tnLst>
+  </p:timing>
 </p:sldLayout>
 </file>
 
@@ -861,8 +899,8 @@
         </p:nvSpPr>
         <p:spPr>
           <a:xfrm>
-            <a:off x="630238" y="457200"/>
-            <a:ext cx="2949575" cy="1600200"/>
+            <a:off x="629841" y="809048"/>
+            <a:ext cx="2949178" cy="1600200"/>
           </a:xfrm>
         </p:spPr>
         <p:txBody>
@@ -877,7 +915,7 @@
               <a:rPr lang="en-US" smtClean="0"/>
               <a:t>Click to edit Master title style</a:t>
             </a:r>
-            <a:endParaRPr lang="en-IN"/>
+            <a:endParaRPr lang="en-US" dirty="0"/>
           </a:p>
         </p:txBody>
       </p:sp>
@@ -885,7 +923,7 @@
         <p:nvSpPr>
           <p:cNvPr id="3" name="Picture Placeholder 2"/>
           <p:cNvSpPr>
-            <a:spLocks noGrp="1"/>
+            <a:spLocks noGrp="1" noChangeAspect="1"/>
           </p:cNvSpPr>
           <p:nvPr>
             <p:ph type="pic" idx="1"/>
@@ -893,12 +931,12 @@
         </p:nvSpPr>
         <p:spPr>
           <a:xfrm>
-            <a:off x="3887788" y="987425"/>
+            <a:off x="3887391" y="987426"/>
             <a:ext cx="4629150" cy="4873625"/>
           </a:xfrm>
         </p:spPr>
         <p:txBody>
-          <a:bodyPr/>
+          <a:bodyPr anchor="t"/>
           <a:lstStyle>
             <a:lvl1pPr marL="0" indent="0">
               <a:buNone/>
@@ -942,7 +980,7 @@
               <a:rPr lang="en-US" smtClean="0"/>
               <a:t>Click icon to add picture</a:t>
             </a:r>
-            <a:endParaRPr lang="en-IN"/>
+            <a:endParaRPr lang="en-US" dirty="0"/>
           </a:p>
         </p:txBody>
       </p:sp>
@@ -958,8 +996,8 @@
         </p:nvSpPr>
         <p:spPr>
           <a:xfrm>
-            <a:off x="630238" y="2057400"/>
-            <a:ext cx="2949575" cy="3811588"/>
+            <a:off x="629841" y="2409248"/>
+            <a:ext cx="2949178" cy="3811588"/>
           </a:xfrm>
         </p:spPr>
         <p:txBody>
@@ -1006,9 +1044,8 @@
             <a:pPr lvl="0"/>
             <a:r>
               <a:rPr lang="en-US" smtClean="0"/>
-              <a:t>Click to edit Master text styles</a:t>
-            </a:r>
-            <a:endParaRPr lang="en-US" smtClean="0"/>
+              <a:t>Edit Master text styles</a:t>
+            </a:r>
           </a:p>
         </p:txBody>
       </p:sp>
@@ -1022,73 +1059,90 @@
             <p:ph type="dt" sz="half" idx="10"/>
           </p:nvPr>
         </p:nvSpPr>
+        <p:spPr>
+          <a:xfrm>
+            <a:off x="0" y="6264564"/>
+            <a:ext cx="2057400" cy="365125"/>
+          </a:xfrm>
+          <a:prstGeom prst="rect">
+            <a:avLst/>
+          </a:prstGeom>
+        </p:spPr>
+        <p:txBody>
+          <a:bodyPr/>
+          <a:lstStyle/>
+          <a:p>
+            <a:endParaRPr lang="en-US" altLang="en-US"/>
+          </a:p>
+        </p:txBody>
+      </p:sp>
+      <p:sp>
+        <p:nvSpPr>
+          <p:cNvPr id="6" name="Footer Placeholder 5"/>
+          <p:cNvSpPr>
+            <a:spLocks noGrp="1"/>
+          </p:cNvSpPr>
+          <p:nvPr>
+            <p:ph type="ftr" sz="quarter" idx="11"/>
+          </p:nvPr>
+        </p:nvSpPr>
+        <p:spPr>
+          <a:xfrm>
+            <a:off x="3745923" y="6539055"/>
+            <a:ext cx="3086100" cy="365125"/>
+          </a:xfrm>
+          <a:prstGeom prst="rect">
+            <a:avLst/>
+          </a:prstGeom>
+        </p:spPr>
+        <p:txBody>
+          <a:bodyPr/>
+          <a:lstStyle/>
+          <a:p>
+            <a:endParaRPr lang="en-US" altLang="en-US"/>
+          </a:p>
+        </p:txBody>
+      </p:sp>
+      <p:sp>
+        <p:nvSpPr>
+          <p:cNvPr id="7" name="Slide Number Placeholder 6"/>
+          <p:cNvSpPr>
+            <a:spLocks noGrp="1"/>
+          </p:cNvSpPr>
+          <p:nvPr>
+            <p:ph type="sldNum" sz="quarter" idx="12"/>
+          </p:nvPr>
+        </p:nvSpPr>
         <p:spPr/>
         <p:txBody>
           <a:bodyPr/>
-          <a:lstStyle>
-            <a:lvl1pPr>
-              <a:defRPr/>
-            </a:lvl1pPr>
-          </a:lstStyle>
-          <a:p>
-            <a:endParaRPr lang="en-US" altLang="en-US"/>
-          </a:p>
-        </p:txBody>
-      </p:sp>
-      <p:sp>
-        <p:nvSpPr>
-          <p:cNvPr id="6" name="Footer Placeholder 5"/>
-          <p:cNvSpPr>
-            <a:spLocks noGrp="1"/>
-          </p:cNvSpPr>
-          <p:nvPr>
-            <p:ph type="ftr" sz="quarter" idx="11"/>
-          </p:nvPr>
-        </p:nvSpPr>
-        <p:spPr/>
-        <p:txBody>
-          <a:bodyPr/>
-          <a:lstStyle>
-            <a:lvl1pPr>
-              <a:defRPr/>
-            </a:lvl1pPr>
-          </a:lstStyle>
-          <a:p>
-            <a:endParaRPr lang="en-US" altLang="en-US"/>
-          </a:p>
-        </p:txBody>
-      </p:sp>
-      <p:sp>
-        <p:nvSpPr>
-          <p:cNvPr id="7" name="Slide Number Placeholder 6"/>
-          <p:cNvSpPr>
-            <a:spLocks noGrp="1"/>
-          </p:cNvSpPr>
-          <p:nvPr>
-            <p:ph type="sldNum" sz="quarter" idx="12"/>
-          </p:nvPr>
-        </p:nvSpPr>
-        <p:spPr/>
-        <p:txBody>
-          <a:bodyPr/>
-          <a:lstStyle>
-            <a:lvl1pPr>
-              <a:defRPr/>
-            </a:lvl1pPr>
-          </a:lstStyle>
+          <a:lstStyle/>
           <a:p>
             <a:fld id="{214E7FEA-58E0-47EE-AC9C-F31BF7C9F7FE}" type="slidenum">
-              <a:rPr lang="en-US" altLang="en-US"/>
+              <a:rPr lang="en-US" altLang="en-US" smtClean="0"/>
+              <a:t>‹#›</a:t>
             </a:fld>
             <a:endParaRPr lang="en-US" altLang="en-US"/>
           </a:p>
         </p:txBody>
       </p:sp>
     </p:spTree>
+    <p:extLst>
+      <p:ext uri="{BB962C8B-B14F-4D97-AF65-F5344CB8AC3E}">
+        <p14:creationId xmlns:p14="http://schemas.microsoft.com/office/powerpoint/2010/main" val="3152403013"/>
+      </p:ext>
+    </p:extLst>
   </p:cSld>
   <p:clrMapOvr>
     <a:masterClrMapping/>
   </p:clrMapOvr>
+  <p:timing>
+    <p:tnLst>
+      <p:par>
+        <p:cTn id="1" dur="indefinite" restart="never" nodeType="tmRoot"/>
+      </p:par>
+    </p:tnLst>
+  </p:timing>
 </p:sldLayout>
 </file>
 
@@ -1122,17 +1176,13 @@
         <p:spPr/>
         <p:txBody>
           <a:bodyPr/>
-          <a:lstStyle>
-            <a:lvl1pPr algn="l">
-              <a:defRPr/>
-            </a:lvl1pPr>
-          </a:lstStyle>
-          <a:p>
-            <a:r>
-              <a:rPr lang="en-US" dirty="0" smtClean="0"/>
+          <a:lstStyle/>
+          <a:p>
+            <a:r>
+              <a:rPr lang="en-US" smtClean="0"/>
               <a:t>Click to edit Master title style</a:t>
             </a:r>
-            <a:endParaRPr lang="en-IN" dirty="0"/>
+            <a:endParaRPr lang="en-US" dirty="0"/>
           </a:p>
         </p:txBody>
       </p:sp>
@@ -1154,9 +1204,8 @@
             <a:pPr lvl="0"/>
             <a:r>
               <a:rPr lang="en-US" smtClean="0"/>
-              <a:t>Click to edit Master text styles</a:t>
-            </a:r>
-            <a:endParaRPr lang="en-US" smtClean="0"/>
+              <a:t>Edit Master text styles</a:t>
+            </a:r>
           </a:p>
           <a:p>
             <a:pPr lvl="1"/>
@@ -1164,7 +1213,6 @@
               <a:rPr lang="en-US" smtClean="0"/>
               <a:t>Second level</a:t>
             </a:r>
-            <a:endParaRPr lang="en-US" smtClean="0"/>
           </a:p>
           <a:p>
             <a:pPr lvl="2"/>
@@ -1172,7 +1220,6 @@
               <a:rPr lang="en-US" smtClean="0"/>
               <a:t>Third level</a:t>
             </a:r>
-            <a:endParaRPr lang="en-US" smtClean="0"/>
           </a:p>
           <a:p>
             <a:pPr lvl="3"/>
@@ -1180,7 +1227,6 @@
               <a:rPr lang="en-US" smtClean="0"/>
               <a:t>Fourth level</a:t>
             </a:r>
-            <a:endParaRPr lang="en-US" smtClean="0"/>
           </a:p>
           <a:p>
             <a:pPr lvl="4"/>
@@ -1188,7 +1234,7 @@
               <a:rPr lang="en-US" smtClean="0"/>
               <a:t>Fifth level</a:t>
             </a:r>
-            <a:endParaRPr lang="en-IN"/>
+            <a:endParaRPr lang="en-US" dirty="0"/>
           </a:p>
         </p:txBody>
       </p:sp>
@@ -1202,14 +1248,18 @@
             <p:ph type="dt" sz="half" idx="10"/>
           </p:nvPr>
         </p:nvSpPr>
-        <p:spPr/>
-        <p:txBody>
-          <a:bodyPr/>
-          <a:lstStyle>
-            <a:lvl1pPr>
-              <a:defRPr/>
-            </a:lvl1pPr>
-          </a:lstStyle>
+        <p:spPr>
+          <a:xfrm>
+            <a:off x="0" y="6230506"/>
+            <a:ext cx="2057400" cy="365125"/>
+          </a:xfrm>
+          <a:prstGeom prst="rect">
+            <a:avLst/>
+          </a:prstGeom>
+        </p:spPr>
+        <p:txBody>
+          <a:bodyPr/>
+          <a:lstStyle/>
           <a:p>
             <a:endParaRPr lang="en-US" altLang="en-US"/>
           </a:p>
@@ -1225,14 +1275,18 @@
             <p:ph type="ftr" sz="quarter" idx="11"/>
           </p:nvPr>
         </p:nvSpPr>
-        <p:spPr/>
-        <p:txBody>
-          <a:bodyPr/>
-          <a:lstStyle>
-            <a:lvl1pPr>
-              <a:defRPr/>
-            </a:lvl1pPr>
-          </a:lstStyle>
+        <p:spPr>
+          <a:xfrm>
+            <a:off x="3678382" y="6518273"/>
+            <a:ext cx="3086100" cy="365125"/>
+          </a:xfrm>
+          <a:prstGeom prst="rect">
+            <a:avLst/>
+          </a:prstGeom>
+        </p:spPr>
+        <p:txBody>
+          <a:bodyPr/>
+          <a:lstStyle/>
           <a:p>
             <a:endParaRPr lang="en-US" altLang="en-US"/>
           </a:p>
@@ -1248,27 +1302,41 @@
             <p:ph type="sldNum" sz="quarter" idx="12"/>
           </p:nvPr>
         </p:nvSpPr>
-        <p:spPr/>
-        <p:txBody>
-          <a:bodyPr/>
-          <a:lstStyle>
-            <a:lvl1pPr>
-              <a:defRPr/>
-            </a:lvl1pPr>
-          </a:lstStyle>
+        <p:spPr>
+          <a:xfrm>
+            <a:off x="6842414" y="6518274"/>
+            <a:ext cx="2057400" cy="365125"/>
+          </a:xfrm>
+        </p:spPr>
+        <p:txBody>
+          <a:bodyPr/>
+          <a:lstStyle/>
           <a:p>
             <a:fld id="{20534EEE-6172-4E08-B0F7-A7F46A93D015}" type="slidenum">
-              <a:rPr lang="en-US" altLang="en-US"/>
+              <a:rPr lang="en-US" altLang="en-US" smtClean="0"/>
+              <a:t>‹#›</a:t>
             </a:fld>
             <a:endParaRPr lang="en-US" altLang="en-US"/>
           </a:p>
         </p:txBody>
       </p:sp>
     </p:spTree>
+    <p:extLst>
+      <p:ext uri="{BB962C8B-B14F-4D97-AF65-F5344CB8AC3E}">
+        <p14:creationId xmlns:p14="http://schemas.microsoft.com/office/powerpoint/2010/main" val="2368696399"/>
+      </p:ext>
+    </p:extLst>
   </p:cSld>
   <p:clrMapOvr>
     <a:masterClrMapping/>
   </p:clrMapOvr>
+  <p:timing>
+    <p:tnLst>
+      <p:par>
+        <p:cTn id="1" dur="indefinite" restart="never" nodeType="tmRoot"/>
+      </p:par>
+    </p:tnLst>
+  </p:timing>
 </p:sldLayout>
 </file>
 
@@ -1301,8 +1369,8 @@
         </p:nvSpPr>
         <p:spPr>
           <a:xfrm>
-            <a:off x="6515100" y="609600"/>
-            <a:ext cx="1943100" cy="5486400"/>
+            <a:off x="6543675" y="365125"/>
+            <a:ext cx="1971675" cy="5811838"/>
           </a:xfrm>
         </p:spPr>
         <p:txBody>
@@ -1313,7 +1381,7 @@
               <a:rPr lang="en-US" smtClean="0"/>
               <a:t>Click to edit Master title style</a:t>
             </a:r>
-            <a:endParaRPr lang="en-IN"/>
+            <a:endParaRPr lang="en-US" dirty="0"/>
           </a:p>
         </p:txBody>
       </p:sp>
@@ -1329,8 +1397,8 @@
         </p:nvSpPr>
         <p:spPr>
           <a:xfrm>
-            <a:off x="685800" y="609600"/>
-            <a:ext cx="5676900" cy="5486400"/>
+            <a:off x="628650" y="365125"/>
+            <a:ext cx="5800725" cy="5811838"/>
           </a:xfrm>
         </p:spPr>
         <p:txBody>
@@ -1340,9 +1408,8 @@
             <a:pPr lvl="0"/>
             <a:r>
               <a:rPr lang="en-US" smtClean="0"/>
-              <a:t>Click to edit Master text styles</a:t>
-            </a:r>
-            <a:endParaRPr lang="en-US" smtClean="0"/>
+              <a:t>Edit Master text styles</a:t>
+            </a:r>
           </a:p>
           <a:p>
             <a:pPr lvl="1"/>
@@ -1350,7 +1417,6 @@
               <a:rPr lang="en-US" smtClean="0"/>
               <a:t>Second level</a:t>
             </a:r>
-            <a:endParaRPr lang="en-US" smtClean="0"/>
           </a:p>
           <a:p>
             <a:pPr lvl="2"/>
@@ -1358,7 +1424,6 @@
               <a:rPr lang="en-US" smtClean="0"/>
               <a:t>Third level</a:t>
             </a:r>
-            <a:endParaRPr lang="en-US" smtClean="0"/>
           </a:p>
           <a:p>
             <a:pPr lvl="3"/>
@@ -1366,7 +1431,6 @@
               <a:rPr lang="en-US" smtClean="0"/>
               <a:t>Fourth level</a:t>
             </a:r>
-            <a:endParaRPr lang="en-US" smtClean="0"/>
           </a:p>
           <a:p>
             <a:pPr lvl="4"/>
@@ -1374,12 +1438,211 @@
               <a:rPr lang="en-US" smtClean="0"/>
               <a:t>Fifth level</a:t>
             </a:r>
+            <a:endParaRPr lang="en-US" dirty="0"/>
+          </a:p>
+        </p:txBody>
+      </p:sp>
+      <p:sp>
+        <p:nvSpPr>
+          <p:cNvPr id="4" name="Date Placeholder 3"/>
+          <p:cNvSpPr>
+            <a:spLocks noGrp="1"/>
+          </p:cNvSpPr>
+          <p:nvPr>
+            <p:ph type="dt" sz="half" idx="10"/>
+          </p:nvPr>
+        </p:nvSpPr>
+        <p:spPr>
+          <a:xfrm>
+            <a:off x="0" y="6243782"/>
+            <a:ext cx="2057400" cy="365125"/>
+          </a:xfrm>
+          <a:prstGeom prst="rect">
+            <a:avLst/>
+          </a:prstGeom>
+        </p:spPr>
+        <p:txBody>
+          <a:bodyPr/>
+          <a:lstStyle/>
+          <a:p>
+            <a:endParaRPr lang="en-US" altLang="en-US"/>
+          </a:p>
+        </p:txBody>
+      </p:sp>
+      <p:sp>
+        <p:nvSpPr>
+          <p:cNvPr id="5" name="Footer Placeholder 4"/>
+          <p:cNvSpPr>
+            <a:spLocks noGrp="1"/>
+          </p:cNvSpPr>
+          <p:nvPr>
+            <p:ph type="ftr" sz="quarter" idx="11"/>
+          </p:nvPr>
+        </p:nvSpPr>
+        <p:spPr>
+          <a:xfrm>
+            <a:off x="3745923" y="6539056"/>
+            <a:ext cx="3086100" cy="365125"/>
+          </a:xfrm>
+          <a:prstGeom prst="rect">
+            <a:avLst/>
+          </a:prstGeom>
+        </p:spPr>
+        <p:txBody>
+          <a:bodyPr/>
+          <a:lstStyle/>
+          <a:p>
+            <a:endParaRPr lang="en-US" altLang="en-US"/>
+          </a:p>
+        </p:txBody>
+      </p:sp>
+      <p:sp>
+        <p:nvSpPr>
+          <p:cNvPr id="6" name="Slide Number Placeholder 5"/>
+          <p:cNvSpPr>
+            <a:spLocks noGrp="1"/>
+          </p:cNvSpPr>
+          <p:nvPr>
+            <p:ph type="sldNum" sz="quarter" idx="12"/>
+          </p:nvPr>
+        </p:nvSpPr>
+        <p:spPr>
+          <a:xfrm>
+            <a:off x="6832023" y="6539056"/>
+            <a:ext cx="2057400" cy="365125"/>
+          </a:xfrm>
+        </p:spPr>
+        <p:txBody>
+          <a:bodyPr/>
+          <a:lstStyle/>
+          <a:p>
+            <a:fld id="{A56982BD-E878-4359-9BE2-EF98375094DE}" type="slidenum">
+              <a:rPr lang="en-US" altLang="en-US" smtClean="0"/>
+              <a:t>‹#›</a:t>
+            </a:fld>
+            <a:endParaRPr lang="en-US" altLang="en-US"/>
+          </a:p>
+        </p:txBody>
+      </p:sp>
+    </p:spTree>
+    <p:extLst>
+      <p:ext uri="{BB962C8B-B14F-4D97-AF65-F5344CB8AC3E}">
+        <p14:creationId xmlns:p14="http://schemas.microsoft.com/office/powerpoint/2010/main" val="1949756904"/>
+      </p:ext>
+    </p:extLst>
+  </p:cSld>
+  <p:clrMapOvr>
+    <a:masterClrMapping/>
+  </p:clrMapOvr>
+  <p:timing>
+    <p:tnLst>
+      <p:par>
+        <p:cTn id="1" dur="indefinite" restart="never" nodeType="tmRoot"/>
+      </p:par>
+    </p:tnLst>
+  </p:timing>
+</p:sldLayout>
+</file>
+
+<file path=ppt/slideLayouts/slideLayout13.xml><?xml version="1.0" encoding="utf-8"?>
+<p:sldLayout xmlns:a="http://schemas.openxmlformats.org/drawingml/2006/main" xmlns:r="http://schemas.openxmlformats.org/officeDocument/2006/relationships" xmlns:p="http://schemas.openxmlformats.org/presentationml/2006/main" preserve="1" userDrawn="1">
+  <p:cSld name="3_Title and Content">
+    <p:spTree>
+      <p:nvGrpSpPr>
+        <p:cNvPr id="1" name=""/>
+        <p:cNvGrpSpPr/>
+        <p:nvPr/>
+      </p:nvGrpSpPr>
+      <p:grpSpPr>
+        <a:xfrm>
+          <a:off x="0" y="0"/>
+          <a:ext cx="0" cy="0"/>
+          <a:chOff x="0" y="0"/>
+          <a:chExt cx="0" cy="0"/>
+        </a:xfrm>
+      </p:grpSpPr>
+      <p:sp>
+        <p:nvSpPr>
+          <p:cNvPr id="2" name="Title 1"/>
+          <p:cNvSpPr>
+            <a:spLocks noGrp="1"/>
+          </p:cNvSpPr>
+          <p:nvPr>
+            <p:ph type="title"/>
+          </p:nvPr>
+        </p:nvSpPr>
+        <p:spPr/>
+        <p:txBody>
+          <a:bodyPr/>
+          <a:lstStyle/>
+          <a:p>
+            <a:r>
+              <a:rPr lang="en-US" smtClean="0"/>
+              <a:t>Click to edit Master title style</a:t>
+            </a:r>
             <a:endParaRPr lang="en-IN"/>
           </a:p>
         </p:txBody>
       </p:sp>
       <p:sp>
         <p:nvSpPr>
+          <p:cNvPr id="3" name="Content Placeholder 2"/>
+          <p:cNvSpPr>
+            <a:spLocks noGrp="1"/>
+          </p:cNvSpPr>
+          <p:nvPr>
+            <p:ph idx="1"/>
+          </p:nvPr>
+        </p:nvSpPr>
+        <p:spPr>
+          <a:xfrm>
+            <a:off x="685800" y="3933056"/>
+            <a:ext cx="7772400" cy="2162944"/>
+          </a:xfrm>
+        </p:spPr>
+        <p:txBody>
+          <a:bodyPr/>
+          <a:lstStyle/>
+          <a:p>
+            <a:pPr lvl="0"/>
+            <a:r>
+              <a:rPr lang="en-US" dirty="0" smtClean="0"/>
+              <a:t>Click to edit Master text styles</a:t>
+            </a:r>
+          </a:p>
+          <a:p>
+            <a:pPr lvl="1"/>
+            <a:r>
+              <a:rPr lang="en-US" dirty="0" smtClean="0"/>
+              <a:t>Second level</a:t>
+            </a:r>
+          </a:p>
+          <a:p>
+            <a:pPr lvl="2"/>
+            <a:r>
+              <a:rPr lang="en-US" dirty="0" smtClean="0"/>
+              <a:t>Third level</a:t>
+            </a:r>
+          </a:p>
+          <a:p>
+            <a:pPr lvl="3"/>
+            <a:r>
+              <a:rPr lang="en-US" dirty="0" smtClean="0"/>
+              <a:t>Fourth level</a:t>
+            </a:r>
+          </a:p>
+          <a:p>
+            <a:pPr lvl="4"/>
+            <a:r>
+              <a:rPr lang="en-US" dirty="0" smtClean="0"/>
+              <a:t>Fifth level</a:t>
+            </a:r>
+            <a:endParaRPr lang="en-IN" dirty="0"/>
+          </a:p>
+        </p:txBody>
+      </p:sp>
+      <p:sp>
+        <p:nvSpPr>
           <p:cNvPr id="4" name="Date Placeholder 3"/>
           <p:cNvSpPr>
             <a:spLocks noGrp="1"/>
@@ -1388,7 +1651,15 @@
             <p:ph type="dt" sz="half" idx="10"/>
           </p:nvPr>
         </p:nvSpPr>
-        <p:spPr/>
+        <p:spPr>
+          <a:xfrm>
+            <a:off x="685800" y="6248400"/>
+            <a:ext cx="1905000" cy="457200"/>
+          </a:xfrm>
+          <a:prstGeom prst="rect">
+            <a:avLst/>
+          </a:prstGeom>
+        </p:spPr>
         <p:txBody>
           <a:bodyPr/>
           <a:lstStyle>
@@ -1443,10 +1714,125 @@
             </a:lvl1pPr>
           </a:lstStyle>
           <a:p>
-            <a:fld id="{A56982BD-E878-4359-9BE2-EF98375094DE}" type="slidenum">
+            <a:fld id="{3086ADDC-2EE6-42FF-AE85-54D774CE032E}" type="slidenum">
               <a:rPr lang="en-US" altLang="en-US"/>
+              <a:t>‹#›</a:t>
             </a:fld>
             <a:endParaRPr lang="en-US" altLang="en-US"/>
+          </a:p>
+        </p:txBody>
+      </p:sp>
+      <p:sp>
+        <p:nvSpPr>
+          <p:cNvPr id="7" name="Content Placeholder 2"/>
+          <p:cNvSpPr>
+            <a:spLocks noGrp="1"/>
+          </p:cNvSpPr>
+          <p:nvPr>
+            <p:ph sz="half" idx="13"/>
+          </p:nvPr>
+        </p:nvSpPr>
+        <p:spPr>
+          <a:xfrm>
+            <a:off x="685800" y="1981200"/>
+            <a:ext cx="3814192" cy="1799456"/>
+          </a:xfrm>
+        </p:spPr>
+        <p:txBody>
+          <a:bodyPr/>
+          <a:lstStyle/>
+          <a:p>
+            <a:pPr lvl="0"/>
+            <a:r>
+              <a:rPr lang="en-US" dirty="0" smtClean="0"/>
+              <a:t>Click to edit Master text styles</a:t>
+            </a:r>
+          </a:p>
+          <a:p>
+            <a:pPr lvl="1"/>
+            <a:r>
+              <a:rPr lang="en-US" dirty="0" smtClean="0"/>
+              <a:t>Second level</a:t>
+            </a:r>
+          </a:p>
+          <a:p>
+            <a:pPr lvl="2"/>
+            <a:r>
+              <a:rPr lang="en-US" dirty="0" smtClean="0"/>
+              <a:t>Third level</a:t>
+            </a:r>
+          </a:p>
+          <a:p>
+            <a:pPr lvl="3"/>
+            <a:r>
+              <a:rPr lang="en-US" dirty="0" smtClean="0"/>
+              <a:t>Fourth level</a:t>
+            </a:r>
+          </a:p>
+          <a:p>
+            <a:pPr lvl="4"/>
+            <a:r>
+              <a:rPr lang="en-US" dirty="0" smtClean="0"/>
+              <a:t>Fifth level</a:t>
+            </a:r>
+            <a:endParaRPr lang="en-IN" dirty="0"/>
+          </a:p>
+        </p:txBody>
+      </p:sp>
+      <p:sp>
+        <p:nvSpPr>
+          <p:cNvPr id="8" name="Content Placeholder 2"/>
+          <p:cNvSpPr>
+            <a:spLocks noGrp="1"/>
+          </p:cNvSpPr>
+          <p:nvPr>
+            <p:ph sz="half" idx="14"/>
+          </p:nvPr>
+        </p:nvSpPr>
+        <p:spPr>
+          <a:xfrm>
+            <a:off x="4650432" y="1981200"/>
+            <a:ext cx="3807768" cy="1799456"/>
+          </a:xfrm>
+        </p:spPr>
+        <p:txBody>
+          <a:bodyPr/>
+          <a:lstStyle/>
+          <a:p>
+            <a:pPr lvl="0"/>
+            <a:r>
+              <a:rPr lang="en-US" dirty="0" smtClean="0"/>
+              <a:t>Click to edit Master text styles</a:t>
+            </a:r>
+          </a:p>
+          <a:p>
+            <a:pPr lvl="1"/>
+            <a:r>
+              <a:rPr lang="en-US" dirty="0" smtClean="0"/>
+              <a:t>Second level</a:t>
+            </a:r>
+          </a:p>
+          <a:p>
+            <a:pPr lvl="2"/>
+            <a:r>
+              <a:rPr lang="en-US" dirty="0" smtClean="0"/>
+              <a:t>Third level</a:t>
+            </a:r>
+          </a:p>
+          <a:p>
+            <a:pPr lvl="3"/>
+            <a:r>
+              <a:rPr lang="en-US" dirty="0" smtClean="0"/>
+              <a:t>Fourth level</a:t>
+            </a:r>
+          </a:p>
+          <a:p>
+            <a:pPr lvl="4"/>
+            <a:r>
+              <a:rPr lang="en-US" dirty="0" smtClean="0"/>
+              <a:t>Fifth level</a:t>
+            </a:r>
+            <a:endParaRPr lang="en-IN" dirty="0"/>
           </a:p>
         </p:txBody>
       </p:sp>
@@ -1455,10 +1841,11 @@
   <p:clrMapOvr>
     <a:masterClrMapping/>
   </p:clrMapOvr>
+  <p:hf sldNum="0" hdr="0" ftr="0" dt="0"/>
 </p:sldLayout>
 </file>
 
-<file path=ppt/slideLayouts/slideLayout13.xml><?xml version="1.0" encoding="utf-8"?>
+<file path=ppt/slideLayouts/slideLayout14.xml><?xml version="1.0" encoding="utf-8"?>
 <p:sldLayout xmlns:a="http://schemas.openxmlformats.org/drawingml/2006/main" xmlns:r="http://schemas.openxmlformats.org/officeDocument/2006/relationships" xmlns:p="http://schemas.openxmlformats.org/presentationml/2006/main" userDrawn="1">
   <p:cSld name="1_Title and Content">
     <p:spTree>
@@ -1503,7 +1890,6 @@
               <a:rPr lang="en-US" dirty="0" smtClean="0"/>
               <a:t>Click to edit Master text styles</a:t>
             </a:r>
-            <a:endParaRPr lang="en-US" dirty="0" smtClean="0"/>
           </a:p>
           <a:p>
             <a:pPr lvl="1"/>
@@ -1511,7 +1897,6 @@
               <a:rPr lang="en-US" dirty="0" smtClean="0"/>
               <a:t>Second level</a:t>
             </a:r>
-            <a:endParaRPr lang="en-US" dirty="0" smtClean="0"/>
           </a:p>
           <a:p>
             <a:pPr lvl="2"/>
@@ -1519,7 +1904,6 @@
               <a:rPr lang="en-US" dirty="0" smtClean="0"/>
               <a:t>Third level</a:t>
             </a:r>
-            <a:endParaRPr lang="en-US" dirty="0" smtClean="0"/>
           </a:p>
           <a:p>
             <a:pPr lvl="3"/>
@@ -1527,7 +1911,6 @@
               <a:rPr lang="en-US" dirty="0" smtClean="0"/>
               <a:t>Fourth level</a:t>
             </a:r>
-            <a:endParaRPr lang="en-US" dirty="0" smtClean="0"/>
           </a:p>
           <a:p>
             <a:pPr lvl="4"/>
@@ -1564,6 +1947,7 @@
           <a:p>
             <a:fld id="{31E38928-F05B-4C42-9226-61EDCAAB8EFB}" type="datetime1">
               <a:rPr lang="en-US" smtClean="0"/>
+              <a:t>10/14/2019</a:t>
             </a:fld>
             <a:endParaRPr lang="en-US"/>
           </a:p>
@@ -1622,6 +2006,7 @@
             <a:pPr algn="r"/>
             <a:fld id="{D4C49B74-5DB2-4B03-B1D2-7F6A3C51C318}" type="slidenum">
               <a:rPr lang="en-US" smtClean="0"/>
+              <a:t>‹#›</a:t>
             </a:fld>
             <a:endParaRPr lang="en-US"/>
           </a:p>
@@ -1677,7 +2062,7 @@
 </p:sldLayout>
 </file>
 
-<file path=ppt/slideLayouts/slideLayout14.xml><?xml version="1.0" encoding="utf-8"?>
+<file path=ppt/slideLayouts/slideLayout15.xml><?xml version="1.0" encoding="utf-8"?>
 <p:sldLayout xmlns:a="http://schemas.openxmlformats.org/drawingml/2006/main" xmlns:r="http://schemas.openxmlformats.org/officeDocument/2006/relationships" xmlns:p="http://schemas.openxmlformats.org/presentationml/2006/main" preserve="1" userDrawn="1">
   <p:cSld name="2_Title and Content">
     <p:spTree>
@@ -1722,7 +2107,6 @@
               <a:rPr lang="en-US" smtClean="0"/>
               <a:t>Click to edit Master text styles</a:t>
             </a:r>
-            <a:endParaRPr lang="en-US" smtClean="0"/>
           </a:p>
           <a:p>
             <a:pPr lvl="1"/>
@@ -1730,7 +2114,6 @@
               <a:rPr lang="en-US" smtClean="0"/>
               <a:t>Second level</a:t>
             </a:r>
-            <a:endParaRPr lang="en-US" smtClean="0"/>
           </a:p>
           <a:p>
             <a:pPr lvl="2"/>
@@ -1738,7 +2121,6 @@
               <a:rPr lang="en-US" smtClean="0"/>
               <a:t>Third level</a:t>
             </a:r>
-            <a:endParaRPr lang="en-US" smtClean="0"/>
           </a:p>
           <a:p>
             <a:pPr lvl="3"/>
@@ -1746,7 +2128,6 @@
               <a:rPr lang="en-US" smtClean="0"/>
               <a:t>Fourth level</a:t>
             </a:r>
-            <a:endParaRPr lang="en-US" smtClean="0"/>
           </a:p>
           <a:p>
             <a:pPr lvl="4"/>
@@ -1802,7 +2183,7 @@
 </p:sldLayout>
 </file>
 
-<file path=ppt/slideLayouts/slideLayout15.xml><?xml version="1.0" encoding="utf-8"?>
+<file path=ppt/slideLayouts/slideLayout16.xml><?xml version="1.0" encoding="utf-8"?>
 <p:sldLayout xmlns:a="http://schemas.openxmlformats.org/drawingml/2006/main" xmlns:r="http://schemas.openxmlformats.org/officeDocument/2006/relationships" xmlns:p="http://schemas.openxmlformats.org/presentationml/2006/main" preserve="1" userDrawn="1">
   <p:cSld name="1_Comparison">
     <p:spTree>
@@ -1884,7 +2265,6 @@
               <a:rPr lang="en-US" smtClean="0"/>
               <a:t>Click to edit Master text styles</a:t>
             </a:r>
-            <a:endParaRPr lang="en-US" smtClean="0"/>
           </a:p>
         </p:txBody>
       </p:sp>
@@ -1916,7 +2296,6 @@
               <a:rPr lang="en-US" smtClean="0"/>
               <a:t>Click to edit Master text styles</a:t>
             </a:r>
-            <a:endParaRPr lang="en-US" smtClean="0"/>
           </a:p>
           <a:p>
             <a:pPr lvl="1"/>
@@ -1924,7 +2303,6 @@
               <a:rPr lang="en-US" smtClean="0"/>
               <a:t>Second level</a:t>
             </a:r>
-            <a:endParaRPr lang="en-US" smtClean="0"/>
           </a:p>
           <a:p>
             <a:pPr lvl="2"/>
@@ -1932,7 +2310,6 @@
               <a:rPr lang="en-US" smtClean="0"/>
               <a:t>Third level</a:t>
             </a:r>
-            <a:endParaRPr lang="en-US" smtClean="0"/>
           </a:p>
           <a:p>
             <a:pPr lvl="3"/>
@@ -1940,7 +2317,6 @@
               <a:rPr lang="en-US" smtClean="0"/>
               <a:t>Fourth level</a:t>
             </a:r>
-            <a:endParaRPr lang="en-US" smtClean="0"/>
           </a:p>
           <a:p>
             <a:pPr lvl="4"/>
@@ -2017,7 +2393,6 @@
               <a:rPr lang="en-US" smtClean="0"/>
               <a:t>Click to edit Master text styles</a:t>
             </a:r>
-            <a:endParaRPr lang="en-US" smtClean="0"/>
           </a:p>
         </p:txBody>
       </p:sp>
@@ -2049,7 +2424,6 @@
               <a:rPr lang="en-US" smtClean="0"/>
               <a:t>Click to edit Master text styles</a:t>
             </a:r>
-            <a:endParaRPr lang="en-US" smtClean="0"/>
           </a:p>
           <a:p>
             <a:pPr lvl="1"/>
@@ -2057,7 +2431,6 @@
               <a:rPr lang="en-US" smtClean="0"/>
               <a:t>Second level</a:t>
             </a:r>
-            <a:endParaRPr lang="en-US" smtClean="0"/>
           </a:p>
           <a:p>
             <a:pPr lvl="2"/>
@@ -2065,7 +2438,6 @@
               <a:rPr lang="en-US" smtClean="0"/>
               <a:t>Third level</a:t>
             </a:r>
-            <a:endParaRPr lang="en-US" smtClean="0"/>
           </a:p>
           <a:p>
             <a:pPr lvl="3"/>
@@ -2073,7 +2445,6 @@
               <a:rPr lang="en-US" smtClean="0"/>
               <a:t>Fourth level</a:t>
             </a:r>
-            <a:endParaRPr lang="en-US" smtClean="0"/>
           </a:p>
           <a:p>
             <a:pPr lvl="4"/>
@@ -2128,7 +2499,7 @@
 </p:sldLayout>
 </file>
 
-<file path=ppt/slideLayouts/slideLayout16.xml><?xml version="1.0" encoding="utf-8"?>
+<file path=ppt/slideLayouts/slideLayout17.xml><?xml version="1.0" encoding="utf-8"?>
 <p:sldLayout xmlns:a="http://schemas.openxmlformats.org/drawingml/2006/main" xmlns:r="http://schemas.openxmlformats.org/officeDocument/2006/relationships" xmlns:p="http://schemas.openxmlformats.org/presentationml/2006/main" preserve="1" userDrawn="1">
   <p:cSld name="1_Title Only">
     <p:spTree>
@@ -2188,7 +2559,7 @@
 </p:sldLayout>
 </file>
 
-<file path=ppt/slideLayouts/slideLayout17.xml><?xml version="1.0" encoding="utf-8"?>
+<file path=ppt/slideLayouts/slideLayout18.xml><?xml version="1.0" encoding="utf-8"?>
 <p:sldLayout xmlns:a="http://schemas.openxmlformats.org/drawingml/2006/main" xmlns:r="http://schemas.openxmlformats.org/officeDocument/2006/relationships" xmlns:p="http://schemas.openxmlformats.org/presentationml/2006/main" preserve="1" userDrawn="1">
   <p:cSld name="1_Title and Vertical Text">
     <p:spTree>
@@ -2233,7 +2604,6 @@
               <a:rPr lang="en-US" smtClean="0"/>
               <a:t>Click to edit Master text styles</a:t>
             </a:r>
-            <a:endParaRPr lang="en-US" smtClean="0"/>
           </a:p>
           <a:p>
             <a:pPr lvl="1"/>
@@ -2241,7 +2611,6 @@
               <a:rPr lang="en-US" smtClean="0"/>
               <a:t>Second level</a:t>
             </a:r>
-            <a:endParaRPr lang="en-US" smtClean="0"/>
           </a:p>
           <a:p>
             <a:pPr lvl="2"/>
@@ -2249,7 +2618,6 @@
               <a:rPr lang="en-US" smtClean="0"/>
               <a:t>Third level</a:t>
             </a:r>
-            <a:endParaRPr lang="en-US" smtClean="0"/>
           </a:p>
           <a:p>
             <a:pPr lvl="3"/>
@@ -2257,7 +2625,6 @@
               <a:rPr lang="en-US" smtClean="0"/>
               <a:t>Fourth level</a:t>
             </a:r>
-            <a:endParaRPr lang="en-US" smtClean="0"/>
           </a:p>
           <a:p>
             <a:pPr lvl="4"/>
@@ -2313,6 +2680,297 @@
 </file>
 
 <file path=ppt/slideLayouts/slideLayout2.xml><?xml version="1.0" encoding="utf-8"?>
+<p:sldLayout xmlns:a="http://schemas.openxmlformats.org/drawingml/2006/main" xmlns:r="http://schemas.openxmlformats.org/officeDocument/2006/relationships" xmlns:p="http://schemas.openxmlformats.org/presentationml/2006/main" preserve="1">
+  <p:cSld name="FrontPage">
+    <p:bg>
+      <p:bgPr>
+        <a:blipFill dpi="0" rotWithShape="1">
+          <a:blip r:embed="rId2">
+            <a:lum/>
+          </a:blip>
+          <a:srcRect/>
+          <a:stretch>
+            <a:fillRect t="-3000" b="-3000"/>
+          </a:stretch>
+        </a:blipFill>
+        <a:effectLst/>
+      </p:bgPr>
+    </p:bg>
+    <p:spTree>
+      <p:nvGrpSpPr>
+        <p:cNvPr id="1" name=""/>
+        <p:cNvGrpSpPr/>
+        <p:nvPr/>
+      </p:nvGrpSpPr>
+      <p:grpSpPr>
+        <a:xfrm>
+          <a:off x="0" y="0"/>
+          <a:ext cx="0" cy="0"/>
+          <a:chOff x="0" y="0"/>
+          <a:chExt cx="0" cy="0"/>
+        </a:xfrm>
+      </p:grpSpPr>
+      <p:sp>
+        <p:nvSpPr>
+          <p:cNvPr id="2" name="Title 1"/>
+          <p:cNvSpPr>
+            <a:spLocks noGrp="1"/>
+          </p:cNvSpPr>
+          <p:nvPr>
+            <p:ph type="title" hasCustomPrompt="1"/>
+          </p:nvPr>
+        </p:nvSpPr>
+        <p:spPr>
+          <a:xfrm>
+            <a:off x="823327" y="891516"/>
+            <a:ext cx="7413914" cy="1048038"/>
+          </a:xfrm>
+        </p:spPr>
+        <p:style>
+          <a:lnRef idx="1">
+            <a:schemeClr val="accent3"/>
+          </a:lnRef>
+          <a:fillRef idx="2">
+            <a:schemeClr val="accent3"/>
+          </a:fillRef>
+          <a:effectRef idx="1">
+            <a:schemeClr val="accent3"/>
+          </a:effectRef>
+          <a:fontRef idx="none"/>
+        </p:style>
+        <p:txBody>
+          <a:bodyPr/>
+          <a:lstStyle>
+            <a:lvl1pPr algn="ctr">
+              <a:defRPr>
+                <a:latin typeface="+mj-lt"/>
+              </a:defRPr>
+            </a:lvl1pPr>
+          </a:lstStyle>
+          <a:p>
+            <a:r>
+              <a:rPr lang="en-US" dirty="0" smtClean="0"/>
+              <a:t>Module Name</a:t>
+            </a:r>
+            <a:endParaRPr lang="en-IN" dirty="0"/>
+          </a:p>
+        </p:txBody>
+      </p:sp>
+      <p:sp>
+        <p:nvSpPr>
+          <p:cNvPr id="3" name="Slide Number Placeholder 2"/>
+          <p:cNvSpPr>
+            <a:spLocks noGrp="1"/>
+          </p:cNvSpPr>
+          <p:nvPr>
+            <p:ph type="sldNum" sz="quarter" idx="10"/>
+          </p:nvPr>
+        </p:nvSpPr>
+        <p:spPr>
+          <a:xfrm>
+            <a:off x="6832023" y="6528665"/>
+            <a:ext cx="2057400" cy="365125"/>
+          </a:xfrm>
+        </p:spPr>
+        <p:txBody>
+          <a:bodyPr/>
+          <a:lstStyle/>
+          <a:p>
+            <a:fld id="{7FAD312C-826E-40DC-8EA2-9106566C605C}" type="slidenum">
+              <a:rPr lang="en-US" altLang="en-US" smtClean="0"/>
+              <a:t>‹#›</a:t>
+            </a:fld>
+            <a:endParaRPr lang="en-US" altLang="en-US"/>
+          </a:p>
+        </p:txBody>
+      </p:sp>
+      <p:pic>
+        <p:nvPicPr>
+          <p:cNvPr id="4" name="Picture 3"/>
+          <p:cNvPicPr>
+            <a:picLocks noChangeAspect="1"/>
+          </p:cNvPicPr>
+          <p:nvPr/>
+        </p:nvPicPr>
+        <p:blipFill>
+          <a:blip r:embed="rId3" cstate="print">
+            <a:extLst>
+              <a:ext uri="{28A0092B-C50C-407E-A947-70E740481C1C}">
+                <a14:useLocalDpi xmlns:a14="http://schemas.microsoft.com/office/drawing/2010/main" val="0"/>
+              </a:ext>
+            </a:extLst>
+          </a:blip>
+          <a:stretch>
+            <a:fillRect/>
+          </a:stretch>
+        </p:blipFill>
+        <p:spPr>
+          <a:xfrm>
+            <a:off x="2756338" y="2312230"/>
+            <a:ext cx="3470263" cy="3208065"/>
+          </a:xfrm>
+          <a:prstGeom prst="rect">
+            <a:avLst/>
+          </a:prstGeom>
+        </p:spPr>
+      </p:pic>
+      <p:sp>
+        <p:nvSpPr>
+          <p:cNvPr id="5" name="TextBox 4"/>
+          <p:cNvSpPr txBox="1"/>
+          <p:nvPr/>
+        </p:nvSpPr>
+        <p:spPr>
+          <a:xfrm>
+            <a:off x="1906580" y="5756862"/>
+            <a:ext cx="5247409" cy="369332"/>
+          </a:xfrm>
+          <a:prstGeom prst="rect">
+            <a:avLst/>
+          </a:prstGeom>
+          <a:noFill/>
+        </p:spPr>
+        <p:txBody>
+          <a:bodyPr wrap="square" rtlCol="0">
+            <a:spAutoFit/>
+          </a:bodyPr>
+          <a:lstStyle/>
+          <a:p>
+            <a:pPr algn="ctr"/>
+            <a:r>
+              <a:rPr lang="en-IN" dirty="0" smtClean="0">
+                <a:latin typeface="+mj-lt"/>
+              </a:rPr>
+              <a:t>CENTRE</a:t>
+            </a:r>
+            <a:r>
+              <a:rPr lang="en-IN" baseline="0" dirty="0" smtClean="0">
+                <a:latin typeface="+mj-lt"/>
+              </a:rPr>
+              <a:t> OF EXCELLENCE IN IT</a:t>
+            </a:r>
+            <a:endParaRPr lang="en-IN" dirty="0">
+              <a:latin typeface="+mj-lt"/>
+            </a:endParaRPr>
+          </a:p>
+        </p:txBody>
+      </p:sp>
+      <p:sp>
+        <p:nvSpPr>
+          <p:cNvPr id="6" name="TextBox 5"/>
+          <p:cNvSpPr txBox="1"/>
+          <p:nvPr/>
+        </p:nvSpPr>
+        <p:spPr>
+          <a:xfrm>
+            <a:off x="3291319" y="1939554"/>
+            <a:ext cx="2400300" cy="369332"/>
+          </a:xfrm>
+          <a:prstGeom prst="rect">
+            <a:avLst/>
+          </a:prstGeom>
+          <a:noFill/>
+          <a:ln>
+            <a:noFill/>
+          </a:ln>
+        </p:spPr>
+        <p:style>
+          <a:lnRef idx="2">
+            <a:schemeClr val="dk1"/>
+          </a:lnRef>
+          <a:fillRef idx="1">
+            <a:schemeClr val="lt1"/>
+          </a:fillRef>
+          <a:effectRef idx="0">
+            <a:schemeClr val="dk1"/>
+          </a:effectRef>
+          <a:fontRef idx="minor">
+            <a:schemeClr val="dk1"/>
+          </a:fontRef>
+        </p:style>
+        <p:txBody>
+          <a:bodyPr wrap="square" rtlCol="0">
+            <a:spAutoFit/>
+          </a:bodyPr>
+          <a:lstStyle/>
+          <a:p>
+            <a:pPr algn="ctr"/>
+            <a:r>
+              <a:rPr lang="en-IN" dirty="0" smtClean="0">
+                <a:latin typeface="+mj-lt"/>
+              </a:rPr>
+              <a:t>Session</a:t>
+            </a:r>
+            <a:r>
+              <a:rPr lang="en-IN" baseline="0" dirty="0" smtClean="0">
+                <a:latin typeface="+mj-lt"/>
+              </a:rPr>
+              <a:t> </a:t>
+            </a:r>
+            <a:r>
+              <a:rPr lang="en-IN" baseline="0" dirty="0" smtClean="0">
+                <a:latin typeface="+mj-lt"/>
+              </a:rPr>
+              <a:t>1</a:t>
+            </a:r>
+            <a:endParaRPr lang="en-IN" dirty="0">
+              <a:latin typeface="+mj-lt"/>
+            </a:endParaRPr>
+          </a:p>
+        </p:txBody>
+      </p:sp>
+      <p:sp>
+        <p:nvSpPr>
+          <p:cNvPr id="7" name="TextBox 6"/>
+          <p:cNvSpPr txBox="1"/>
+          <p:nvPr/>
+        </p:nvSpPr>
+        <p:spPr>
+          <a:xfrm>
+            <a:off x="7153989" y="5066474"/>
+            <a:ext cx="1839191" cy="369332"/>
+          </a:xfrm>
+          <a:prstGeom prst="rect">
+            <a:avLst/>
+          </a:prstGeom>
+          <a:noFill/>
+        </p:spPr>
+        <p:txBody>
+          <a:bodyPr wrap="square" rtlCol="0">
+            <a:spAutoFit/>
+          </a:bodyPr>
+          <a:lstStyle/>
+          <a:p>
+            <a:r>
+              <a:rPr lang="en-IN" dirty="0" smtClean="0"/>
+              <a:t>Jishnu TU</a:t>
+            </a:r>
+            <a:endParaRPr lang="en-IN" dirty="0"/>
+          </a:p>
+        </p:txBody>
+      </p:sp>
+    </p:spTree>
+    <p:extLst>
+      <p:ext uri="{BB962C8B-B14F-4D97-AF65-F5344CB8AC3E}">
+        <p14:creationId xmlns:p14="http://schemas.microsoft.com/office/powerpoint/2010/main" val="2299632841"/>
+      </p:ext>
+    </p:extLst>
+  </p:cSld>
+  <p:clrMapOvr>
+    <a:masterClrMapping/>
+  </p:clrMapOvr>
+  <p:timing>
+    <p:tnLst>
+      <p:par>
+        <p:cTn id="1" dur="indefinite" restart="never" nodeType="tmRoot"/>
+      </p:par>
+    </p:tnLst>
+  </p:timing>
+  <p:hf sldNum="0" hdr="0" ftr="0" dt="0"/>
+</p:sldLayout>
+</file>
+
+<file path=ppt/slideLayouts/slideLayout3.xml><?xml version="1.0" encoding="utf-8"?>
 <p:sldLayout xmlns:a="http://schemas.openxmlformats.org/drawingml/2006/main" xmlns:r="http://schemas.openxmlformats.org/officeDocument/2006/relationships" xmlns:p="http://schemas.openxmlformats.org/presentationml/2006/main" type="obj" preserve="1">
   <p:cSld name="Title and Content">
     <p:spTree>
@@ -2339,16 +2997,29 @@
             <p:ph type="title"/>
           </p:nvPr>
         </p:nvSpPr>
-        <p:spPr/>
-        <p:txBody>
-          <a:bodyPr/>
-          <a:lstStyle/>
+        <p:spPr>
+          <a:xfrm>
+            <a:off x="748144" y="209262"/>
+            <a:ext cx="7117773" cy="580447"/>
+          </a:xfrm>
+        </p:spPr>
+        <p:txBody>
+          <a:bodyPr/>
+          <a:lstStyle>
+            <a:lvl1pPr>
+              <a:defRPr>
+                <a:latin typeface="Cambria" panose="02040503050406030204" pitchFamily="18" charset="0"/>
+                <a:ea typeface="Cambria" panose="02040503050406030204" pitchFamily="18" charset="0"/>
+                <a:cs typeface="Arial" panose="020B0604020202020204" pitchFamily="34" charset="0"/>
+              </a:defRPr>
+            </a:lvl1pPr>
+          </a:lstStyle>
           <a:p>
             <a:r>
               <a:rPr lang="en-US" smtClean="0"/>
               <a:t>Click to edit Master title style</a:t>
             </a:r>
-            <a:endParaRPr lang="en-IN"/>
+            <a:endParaRPr lang="en-US" dirty="0"/>
           </a:p>
         </p:txBody>
       </p:sp>
@@ -2362,17 +3033,57 @@
             <p:ph idx="1"/>
           </p:nvPr>
         </p:nvSpPr>
-        <p:spPr/>
-        <p:txBody>
-          <a:bodyPr/>
-          <a:lstStyle/>
+        <p:spPr>
+          <a:xfrm>
+            <a:off x="628650" y="1004743"/>
+            <a:ext cx="7886700" cy="5063548"/>
+          </a:xfrm>
+        </p:spPr>
+        <p:txBody>
+          <a:bodyPr/>
+          <a:lstStyle>
+            <a:lvl1pPr>
+              <a:defRPr>
+                <a:latin typeface="Cambria" panose="02040503050406030204" pitchFamily="18" charset="0"/>
+                <a:ea typeface="Cambria" panose="02040503050406030204" pitchFamily="18" charset="0"/>
+                <a:cs typeface="Arial" panose="020B0604020202020204" pitchFamily="34" charset="0"/>
+              </a:defRPr>
+            </a:lvl1pPr>
+            <a:lvl2pPr>
+              <a:defRPr>
+                <a:latin typeface="Cambria" panose="02040503050406030204" pitchFamily="18" charset="0"/>
+                <a:ea typeface="Cambria" panose="02040503050406030204" pitchFamily="18" charset="0"/>
+                <a:cs typeface="Arial" panose="020B0604020202020204" pitchFamily="34" charset="0"/>
+              </a:defRPr>
+            </a:lvl2pPr>
+            <a:lvl3pPr>
+              <a:defRPr>
+                <a:latin typeface="Cambria" panose="02040503050406030204" pitchFamily="18" charset="0"/>
+                <a:ea typeface="Cambria" panose="02040503050406030204" pitchFamily="18" charset="0"/>
+                <a:cs typeface="Arial" panose="020B0604020202020204" pitchFamily="34" charset="0"/>
+              </a:defRPr>
+            </a:lvl3pPr>
+            <a:lvl4pPr>
+              <a:defRPr>
+                <a:latin typeface="Cambria" panose="02040503050406030204" pitchFamily="18" charset="0"/>
+                <a:ea typeface="Cambria" panose="02040503050406030204" pitchFamily="18" charset="0"/>
+                <a:cs typeface="Arial" panose="020B0604020202020204" pitchFamily="34" charset="0"/>
+              </a:defRPr>
+            </a:lvl4pPr>
+            <a:lvl5pPr>
+              <a:defRPr>
+                <a:latin typeface="Cambria" panose="02040503050406030204" pitchFamily="18" charset="0"/>
+                <a:ea typeface="Cambria" panose="02040503050406030204" pitchFamily="18" charset="0"/>
+                <a:cs typeface="Arial" panose="020B0604020202020204" pitchFamily="34" charset="0"/>
+              </a:defRPr>
+            </a:lvl5pPr>
+          </a:lstStyle>
           <a:p>
             <a:pPr lvl="0"/>
             <a:r>
               <a:rPr lang="en-US" smtClean="0"/>
-              <a:t>Click to edit Master text styles</a:t>
-            </a:r>
-            <a:endParaRPr lang="en-US" smtClean="0"/>
+              <a:t>Edit Master text styles</a:t>
+            </a:r>
           </a:p>
           <a:p>
             <a:pPr lvl="1"/>
@@ -2380,7 +3091,6 @@
               <a:rPr lang="en-US" smtClean="0"/>
               <a:t>Second level</a:t>
             </a:r>
-            <a:endParaRPr lang="en-US" smtClean="0"/>
           </a:p>
           <a:p>
             <a:pPr lvl="2"/>
@@ -2388,7 +3098,6 @@
               <a:rPr lang="en-US" smtClean="0"/>
               <a:t>Third level</a:t>
             </a:r>
-            <a:endParaRPr lang="en-US" smtClean="0"/>
           </a:p>
           <a:p>
             <a:pPr lvl="3"/>
@@ -2396,7 +3105,6 @@
               <a:rPr lang="en-US" smtClean="0"/>
               <a:t>Fourth level</a:t>
             </a:r>
-            <a:endParaRPr lang="en-US" smtClean="0"/>
           </a:p>
           <a:p>
             <a:pPr lvl="4"/>
@@ -2404,7 +3112,7 @@
               <a:rPr lang="en-US" smtClean="0"/>
               <a:t>Fifth level</a:t>
             </a:r>
-            <a:endParaRPr lang="en-IN"/>
+            <a:endParaRPr lang="en-US" dirty="0"/>
           </a:p>
         </p:txBody>
       </p:sp>
@@ -2418,14 +3126,18 @@
             <p:ph type="dt" sz="half" idx="10"/>
           </p:nvPr>
         </p:nvSpPr>
-        <p:spPr/>
-        <p:txBody>
-          <a:bodyPr/>
-          <a:lstStyle>
-            <a:lvl1pPr>
-              <a:defRPr/>
-            </a:lvl1pPr>
-          </a:lstStyle>
+        <p:spPr>
+          <a:xfrm>
+            <a:off x="0" y="6212610"/>
+            <a:ext cx="2057400" cy="365125"/>
+          </a:xfrm>
+          <a:prstGeom prst="rect">
+            <a:avLst/>
+          </a:prstGeom>
+        </p:spPr>
+        <p:txBody>
+          <a:bodyPr/>
+          <a:lstStyle/>
           <a:p>
             <a:endParaRPr lang="en-US" altLang="en-US"/>
           </a:p>
@@ -2441,14 +3153,18 @@
             <p:ph type="ftr" sz="quarter" idx="11"/>
           </p:nvPr>
         </p:nvSpPr>
-        <p:spPr/>
-        <p:txBody>
-          <a:bodyPr/>
-          <a:lstStyle>
-            <a:lvl1pPr>
-              <a:defRPr/>
-            </a:lvl1pPr>
-          </a:lstStyle>
+        <p:spPr>
+          <a:xfrm>
+            <a:off x="3745923" y="6539056"/>
+            <a:ext cx="3086100" cy="365125"/>
+          </a:xfrm>
+          <a:prstGeom prst="rect">
+            <a:avLst/>
+          </a:prstGeom>
+        </p:spPr>
+        <p:txBody>
+          <a:bodyPr/>
+          <a:lstStyle/>
           <a:p>
             <a:endParaRPr lang="en-US" altLang="en-US"/>
           </a:p>
@@ -2464,331 +3180,41 @@
             <p:ph type="sldNum" sz="quarter" idx="12"/>
           </p:nvPr>
         </p:nvSpPr>
-        <p:spPr/>
-        <p:txBody>
-          <a:bodyPr/>
-          <a:lstStyle>
-            <a:lvl1pPr>
-              <a:defRPr/>
-            </a:lvl1pPr>
-          </a:lstStyle>
+        <p:spPr>
+          <a:xfrm>
+            <a:off x="6832023" y="6539056"/>
+            <a:ext cx="2057400" cy="365125"/>
+          </a:xfrm>
+        </p:spPr>
+        <p:txBody>
+          <a:bodyPr/>
+          <a:lstStyle/>
           <a:p>
             <a:fld id="{3086ADDC-2EE6-42FF-AE85-54D774CE032E}" type="slidenum">
-              <a:rPr lang="en-US" altLang="en-US"/>
+              <a:rPr lang="en-US" altLang="en-US" smtClean="0"/>
+              <a:t>‹#›</a:t>
             </a:fld>
             <a:endParaRPr lang="en-US" altLang="en-US"/>
           </a:p>
         </p:txBody>
       </p:sp>
     </p:spTree>
+    <p:extLst>
+      <p:ext uri="{BB962C8B-B14F-4D97-AF65-F5344CB8AC3E}">
+        <p14:creationId xmlns:p14="http://schemas.microsoft.com/office/powerpoint/2010/main" val="3982962807"/>
+      </p:ext>
+    </p:extLst>
   </p:cSld>
   <p:clrMapOvr>
     <a:masterClrMapping/>
   </p:clrMapOvr>
-  <p:hf sldNum="0" hdr="0" ftr="0" dt="0"/>
-</p:sldLayout>
-</file>
-
-<file path=ppt/slideLayouts/slideLayout3.xml><?xml version="1.0" encoding="utf-8"?>
-<p:sldLayout xmlns:a="http://schemas.openxmlformats.org/drawingml/2006/main" xmlns:r="http://schemas.openxmlformats.org/officeDocument/2006/relationships" xmlns:p="http://schemas.openxmlformats.org/presentationml/2006/main" preserve="1" userDrawn="1">
-  <p:cSld name="3_Title and Content">
-    <p:spTree>
-      <p:nvGrpSpPr>
-        <p:cNvPr id="1" name=""/>
-        <p:cNvGrpSpPr/>
-        <p:nvPr/>
-      </p:nvGrpSpPr>
-      <p:grpSpPr>
-        <a:xfrm>
-          <a:off x="0" y="0"/>
-          <a:ext cx="0" cy="0"/>
-          <a:chOff x="0" y="0"/>
-          <a:chExt cx="0" cy="0"/>
-        </a:xfrm>
-      </p:grpSpPr>
-      <p:sp>
-        <p:nvSpPr>
-          <p:cNvPr id="2" name="Title 1"/>
-          <p:cNvSpPr>
-            <a:spLocks noGrp="1"/>
-          </p:cNvSpPr>
-          <p:nvPr>
-            <p:ph type="title"/>
-          </p:nvPr>
-        </p:nvSpPr>
-        <p:spPr/>
-        <p:txBody>
-          <a:bodyPr/>
-          <a:lstStyle/>
-          <a:p>
-            <a:r>
-              <a:rPr lang="en-US" smtClean="0"/>
-              <a:t>Click to edit Master title style</a:t>
-            </a:r>
-            <a:endParaRPr lang="en-IN"/>
-          </a:p>
-        </p:txBody>
-      </p:sp>
-      <p:sp>
-        <p:nvSpPr>
-          <p:cNvPr id="3" name="Content Placeholder 2"/>
-          <p:cNvSpPr>
-            <a:spLocks noGrp="1"/>
-          </p:cNvSpPr>
-          <p:nvPr>
-            <p:ph idx="1"/>
-          </p:nvPr>
-        </p:nvSpPr>
-        <p:spPr>
-          <a:xfrm>
-            <a:off x="685800" y="3933056"/>
-            <a:ext cx="7772400" cy="2162944"/>
-          </a:xfrm>
-        </p:spPr>
-        <p:txBody>
-          <a:bodyPr/>
-          <a:lstStyle/>
-          <a:p>
-            <a:pPr lvl="0"/>
-            <a:r>
-              <a:rPr lang="en-US" dirty="0" smtClean="0"/>
-              <a:t>Click to edit Master text styles</a:t>
-            </a:r>
-            <a:endParaRPr lang="en-US" dirty="0" smtClean="0"/>
-          </a:p>
-          <a:p>
-            <a:pPr lvl="1"/>
-            <a:r>
-              <a:rPr lang="en-US" dirty="0" smtClean="0"/>
-              <a:t>Second level</a:t>
-            </a:r>
-            <a:endParaRPr lang="en-US" dirty="0" smtClean="0"/>
-          </a:p>
-          <a:p>
-            <a:pPr lvl="2"/>
-            <a:r>
-              <a:rPr lang="en-US" dirty="0" smtClean="0"/>
-              <a:t>Third level</a:t>
-            </a:r>
-            <a:endParaRPr lang="en-US" dirty="0" smtClean="0"/>
-          </a:p>
-          <a:p>
-            <a:pPr lvl="3"/>
-            <a:r>
-              <a:rPr lang="en-US" dirty="0" smtClean="0"/>
-              <a:t>Fourth level</a:t>
-            </a:r>
-            <a:endParaRPr lang="en-US" dirty="0" smtClean="0"/>
-          </a:p>
-          <a:p>
-            <a:pPr lvl="4"/>
-            <a:r>
-              <a:rPr lang="en-US" dirty="0" smtClean="0"/>
-              <a:t>Fifth level</a:t>
-            </a:r>
-            <a:endParaRPr lang="en-IN" dirty="0"/>
-          </a:p>
-        </p:txBody>
-      </p:sp>
-      <p:sp>
-        <p:nvSpPr>
-          <p:cNvPr id="4" name="Date Placeholder 3"/>
-          <p:cNvSpPr>
-            <a:spLocks noGrp="1"/>
-          </p:cNvSpPr>
-          <p:nvPr>
-            <p:ph type="dt" sz="half" idx="10"/>
-          </p:nvPr>
-        </p:nvSpPr>
-        <p:spPr/>
-        <p:txBody>
-          <a:bodyPr/>
-          <a:lstStyle>
-            <a:lvl1pPr>
-              <a:defRPr/>
-            </a:lvl1pPr>
-          </a:lstStyle>
-          <a:p>
-            <a:endParaRPr lang="en-US" altLang="en-US"/>
-          </a:p>
-        </p:txBody>
-      </p:sp>
-      <p:sp>
-        <p:nvSpPr>
-          <p:cNvPr id="5" name="Footer Placeholder 4"/>
-          <p:cNvSpPr>
-            <a:spLocks noGrp="1"/>
-          </p:cNvSpPr>
-          <p:nvPr>
-            <p:ph type="ftr" sz="quarter" idx="11"/>
-          </p:nvPr>
-        </p:nvSpPr>
-        <p:spPr/>
-        <p:txBody>
-          <a:bodyPr/>
-          <a:lstStyle>
-            <a:lvl1pPr>
-              <a:defRPr/>
-            </a:lvl1pPr>
-          </a:lstStyle>
-          <a:p>
-            <a:endParaRPr lang="en-US" altLang="en-US"/>
-          </a:p>
-        </p:txBody>
-      </p:sp>
-      <p:sp>
-        <p:nvSpPr>
-          <p:cNvPr id="6" name="Slide Number Placeholder 5"/>
-          <p:cNvSpPr>
-            <a:spLocks noGrp="1"/>
-          </p:cNvSpPr>
-          <p:nvPr>
-            <p:ph type="sldNum" sz="quarter" idx="12"/>
-          </p:nvPr>
-        </p:nvSpPr>
-        <p:spPr/>
-        <p:txBody>
-          <a:bodyPr/>
-          <a:lstStyle>
-            <a:lvl1pPr>
-              <a:defRPr/>
-            </a:lvl1pPr>
-          </a:lstStyle>
-          <a:p>
-            <a:fld id="{3086ADDC-2EE6-42FF-AE85-54D774CE032E}" type="slidenum">
-              <a:rPr lang="en-US" altLang="en-US"/>
-            </a:fld>
-            <a:endParaRPr lang="en-US" altLang="en-US"/>
-          </a:p>
-        </p:txBody>
-      </p:sp>
-      <p:sp>
-        <p:nvSpPr>
-          <p:cNvPr id="7" name="Content Placeholder 2"/>
-          <p:cNvSpPr>
-            <a:spLocks noGrp="1"/>
-          </p:cNvSpPr>
-          <p:nvPr>
-            <p:ph sz="half" idx="13"/>
-          </p:nvPr>
-        </p:nvSpPr>
-        <p:spPr>
-          <a:xfrm>
-            <a:off x="685800" y="1981200"/>
-            <a:ext cx="3814192" cy="1799456"/>
-          </a:xfrm>
-        </p:spPr>
-        <p:txBody>
-          <a:bodyPr/>
-          <a:lstStyle/>
-          <a:p>
-            <a:pPr lvl="0"/>
-            <a:r>
-              <a:rPr lang="en-US" dirty="0" smtClean="0"/>
-              <a:t>Click to edit Master text styles</a:t>
-            </a:r>
-            <a:endParaRPr lang="en-US" dirty="0" smtClean="0"/>
-          </a:p>
-          <a:p>
-            <a:pPr lvl="1"/>
-            <a:r>
-              <a:rPr lang="en-US" dirty="0" smtClean="0"/>
-              <a:t>Second level</a:t>
-            </a:r>
-            <a:endParaRPr lang="en-US" dirty="0" smtClean="0"/>
-          </a:p>
-          <a:p>
-            <a:pPr lvl="2"/>
-            <a:r>
-              <a:rPr lang="en-US" dirty="0" smtClean="0"/>
-              <a:t>Third level</a:t>
-            </a:r>
-            <a:endParaRPr lang="en-US" dirty="0" smtClean="0"/>
-          </a:p>
-          <a:p>
-            <a:pPr lvl="3"/>
-            <a:r>
-              <a:rPr lang="en-US" dirty="0" smtClean="0"/>
-              <a:t>Fourth level</a:t>
-            </a:r>
-            <a:endParaRPr lang="en-US" dirty="0" smtClean="0"/>
-          </a:p>
-          <a:p>
-            <a:pPr lvl="4"/>
-            <a:r>
-              <a:rPr lang="en-US" dirty="0" smtClean="0"/>
-              <a:t>Fifth level</a:t>
-            </a:r>
-            <a:endParaRPr lang="en-IN" dirty="0"/>
-          </a:p>
-        </p:txBody>
-      </p:sp>
-      <p:sp>
-        <p:nvSpPr>
-          <p:cNvPr id="8" name="Content Placeholder 2"/>
-          <p:cNvSpPr>
-            <a:spLocks noGrp="1"/>
-          </p:cNvSpPr>
-          <p:nvPr>
-            <p:ph sz="half" idx="14"/>
-          </p:nvPr>
-        </p:nvSpPr>
-        <p:spPr>
-          <a:xfrm>
-            <a:off x="4650432" y="1981200"/>
-            <a:ext cx="3807768" cy="1799456"/>
-          </a:xfrm>
-        </p:spPr>
-        <p:txBody>
-          <a:bodyPr/>
-          <a:lstStyle/>
-          <a:p>
-            <a:pPr lvl="0"/>
-            <a:r>
-              <a:rPr lang="en-US" dirty="0" smtClean="0"/>
-              <a:t>Click to edit Master text styles</a:t>
-            </a:r>
-            <a:endParaRPr lang="en-US" dirty="0" smtClean="0"/>
-          </a:p>
-          <a:p>
-            <a:pPr lvl="1"/>
-            <a:r>
-              <a:rPr lang="en-US" dirty="0" smtClean="0"/>
-              <a:t>Second level</a:t>
-            </a:r>
-            <a:endParaRPr lang="en-US" dirty="0" smtClean="0"/>
-          </a:p>
-          <a:p>
-            <a:pPr lvl="2"/>
-            <a:r>
-              <a:rPr lang="en-US" dirty="0" smtClean="0"/>
-              <a:t>Third level</a:t>
-            </a:r>
-            <a:endParaRPr lang="en-US" dirty="0" smtClean="0"/>
-          </a:p>
-          <a:p>
-            <a:pPr lvl="3"/>
-            <a:r>
-              <a:rPr lang="en-US" dirty="0" smtClean="0"/>
-              <a:t>Fourth level</a:t>
-            </a:r>
-            <a:endParaRPr lang="en-US" dirty="0" smtClean="0"/>
-          </a:p>
-          <a:p>
-            <a:pPr lvl="4"/>
-            <a:r>
-              <a:rPr lang="en-US" dirty="0" smtClean="0"/>
-              <a:t>Fifth level</a:t>
-            </a:r>
-            <a:endParaRPr lang="en-IN" dirty="0"/>
-          </a:p>
-        </p:txBody>
-      </p:sp>
-    </p:spTree>
-  </p:cSld>
-  <p:clrMapOvr>
-    <a:masterClrMapping/>
-  </p:clrMapOvr>
+  <p:timing>
+    <p:tnLst>
+      <p:par>
+        <p:cTn id="1" dur="indefinite" restart="never" nodeType="tmRoot"/>
+      </p:par>
+    </p:tnLst>
+  </p:timing>
   <p:hf sldNum="0" hdr="0" ftr="0" dt="0"/>
 </p:sldLayout>
 </file>
@@ -2822,7 +3248,7 @@
         </p:nvSpPr>
         <p:spPr>
           <a:xfrm>
-            <a:off x="623888" y="1709738"/>
+            <a:off x="623888" y="1023939"/>
             <a:ext cx="7886700" cy="2852737"/>
           </a:xfrm>
         </p:spPr>
@@ -2838,7 +3264,7 @@
               <a:rPr lang="en-US" smtClean="0"/>
               <a:t>Click to edit Master title style</a:t>
             </a:r>
-            <a:endParaRPr lang="en-IN"/>
+            <a:endParaRPr lang="en-US" dirty="0"/>
           </a:p>
         </p:txBody>
       </p:sp>
@@ -2854,7 +3280,7 @@
         </p:nvSpPr>
         <p:spPr>
           <a:xfrm>
-            <a:off x="623888" y="4589463"/>
+            <a:off x="623888" y="4589464"/>
             <a:ext cx="7886700" cy="1500187"/>
           </a:xfrm>
         </p:spPr>
@@ -2863,48 +3289,99 @@
           <a:lstStyle>
             <a:lvl1pPr marL="0" indent="0">
               <a:buNone/>
-              <a:defRPr sz="2400"/>
+              <a:defRPr sz="2400">
+                <a:solidFill>
+                  <a:schemeClr val="tx1"/>
+                </a:solidFill>
+              </a:defRPr>
             </a:lvl1pPr>
             <a:lvl2pPr marL="457200" indent="0">
               <a:buNone/>
-              <a:defRPr sz="2000"/>
+              <a:defRPr sz="2000">
+                <a:solidFill>
+                  <a:schemeClr val="tx1">
+                    <a:tint val="75000"/>
+                  </a:schemeClr>
+                </a:solidFill>
+              </a:defRPr>
             </a:lvl2pPr>
             <a:lvl3pPr marL="914400" indent="0">
               <a:buNone/>
-              <a:defRPr sz="1800"/>
+              <a:defRPr sz="1800">
+                <a:solidFill>
+                  <a:schemeClr val="tx1">
+                    <a:tint val="75000"/>
+                  </a:schemeClr>
+                </a:solidFill>
+              </a:defRPr>
             </a:lvl3pPr>
             <a:lvl4pPr marL="1371600" indent="0">
               <a:buNone/>
-              <a:defRPr sz="1600"/>
+              <a:defRPr sz="1600">
+                <a:solidFill>
+                  <a:schemeClr val="tx1">
+                    <a:tint val="75000"/>
+                  </a:schemeClr>
+                </a:solidFill>
+              </a:defRPr>
             </a:lvl4pPr>
             <a:lvl5pPr marL="1828800" indent="0">
               <a:buNone/>
-              <a:defRPr sz="1600"/>
+              <a:defRPr sz="1600">
+                <a:solidFill>
+                  <a:schemeClr val="tx1">
+                    <a:tint val="75000"/>
+                  </a:schemeClr>
+                </a:solidFill>
+              </a:defRPr>
             </a:lvl5pPr>
             <a:lvl6pPr marL="2286000" indent="0">
               <a:buNone/>
-              <a:defRPr sz="1600"/>
+              <a:defRPr sz="1600">
+                <a:solidFill>
+                  <a:schemeClr val="tx1">
+                    <a:tint val="75000"/>
+                  </a:schemeClr>
+                </a:solidFill>
+              </a:defRPr>
             </a:lvl6pPr>
             <a:lvl7pPr marL="2743200" indent="0">
               <a:buNone/>
-              <a:defRPr sz="1600"/>
+              <a:defRPr sz="1600">
+                <a:solidFill>
+                  <a:schemeClr val="tx1">
+                    <a:tint val="75000"/>
+                  </a:schemeClr>
+                </a:solidFill>
+              </a:defRPr>
             </a:lvl7pPr>
             <a:lvl8pPr marL="3200400" indent="0">
               <a:buNone/>
-              <a:defRPr sz="1600"/>
+              <a:defRPr sz="1600">
+                <a:solidFill>
+                  <a:schemeClr val="tx1">
+                    <a:tint val="75000"/>
+                  </a:schemeClr>
+                </a:solidFill>
+              </a:defRPr>
             </a:lvl8pPr>
             <a:lvl9pPr marL="3657600" indent="0">
               <a:buNone/>
-              <a:defRPr sz="1600"/>
+              <a:defRPr sz="1600">
+                <a:solidFill>
+                  <a:schemeClr val="tx1">
+                    <a:tint val="75000"/>
+                  </a:schemeClr>
+                </a:solidFill>
+              </a:defRPr>
             </a:lvl9pPr>
           </a:lstStyle>
           <a:p>
             <a:pPr lvl="0"/>
             <a:r>
               <a:rPr lang="en-US" smtClean="0"/>
-              <a:t>Click to edit Master text styles</a:t>
-            </a:r>
-            <a:endParaRPr lang="en-US" smtClean="0"/>
+              <a:t>Edit Master text styles</a:t>
+            </a:r>
           </a:p>
         </p:txBody>
       </p:sp>
@@ -2918,14 +3395,18 @@
             <p:ph type="dt" sz="half" idx="10"/>
           </p:nvPr>
         </p:nvSpPr>
-        <p:spPr/>
-        <p:txBody>
-          <a:bodyPr/>
-          <a:lstStyle>
-            <a:lvl1pPr>
-              <a:defRPr/>
-            </a:lvl1pPr>
-          </a:lstStyle>
+        <p:spPr>
+          <a:xfrm>
+            <a:off x="5196" y="6262832"/>
+            <a:ext cx="2057400" cy="365125"/>
+          </a:xfrm>
+          <a:prstGeom prst="rect">
+            <a:avLst/>
+          </a:prstGeom>
+        </p:spPr>
+        <p:txBody>
+          <a:bodyPr/>
+          <a:lstStyle/>
           <a:p>
             <a:endParaRPr lang="en-US" altLang="en-US"/>
           </a:p>
@@ -2941,14 +3422,18 @@
             <p:ph type="ftr" sz="quarter" idx="11"/>
           </p:nvPr>
         </p:nvSpPr>
-        <p:spPr/>
-        <p:txBody>
-          <a:bodyPr/>
-          <a:lstStyle>
-            <a:lvl1pPr>
-              <a:defRPr/>
-            </a:lvl1pPr>
-          </a:lstStyle>
+        <p:spPr>
+          <a:xfrm>
+            <a:off x="3745923" y="6528664"/>
+            <a:ext cx="3086100" cy="365125"/>
+          </a:xfrm>
+          <a:prstGeom prst="rect">
+            <a:avLst/>
+          </a:prstGeom>
+        </p:spPr>
+        <p:txBody>
+          <a:bodyPr/>
+          <a:lstStyle/>
           <a:p>
             <a:endParaRPr lang="en-US" altLang="en-US"/>
           </a:p>
@@ -2964,27 +3449,41 @@
             <p:ph type="sldNum" sz="quarter" idx="12"/>
           </p:nvPr>
         </p:nvSpPr>
-        <p:spPr/>
-        <p:txBody>
-          <a:bodyPr/>
-          <a:lstStyle>
-            <a:lvl1pPr>
-              <a:defRPr/>
-            </a:lvl1pPr>
-          </a:lstStyle>
+        <p:spPr>
+          <a:xfrm>
+            <a:off x="6832023" y="6528665"/>
+            <a:ext cx="2057400" cy="365125"/>
+          </a:xfrm>
+        </p:spPr>
+        <p:txBody>
+          <a:bodyPr/>
+          <a:lstStyle/>
           <a:p>
             <a:fld id="{62FBF8E4-576C-4900-8131-5FBCD47137B3}" type="slidenum">
-              <a:rPr lang="en-US" altLang="en-US"/>
+              <a:rPr lang="en-US" altLang="en-US" smtClean="0"/>
+              <a:t>‹#›</a:t>
             </a:fld>
             <a:endParaRPr lang="en-US" altLang="en-US"/>
           </a:p>
         </p:txBody>
       </p:sp>
     </p:spTree>
+    <p:extLst>
+      <p:ext uri="{BB962C8B-B14F-4D97-AF65-F5344CB8AC3E}">
+        <p14:creationId xmlns:p14="http://schemas.microsoft.com/office/powerpoint/2010/main" val="596589819"/>
+      </p:ext>
+    </p:extLst>
   </p:cSld>
   <p:clrMapOvr>
     <a:masterClrMapping/>
   </p:clrMapOvr>
+  <p:timing>
+    <p:tnLst>
+      <p:par>
+        <p:cTn id="1" dur="indefinite" restart="never" nodeType="tmRoot"/>
+      </p:par>
+    </p:tnLst>
+  </p:timing>
 </p:sldLayout>
 </file>
 
@@ -3024,7 +3523,7 @@
               <a:rPr lang="en-US" smtClean="0"/>
               <a:t>Click to edit Master title style</a:t>
             </a:r>
-            <a:endParaRPr lang="en-IN"/>
+            <a:endParaRPr lang="en-US" dirty="0"/>
           </a:p>
         </p:txBody>
       </p:sp>
@@ -3040,8 +3539,8 @@
         </p:nvSpPr>
         <p:spPr>
           <a:xfrm>
-            <a:off x="685800" y="1981200"/>
-            <a:ext cx="3810000" cy="4114800"/>
+            <a:off x="628650" y="1825625"/>
+            <a:ext cx="3886200" cy="4351338"/>
           </a:xfrm>
         </p:spPr>
         <p:txBody>
@@ -3050,42 +3549,38 @@
           <a:p>
             <a:pPr lvl="0"/>
             <a:r>
-              <a:rPr lang="en-US" dirty="0" smtClean="0"/>
-              <a:t>Click to edit Master text styles</a:t>
-            </a:r>
-            <a:endParaRPr lang="en-US" dirty="0" smtClean="0"/>
+              <a:rPr lang="en-US" smtClean="0"/>
+              <a:t>Edit Master text styles</a:t>
+            </a:r>
           </a:p>
           <a:p>
             <a:pPr lvl="1"/>
             <a:r>
-              <a:rPr lang="en-US" dirty="0" smtClean="0"/>
+              <a:rPr lang="en-US" smtClean="0"/>
               <a:t>Second level</a:t>
             </a:r>
-            <a:endParaRPr lang="en-US" dirty="0" smtClean="0"/>
           </a:p>
           <a:p>
             <a:pPr lvl="2"/>
             <a:r>
-              <a:rPr lang="en-US" dirty="0" smtClean="0"/>
+              <a:rPr lang="en-US" smtClean="0"/>
               <a:t>Third level</a:t>
             </a:r>
-            <a:endParaRPr lang="en-US" dirty="0" smtClean="0"/>
           </a:p>
           <a:p>
             <a:pPr lvl="3"/>
             <a:r>
-              <a:rPr lang="en-US" dirty="0" smtClean="0"/>
+              <a:rPr lang="en-US" smtClean="0"/>
               <a:t>Fourth level</a:t>
             </a:r>
-            <a:endParaRPr lang="en-US" dirty="0" smtClean="0"/>
           </a:p>
           <a:p>
             <a:pPr lvl="4"/>
             <a:r>
-              <a:rPr lang="en-US" dirty="0" smtClean="0"/>
+              <a:rPr lang="en-US" smtClean="0"/>
               <a:t>Fifth level</a:t>
             </a:r>
-            <a:endParaRPr lang="en-IN" dirty="0"/>
+            <a:endParaRPr lang="en-US" dirty="0"/>
           </a:p>
         </p:txBody>
       </p:sp>
@@ -3101,8 +3596,8 @@
         </p:nvSpPr>
         <p:spPr>
           <a:xfrm>
-            <a:off x="4648200" y="1981200"/>
-            <a:ext cx="3810000" cy="4114800"/>
+            <a:off x="4629150" y="1825625"/>
+            <a:ext cx="3886200" cy="4351338"/>
           </a:xfrm>
         </p:spPr>
         <p:txBody>
@@ -3111,42 +3606,38 @@
           <a:p>
             <a:pPr lvl="0"/>
             <a:r>
-              <a:rPr lang="en-US" dirty="0" smtClean="0"/>
-              <a:t>Click to edit Master text styles</a:t>
-            </a:r>
-            <a:endParaRPr lang="en-US" dirty="0" smtClean="0"/>
+              <a:rPr lang="en-US" smtClean="0"/>
+              <a:t>Edit Master text styles</a:t>
+            </a:r>
           </a:p>
           <a:p>
             <a:pPr lvl="1"/>
             <a:r>
-              <a:rPr lang="en-US" dirty="0" smtClean="0"/>
+              <a:rPr lang="en-US" smtClean="0"/>
               <a:t>Second level</a:t>
             </a:r>
-            <a:endParaRPr lang="en-US" dirty="0" smtClean="0"/>
           </a:p>
           <a:p>
             <a:pPr lvl="2"/>
             <a:r>
-              <a:rPr lang="en-US" dirty="0" smtClean="0"/>
+              <a:rPr lang="en-US" smtClean="0"/>
               <a:t>Third level</a:t>
             </a:r>
-            <a:endParaRPr lang="en-US" dirty="0" smtClean="0"/>
           </a:p>
           <a:p>
             <a:pPr lvl="3"/>
             <a:r>
-              <a:rPr lang="en-US" dirty="0" smtClean="0"/>
+              <a:rPr lang="en-US" smtClean="0"/>
               <a:t>Fourth level</a:t>
             </a:r>
-            <a:endParaRPr lang="en-US" dirty="0" smtClean="0"/>
           </a:p>
           <a:p>
             <a:pPr lvl="4"/>
             <a:r>
-              <a:rPr lang="en-US" dirty="0" smtClean="0"/>
+              <a:rPr lang="en-US" smtClean="0"/>
               <a:t>Fifth level</a:t>
             </a:r>
-            <a:endParaRPr lang="en-IN" dirty="0"/>
+            <a:endParaRPr lang="en-US" dirty="0"/>
           </a:p>
         </p:txBody>
       </p:sp>
@@ -3160,73 +3651,90 @@
             <p:ph type="dt" sz="half" idx="10"/>
           </p:nvPr>
         </p:nvSpPr>
+        <p:spPr>
+          <a:xfrm>
+            <a:off x="0" y="6215495"/>
+            <a:ext cx="2057400" cy="365125"/>
+          </a:xfrm>
+          <a:prstGeom prst="rect">
+            <a:avLst/>
+          </a:prstGeom>
+        </p:spPr>
+        <p:txBody>
+          <a:bodyPr/>
+          <a:lstStyle/>
+          <a:p>
+            <a:endParaRPr lang="en-US" altLang="en-US"/>
+          </a:p>
+        </p:txBody>
+      </p:sp>
+      <p:sp>
+        <p:nvSpPr>
+          <p:cNvPr id="6" name="Footer Placeholder 5"/>
+          <p:cNvSpPr>
+            <a:spLocks noGrp="1"/>
+          </p:cNvSpPr>
+          <p:nvPr>
+            <p:ph type="ftr" sz="quarter" idx="11"/>
+          </p:nvPr>
+        </p:nvSpPr>
+        <p:spPr>
+          <a:xfrm>
+            <a:off x="3745923" y="6539055"/>
+            <a:ext cx="3086100" cy="365125"/>
+          </a:xfrm>
+          <a:prstGeom prst="rect">
+            <a:avLst/>
+          </a:prstGeom>
+        </p:spPr>
+        <p:txBody>
+          <a:bodyPr/>
+          <a:lstStyle/>
+          <a:p>
+            <a:endParaRPr lang="en-US" altLang="en-US"/>
+          </a:p>
+        </p:txBody>
+      </p:sp>
+      <p:sp>
+        <p:nvSpPr>
+          <p:cNvPr id="7" name="Slide Number Placeholder 6"/>
+          <p:cNvSpPr>
+            <a:spLocks noGrp="1"/>
+          </p:cNvSpPr>
+          <p:nvPr>
+            <p:ph type="sldNum" sz="quarter" idx="12"/>
+          </p:nvPr>
+        </p:nvSpPr>
         <p:spPr/>
         <p:txBody>
           <a:bodyPr/>
-          <a:lstStyle>
-            <a:lvl1pPr>
-              <a:defRPr/>
-            </a:lvl1pPr>
-          </a:lstStyle>
-          <a:p>
-            <a:endParaRPr lang="en-US" altLang="en-US"/>
-          </a:p>
-        </p:txBody>
-      </p:sp>
-      <p:sp>
-        <p:nvSpPr>
-          <p:cNvPr id="6" name="Footer Placeholder 5"/>
-          <p:cNvSpPr>
-            <a:spLocks noGrp="1"/>
-          </p:cNvSpPr>
-          <p:nvPr>
-            <p:ph type="ftr" sz="quarter" idx="11"/>
-          </p:nvPr>
-        </p:nvSpPr>
-        <p:spPr/>
-        <p:txBody>
-          <a:bodyPr/>
-          <a:lstStyle>
-            <a:lvl1pPr>
-              <a:defRPr/>
-            </a:lvl1pPr>
-          </a:lstStyle>
-          <a:p>
-            <a:endParaRPr lang="en-US" altLang="en-US"/>
-          </a:p>
-        </p:txBody>
-      </p:sp>
-      <p:sp>
-        <p:nvSpPr>
-          <p:cNvPr id="7" name="Slide Number Placeholder 6"/>
-          <p:cNvSpPr>
-            <a:spLocks noGrp="1"/>
-          </p:cNvSpPr>
-          <p:nvPr>
-            <p:ph type="sldNum" sz="quarter" idx="12"/>
-          </p:nvPr>
-        </p:nvSpPr>
-        <p:spPr/>
-        <p:txBody>
-          <a:bodyPr/>
-          <a:lstStyle>
-            <a:lvl1pPr>
-              <a:defRPr/>
-            </a:lvl1pPr>
-          </a:lstStyle>
+          <a:lstStyle/>
           <a:p>
             <a:fld id="{524673CD-E789-4B99-849D-7D1DEE88FD01}" type="slidenum">
-              <a:rPr lang="en-US" altLang="en-US"/>
+              <a:rPr lang="en-US" altLang="en-US" smtClean="0"/>
+              <a:t>‹#›</a:t>
             </a:fld>
             <a:endParaRPr lang="en-US" altLang="en-US"/>
           </a:p>
         </p:txBody>
       </p:sp>
     </p:spTree>
+    <p:extLst>
+      <p:ext uri="{BB962C8B-B14F-4D97-AF65-F5344CB8AC3E}">
+        <p14:creationId xmlns:p14="http://schemas.microsoft.com/office/powerpoint/2010/main" val="593490043"/>
+      </p:ext>
+    </p:extLst>
   </p:cSld>
   <p:clrMapOvr>
     <a:masterClrMapping/>
   </p:clrMapOvr>
+  <p:timing>
+    <p:tnLst>
+      <p:par>
+        <p:cTn id="1" dur="indefinite" restart="never" nodeType="tmRoot"/>
+      </p:par>
+    </p:tnLst>
+  </p:timing>
 </p:sldLayout>
 </file>
 
@@ -3259,8 +3767,8 @@
         </p:nvSpPr>
         <p:spPr>
           <a:xfrm>
-            <a:off x="630238" y="365125"/>
-            <a:ext cx="7886700" cy="1325563"/>
+            <a:off x="629841" y="188481"/>
+            <a:ext cx="7630932" cy="632401"/>
           </a:xfrm>
         </p:spPr>
         <p:txBody>
@@ -3271,7 +3779,7 @@
               <a:rPr lang="en-US" smtClean="0"/>
               <a:t>Click to edit Master title style</a:t>
             </a:r>
-            <a:endParaRPr lang="en-IN"/>
+            <a:endParaRPr lang="en-US" dirty="0"/>
           </a:p>
         </p:txBody>
       </p:sp>
@@ -3287,8 +3795,8 @@
         </p:nvSpPr>
         <p:spPr>
           <a:xfrm>
-            <a:off x="630238" y="1681163"/>
-            <a:ext cx="3868737" cy="823912"/>
+            <a:off x="629842" y="1681163"/>
+            <a:ext cx="3868340" cy="823912"/>
           </a:xfrm>
         </p:spPr>
         <p:txBody>
@@ -3335,9 +3843,8 @@
             <a:pPr lvl="0"/>
             <a:r>
               <a:rPr lang="en-US" smtClean="0"/>
-              <a:t>Click to edit Master text styles</a:t>
-            </a:r>
-            <a:endParaRPr lang="en-US" smtClean="0"/>
+              <a:t>Edit Master text styles</a:t>
+            </a:r>
           </a:p>
         </p:txBody>
       </p:sp>
@@ -3353,8 +3860,8 @@
         </p:nvSpPr>
         <p:spPr>
           <a:xfrm>
-            <a:off x="630238" y="2505075"/>
-            <a:ext cx="3868737" cy="3684588"/>
+            <a:off x="629842" y="2505075"/>
+            <a:ext cx="3868340" cy="3684588"/>
           </a:xfrm>
         </p:spPr>
         <p:txBody>
@@ -3364,9 +3871,8 @@
             <a:pPr lvl="0"/>
             <a:r>
               <a:rPr lang="en-US" smtClean="0"/>
-              <a:t>Click to edit Master text styles</a:t>
-            </a:r>
-            <a:endParaRPr lang="en-US" smtClean="0"/>
+              <a:t>Edit Master text styles</a:t>
+            </a:r>
           </a:p>
           <a:p>
             <a:pPr lvl="1"/>
@@ -3374,7 +3880,6 @@
               <a:rPr lang="en-US" smtClean="0"/>
               <a:t>Second level</a:t>
             </a:r>
-            <a:endParaRPr lang="en-US" smtClean="0"/>
           </a:p>
           <a:p>
             <a:pPr lvl="2"/>
@@ -3382,7 +3887,6 @@
               <a:rPr lang="en-US" smtClean="0"/>
               <a:t>Third level</a:t>
             </a:r>
-            <a:endParaRPr lang="en-US" smtClean="0"/>
           </a:p>
           <a:p>
             <a:pPr lvl="3"/>
@@ -3390,7 +3894,6 @@
               <a:rPr lang="en-US" smtClean="0"/>
               <a:t>Fourth level</a:t>
             </a:r>
-            <a:endParaRPr lang="en-US" smtClean="0"/>
           </a:p>
           <a:p>
             <a:pPr lvl="4"/>
@@ -3398,7 +3901,7 @@
               <a:rPr lang="en-US" smtClean="0"/>
               <a:t>Fifth level</a:t>
             </a:r>
-            <a:endParaRPr lang="en-IN"/>
+            <a:endParaRPr lang="en-US" dirty="0"/>
           </a:p>
         </p:txBody>
       </p:sp>
@@ -3415,7 +3918,7 @@
         <p:spPr>
           <a:xfrm>
             <a:off x="4629150" y="1681163"/>
-            <a:ext cx="3887788" cy="823912"/>
+            <a:ext cx="3887391" cy="823912"/>
           </a:xfrm>
         </p:spPr>
         <p:txBody>
@@ -3462,9 +3965,8 @@
             <a:pPr lvl="0"/>
             <a:r>
               <a:rPr lang="en-US" smtClean="0"/>
-              <a:t>Click to edit Master text styles</a:t>
-            </a:r>
-            <a:endParaRPr lang="en-US" smtClean="0"/>
+              <a:t>Edit Master text styles</a:t>
+            </a:r>
           </a:p>
         </p:txBody>
       </p:sp>
@@ -3481,7 +3983,7 @@
         <p:spPr>
           <a:xfrm>
             <a:off x="4629150" y="2505075"/>
-            <a:ext cx="3887788" cy="3684588"/>
+            <a:ext cx="3887391" cy="3684588"/>
           </a:xfrm>
         </p:spPr>
         <p:txBody>
@@ -3491,9 +3993,8 @@
             <a:pPr lvl="0"/>
             <a:r>
               <a:rPr lang="en-US" smtClean="0"/>
-              <a:t>Click to edit Master text styles</a:t>
-            </a:r>
-            <a:endParaRPr lang="en-US" smtClean="0"/>
+              <a:t>Edit Master text styles</a:t>
+            </a:r>
           </a:p>
           <a:p>
             <a:pPr lvl="1"/>
@@ -3501,7 +4002,6 @@
               <a:rPr lang="en-US" smtClean="0"/>
               <a:t>Second level</a:t>
             </a:r>
-            <a:endParaRPr lang="en-US" smtClean="0"/>
           </a:p>
           <a:p>
             <a:pPr lvl="2"/>
@@ -3509,7 +4009,6 @@
               <a:rPr lang="en-US" smtClean="0"/>
               <a:t>Third level</a:t>
             </a:r>
-            <a:endParaRPr lang="en-US" smtClean="0"/>
           </a:p>
           <a:p>
             <a:pPr lvl="3"/>
@@ -3517,7 +4016,6 @@
               <a:rPr lang="en-US" smtClean="0"/>
               <a:t>Fourth level</a:t>
             </a:r>
-            <a:endParaRPr lang="en-US" smtClean="0"/>
           </a:p>
           <a:p>
             <a:pPr lvl="4"/>
@@ -3525,7 +4023,7 @@
               <a:rPr lang="en-US" smtClean="0"/>
               <a:t>Fifth level</a:t>
             </a:r>
-            <a:endParaRPr lang="en-IN"/>
+            <a:endParaRPr lang="en-US" dirty="0"/>
           </a:p>
         </p:txBody>
       </p:sp>
@@ -3539,14 +4037,18 @@
             <p:ph type="dt" sz="half" idx="10"/>
           </p:nvPr>
         </p:nvSpPr>
-        <p:spPr/>
-        <p:txBody>
-          <a:bodyPr/>
-          <a:lstStyle>
-            <a:lvl1pPr>
-              <a:defRPr/>
-            </a:lvl1pPr>
-          </a:lstStyle>
+        <p:spPr>
+          <a:xfrm>
+            <a:off x="0" y="6215495"/>
+            <a:ext cx="2057400" cy="365125"/>
+          </a:xfrm>
+          <a:prstGeom prst="rect">
+            <a:avLst/>
+          </a:prstGeom>
+        </p:spPr>
+        <p:txBody>
+          <a:bodyPr/>
+          <a:lstStyle/>
           <a:p>
             <a:endParaRPr lang="en-US" altLang="en-US"/>
           </a:p>
@@ -3562,14 +4064,18 @@
             <p:ph type="ftr" sz="quarter" idx="11"/>
           </p:nvPr>
         </p:nvSpPr>
-        <p:spPr/>
-        <p:txBody>
-          <a:bodyPr/>
-          <a:lstStyle>
-            <a:lvl1pPr>
-              <a:defRPr/>
-            </a:lvl1pPr>
-          </a:lstStyle>
+        <p:spPr>
+          <a:xfrm>
+            <a:off x="3745923" y="6528664"/>
+            <a:ext cx="3086100" cy="365125"/>
+          </a:xfrm>
+          <a:prstGeom prst="rect">
+            <a:avLst/>
+          </a:prstGeom>
+        </p:spPr>
+        <p:txBody>
+          <a:bodyPr/>
+          <a:lstStyle/>
           <a:p>
             <a:endParaRPr lang="en-US" altLang="en-US"/>
           </a:p>
@@ -3585,27 +4091,41 @@
             <p:ph type="sldNum" sz="quarter" idx="12"/>
           </p:nvPr>
         </p:nvSpPr>
-        <p:spPr/>
-        <p:txBody>
-          <a:bodyPr/>
-          <a:lstStyle>
-            <a:lvl1pPr>
-              <a:defRPr/>
-            </a:lvl1pPr>
-          </a:lstStyle>
+        <p:spPr>
+          <a:xfrm>
+            <a:off x="6832023" y="6528665"/>
+            <a:ext cx="2057400" cy="365125"/>
+          </a:xfrm>
+        </p:spPr>
+        <p:txBody>
+          <a:bodyPr/>
+          <a:lstStyle/>
           <a:p>
             <a:fld id="{7B82C466-627A-4535-934D-F77F4C647A2A}" type="slidenum">
-              <a:rPr lang="en-US" altLang="en-US"/>
+              <a:rPr lang="en-US" altLang="en-US" smtClean="0"/>
+              <a:t>‹#›</a:t>
             </a:fld>
             <a:endParaRPr lang="en-US" altLang="en-US"/>
           </a:p>
         </p:txBody>
       </p:sp>
     </p:spTree>
+    <p:extLst>
+      <p:ext uri="{BB962C8B-B14F-4D97-AF65-F5344CB8AC3E}">
+        <p14:creationId xmlns:p14="http://schemas.microsoft.com/office/powerpoint/2010/main" val="3005755268"/>
+      </p:ext>
+    </p:extLst>
   </p:cSld>
   <p:clrMapOvr>
     <a:masterClrMapping/>
   </p:clrMapOvr>
+  <p:timing>
+    <p:tnLst>
+      <p:par>
+        <p:cTn id="1" dur="indefinite" restart="never" nodeType="tmRoot"/>
+      </p:par>
+    </p:tnLst>
+  </p:timing>
 </p:sldLayout>
 </file>
 
@@ -3642,10 +4162,10 @@
           <a:lstStyle/>
           <a:p>
             <a:r>
-              <a:rPr lang="en-US" dirty="0" smtClean="0"/>
+              <a:rPr lang="en-US" smtClean="0"/>
               <a:t>Click to edit Master title style</a:t>
             </a:r>
-            <a:endParaRPr lang="en-IN" dirty="0"/>
+            <a:endParaRPr lang="en-US" dirty="0"/>
           </a:p>
         </p:txBody>
       </p:sp>
@@ -3659,14 +4179,18 @@
             <p:ph type="dt" sz="half" idx="10"/>
           </p:nvPr>
         </p:nvSpPr>
-        <p:spPr/>
-        <p:txBody>
-          <a:bodyPr/>
-          <a:lstStyle>
-            <a:lvl1pPr>
-              <a:defRPr/>
-            </a:lvl1pPr>
-          </a:lstStyle>
+        <p:spPr>
+          <a:xfrm>
+            <a:off x="0" y="6236277"/>
+            <a:ext cx="2057400" cy="365125"/>
+          </a:xfrm>
+          <a:prstGeom prst="rect">
+            <a:avLst/>
+          </a:prstGeom>
+        </p:spPr>
+        <p:txBody>
+          <a:bodyPr/>
+          <a:lstStyle/>
           <a:p>
             <a:endParaRPr lang="en-US" altLang="en-US"/>
           </a:p>
@@ -3682,14 +4206,18 @@
             <p:ph type="ftr" sz="quarter" idx="11"/>
           </p:nvPr>
         </p:nvSpPr>
-        <p:spPr/>
-        <p:txBody>
-          <a:bodyPr/>
-          <a:lstStyle>
-            <a:lvl1pPr>
-              <a:defRPr/>
-            </a:lvl1pPr>
-          </a:lstStyle>
+        <p:spPr>
+          <a:xfrm>
+            <a:off x="3756314" y="6518274"/>
+            <a:ext cx="3086100" cy="365125"/>
+          </a:xfrm>
+          <a:prstGeom prst="rect">
+            <a:avLst/>
+          </a:prstGeom>
+        </p:spPr>
+        <p:txBody>
+          <a:bodyPr/>
+          <a:lstStyle/>
           <a:p>
             <a:endParaRPr lang="en-US" altLang="en-US"/>
           </a:p>
@@ -3705,27 +4233,41 @@
             <p:ph type="sldNum" sz="quarter" idx="12"/>
           </p:nvPr>
         </p:nvSpPr>
-        <p:spPr/>
-        <p:txBody>
-          <a:bodyPr/>
-          <a:lstStyle>
-            <a:lvl1pPr>
-              <a:defRPr/>
-            </a:lvl1pPr>
-          </a:lstStyle>
+        <p:spPr>
+          <a:xfrm>
+            <a:off x="6842414" y="6518274"/>
+            <a:ext cx="2057400" cy="365125"/>
+          </a:xfrm>
+        </p:spPr>
+        <p:txBody>
+          <a:bodyPr/>
+          <a:lstStyle/>
           <a:p>
             <a:fld id="{F559B138-3910-4CB2-9145-1068E3B9E07E}" type="slidenum">
-              <a:rPr lang="en-US" altLang="en-US"/>
+              <a:rPr lang="en-US" altLang="en-US" smtClean="0"/>
+              <a:t>‹#›</a:t>
             </a:fld>
             <a:endParaRPr lang="en-US" altLang="en-US"/>
           </a:p>
         </p:txBody>
       </p:sp>
     </p:spTree>
+    <p:extLst>
+      <p:ext uri="{BB962C8B-B14F-4D97-AF65-F5344CB8AC3E}">
+        <p14:creationId xmlns:p14="http://schemas.microsoft.com/office/powerpoint/2010/main" val="1634618774"/>
+      </p:ext>
+    </p:extLst>
   </p:cSld>
   <p:clrMapOvr>
     <a:masterClrMapping/>
   </p:clrMapOvr>
+  <p:timing>
+    <p:tnLst>
+      <p:par>
+        <p:cTn id="1" dur="indefinite" restart="never" nodeType="tmRoot"/>
+      </p:par>
+    </p:tnLst>
+  </p:timing>
 </p:sldLayout>
 </file>
 
@@ -3756,14 +4298,18 @@
             <p:ph type="dt" sz="half" idx="10"/>
           </p:nvPr>
         </p:nvSpPr>
-        <p:spPr/>
-        <p:txBody>
-          <a:bodyPr/>
-          <a:lstStyle>
-            <a:lvl1pPr>
-              <a:defRPr/>
-            </a:lvl1pPr>
-          </a:lstStyle>
+        <p:spPr>
+          <a:xfrm>
+            <a:off x="0" y="6254173"/>
+            <a:ext cx="2057400" cy="365125"/>
+          </a:xfrm>
+          <a:prstGeom prst="rect">
+            <a:avLst/>
+          </a:prstGeom>
+        </p:spPr>
+        <p:txBody>
+          <a:bodyPr/>
+          <a:lstStyle/>
           <a:p>
             <a:endParaRPr lang="en-US" altLang="en-US"/>
           </a:p>
@@ -3779,14 +4325,18 @@
             <p:ph type="ftr" sz="quarter" idx="11"/>
           </p:nvPr>
         </p:nvSpPr>
-        <p:spPr/>
-        <p:txBody>
-          <a:bodyPr/>
-          <a:lstStyle>
-            <a:lvl1pPr>
-              <a:defRPr/>
-            </a:lvl1pPr>
-          </a:lstStyle>
+        <p:spPr>
+          <a:xfrm>
+            <a:off x="3766705" y="6549447"/>
+            <a:ext cx="3086100" cy="365125"/>
+          </a:xfrm>
+          <a:prstGeom prst="rect">
+            <a:avLst/>
+          </a:prstGeom>
+        </p:spPr>
+        <p:txBody>
+          <a:bodyPr/>
+          <a:lstStyle/>
           <a:p>
             <a:endParaRPr lang="en-US" altLang="en-US"/>
           </a:p>
@@ -3802,27 +4352,41 @@
             <p:ph type="sldNum" sz="quarter" idx="12"/>
           </p:nvPr>
         </p:nvSpPr>
-        <p:spPr/>
-        <p:txBody>
-          <a:bodyPr/>
-          <a:lstStyle>
-            <a:lvl1pPr>
-              <a:defRPr/>
-            </a:lvl1pPr>
-          </a:lstStyle>
+        <p:spPr>
+          <a:xfrm>
+            <a:off x="6852805" y="6549447"/>
+            <a:ext cx="2057400" cy="365125"/>
+          </a:xfrm>
+        </p:spPr>
+        <p:txBody>
+          <a:bodyPr/>
+          <a:lstStyle/>
           <a:p>
             <a:fld id="{909E207A-2206-4F55-86B7-C4BA7E6C4B55}" type="slidenum">
-              <a:rPr lang="en-US" altLang="en-US"/>
+              <a:rPr lang="en-US" altLang="en-US" smtClean="0"/>
+              <a:t>‹#›</a:t>
             </a:fld>
             <a:endParaRPr lang="en-US" altLang="en-US"/>
           </a:p>
         </p:txBody>
       </p:sp>
     </p:spTree>
+    <p:extLst>
+      <p:ext uri="{BB962C8B-B14F-4D97-AF65-F5344CB8AC3E}">
+        <p14:creationId xmlns:p14="http://schemas.microsoft.com/office/powerpoint/2010/main" val="3122205537"/>
+      </p:ext>
+    </p:extLst>
   </p:cSld>
   <p:clrMapOvr>
     <a:masterClrMapping/>
   </p:clrMapOvr>
+  <p:timing>
+    <p:tnLst>
+      <p:par>
+        <p:cTn id="1" dur="indefinite" restart="never" nodeType="tmRoot"/>
+      </p:par>
+    </p:tnLst>
+  </p:timing>
 </p:sldLayout>
 </file>
 
@@ -3855,8 +4419,8 @@
         </p:nvSpPr>
         <p:spPr>
           <a:xfrm>
-            <a:off x="630238" y="457200"/>
-            <a:ext cx="2949575" cy="1600200"/>
+            <a:off x="629841" y="457200"/>
+            <a:ext cx="2949178" cy="1600200"/>
           </a:xfrm>
         </p:spPr>
         <p:txBody>
@@ -3871,7 +4435,7 @@
               <a:rPr lang="en-US" smtClean="0"/>
               <a:t>Click to edit Master title style</a:t>
             </a:r>
-            <a:endParaRPr lang="en-IN"/>
+            <a:endParaRPr lang="en-US" dirty="0"/>
           </a:p>
         </p:txBody>
       </p:sp>
@@ -3887,7 +4451,7 @@
         </p:nvSpPr>
         <p:spPr>
           <a:xfrm>
-            <a:off x="3887788" y="987425"/>
+            <a:off x="3887391" y="987426"/>
             <a:ext cx="4629150" cy="4873625"/>
           </a:xfrm>
         </p:spPr>
@@ -3926,9 +4490,8 @@
             <a:pPr lvl="0"/>
             <a:r>
               <a:rPr lang="en-US" smtClean="0"/>
-              <a:t>Click to edit Master text styles</a:t>
-            </a:r>
-            <a:endParaRPr lang="en-US" smtClean="0"/>
+              <a:t>Edit Master text styles</a:t>
+            </a:r>
           </a:p>
           <a:p>
             <a:pPr lvl="1"/>
@@ -3936,7 +4499,6 @@
               <a:rPr lang="en-US" smtClean="0"/>
               <a:t>Second level</a:t>
             </a:r>
-            <a:endParaRPr lang="en-US" smtClean="0"/>
           </a:p>
           <a:p>
             <a:pPr lvl="2"/>
@@ -3944,7 +4506,6 @@
               <a:rPr lang="en-US" smtClean="0"/>
               <a:t>Third level</a:t>
             </a:r>
-            <a:endParaRPr lang="en-US" smtClean="0"/>
           </a:p>
           <a:p>
             <a:pPr lvl="3"/>
@@ -3952,7 +4513,6 @@
               <a:rPr lang="en-US" smtClean="0"/>
               <a:t>Fourth level</a:t>
             </a:r>
-            <a:endParaRPr lang="en-US" smtClean="0"/>
           </a:p>
           <a:p>
             <a:pPr lvl="4"/>
@@ -3960,7 +4520,7 @@
               <a:rPr lang="en-US" smtClean="0"/>
               <a:t>Fifth level</a:t>
             </a:r>
-            <a:endParaRPr lang="en-IN"/>
+            <a:endParaRPr lang="en-US" dirty="0"/>
           </a:p>
         </p:txBody>
       </p:sp>
@@ -3976,8 +4536,8 @@
         </p:nvSpPr>
         <p:spPr>
           <a:xfrm>
-            <a:off x="630238" y="2057400"/>
-            <a:ext cx="2949575" cy="3811588"/>
+            <a:off x="629841" y="2057400"/>
+            <a:ext cx="2949178" cy="3811588"/>
           </a:xfrm>
         </p:spPr>
         <p:txBody>
@@ -4024,9 +4584,8 @@
             <a:pPr lvl="0"/>
             <a:r>
               <a:rPr lang="en-US" smtClean="0"/>
-              <a:t>Click to edit Master text styles</a:t>
-            </a:r>
-            <a:endParaRPr lang="en-US" smtClean="0"/>
+              <a:t>Edit Master text styles</a:t>
+            </a:r>
           </a:p>
         </p:txBody>
       </p:sp>
@@ -4040,73 +4599,90 @@
             <p:ph type="dt" sz="half" idx="10"/>
           </p:nvPr>
         </p:nvSpPr>
+        <p:spPr>
+          <a:xfrm>
+            <a:off x="0" y="6254173"/>
+            <a:ext cx="2057400" cy="365125"/>
+          </a:xfrm>
+          <a:prstGeom prst="rect">
+            <a:avLst/>
+          </a:prstGeom>
+        </p:spPr>
+        <p:txBody>
+          <a:bodyPr/>
+          <a:lstStyle/>
+          <a:p>
+            <a:endParaRPr lang="en-US" altLang="en-US"/>
+          </a:p>
+        </p:txBody>
+      </p:sp>
+      <p:sp>
+        <p:nvSpPr>
+          <p:cNvPr id="6" name="Footer Placeholder 5"/>
+          <p:cNvSpPr>
+            <a:spLocks noGrp="1"/>
+          </p:cNvSpPr>
+          <p:nvPr>
+            <p:ph type="ftr" sz="quarter" idx="11"/>
+          </p:nvPr>
+        </p:nvSpPr>
+        <p:spPr>
+          <a:xfrm>
+            <a:off x="3745923" y="6539055"/>
+            <a:ext cx="3086100" cy="365125"/>
+          </a:xfrm>
+          <a:prstGeom prst="rect">
+            <a:avLst/>
+          </a:prstGeom>
+        </p:spPr>
+        <p:txBody>
+          <a:bodyPr/>
+          <a:lstStyle/>
+          <a:p>
+            <a:endParaRPr lang="en-US" altLang="en-US"/>
+          </a:p>
+        </p:txBody>
+      </p:sp>
+      <p:sp>
+        <p:nvSpPr>
+          <p:cNvPr id="7" name="Slide Number Placeholder 6"/>
+          <p:cNvSpPr>
+            <a:spLocks noGrp="1"/>
+          </p:cNvSpPr>
+          <p:nvPr>
+            <p:ph type="sldNum" sz="quarter" idx="12"/>
+          </p:nvPr>
+        </p:nvSpPr>
         <p:spPr/>
         <p:txBody>
           <a:bodyPr/>
-          <a:lstStyle>
-            <a:lvl1pPr>
-              <a:defRPr/>
-            </a:lvl1pPr>
-          </a:lstStyle>
-          <a:p>
-            <a:endParaRPr lang="en-US" altLang="en-US"/>
-          </a:p>
-        </p:txBody>
-      </p:sp>
-      <p:sp>
-        <p:nvSpPr>
-          <p:cNvPr id="6" name="Footer Placeholder 5"/>
-          <p:cNvSpPr>
-            <a:spLocks noGrp="1"/>
-          </p:cNvSpPr>
-          <p:nvPr>
-            <p:ph type="ftr" sz="quarter" idx="11"/>
-          </p:nvPr>
-        </p:nvSpPr>
-        <p:spPr/>
-        <p:txBody>
-          <a:bodyPr/>
-          <a:lstStyle>
-            <a:lvl1pPr>
-              <a:defRPr/>
-            </a:lvl1pPr>
-          </a:lstStyle>
-          <a:p>
-            <a:endParaRPr lang="en-US" altLang="en-US"/>
-          </a:p>
-        </p:txBody>
-      </p:sp>
-      <p:sp>
-        <p:nvSpPr>
-          <p:cNvPr id="7" name="Slide Number Placeholder 6"/>
-          <p:cNvSpPr>
-            <a:spLocks noGrp="1"/>
-          </p:cNvSpPr>
-          <p:nvPr>
-            <p:ph type="sldNum" sz="quarter" idx="12"/>
-          </p:nvPr>
-        </p:nvSpPr>
-        <p:spPr/>
-        <p:txBody>
-          <a:bodyPr/>
-          <a:lstStyle>
-            <a:lvl1pPr>
-              <a:defRPr/>
-            </a:lvl1pPr>
-          </a:lstStyle>
+          <a:lstStyle/>
           <a:p>
             <a:fld id="{9F7BB258-1CFF-4F4F-8C27-AD1703630852}" type="slidenum">
-              <a:rPr lang="en-US" altLang="en-US"/>
+              <a:rPr lang="en-US" altLang="en-US" smtClean="0"/>
+              <a:t>‹#›</a:t>
             </a:fld>
             <a:endParaRPr lang="en-US" altLang="en-US"/>
           </a:p>
         </p:txBody>
       </p:sp>
     </p:spTree>
+    <p:extLst>
+      <p:ext uri="{BB962C8B-B14F-4D97-AF65-F5344CB8AC3E}">
+        <p14:creationId xmlns:p14="http://schemas.microsoft.com/office/powerpoint/2010/main" val="332890350"/>
+      </p:ext>
+    </p:extLst>
   </p:cSld>
   <p:clrMapOvr>
     <a:masterClrMapping/>
   </p:clrMapOvr>
+  <p:timing>
+    <p:tnLst>
+      <p:par>
+        <p:cTn id="1" dur="indefinite" restart="never" nodeType="tmRoot"/>
+      </p:par>
+    </p:tnLst>
+  </p:timing>
 </p:sldLayout>
 </file>
 
@@ -4115,9 +4691,15 @@
   <p:cSld>
     <p:bg>
       <p:bgPr>
-        <a:solidFill>
-          <a:schemeClr val="bg1"/>
-        </a:solidFill>
+        <a:blipFill dpi="0" rotWithShape="1">
+          <a:blip r:embed="rId20">
+            <a:lum/>
+          </a:blip>
+          <a:srcRect/>
+          <a:stretch>
+            <a:fillRect t="-3000" b="-3000"/>
+          </a:stretch>
+        </a:blipFill>
         <a:effectLst/>
       </p:bgPr>
     </p:bg>
@@ -4135,267 +4717,170 @@
           <a:chExt cx="0" cy="0"/>
         </a:xfrm>
       </p:grpSpPr>
-      <p:pic>
-        <p:nvPicPr>
-          <p:cNvPr id="1032" name="Picture 8" descr="F:\2 ppt.jpg"/>
-          <p:cNvPicPr>
-            <a:picLocks noChangeAspect="1" noChangeArrowheads="1"/>
-          </p:cNvPicPr>
-          <p:nvPr/>
-        </p:nvPicPr>
-        <p:blipFill>
-          <a:blip r:embed="rId18">
-            <a:extLst>
-              <a:ext uri="{28A0092B-C50C-407E-A947-70E740481C1C}">
-                <a14:useLocalDpi xmlns:a14="http://schemas.microsoft.com/office/drawing/2010/main" val="0"/>
-              </a:ext>
-            </a:extLst>
-          </a:blip>
-          <a:srcRect/>
-          <a:stretch>
-            <a:fillRect/>
-          </a:stretch>
-        </p:blipFill>
-        <p:spPr bwMode="auto">
-          <a:xfrm>
-            <a:off x="6350" y="0"/>
-            <a:ext cx="9131300" cy="2041525"/>
+      <p:sp>
+        <p:nvSpPr>
+          <p:cNvPr id="2" name="Title Placeholder 1"/>
+          <p:cNvSpPr>
+            <a:spLocks noGrp="1"/>
+          </p:cNvSpPr>
+          <p:nvPr>
+            <p:ph type="title"/>
+          </p:nvPr>
+        </p:nvSpPr>
+        <p:spPr>
+          <a:xfrm>
+            <a:off x="628650" y="135081"/>
+            <a:ext cx="7486650" cy="644237"/>
           </a:xfrm>
           <a:prstGeom prst="rect">
             <a:avLst/>
           </a:prstGeom>
-          <a:noFill/>
-          <a:extLst>
-            <a:ext uri="{909E8E84-426E-40DD-AFC4-6F175D3DCCD1}">
-              <a14:hiddenFill xmlns:a14="http://schemas.microsoft.com/office/drawing/2010/main">
-                <a:solidFill>
-                  <a:srgbClr val="FFFFFF"/>
-                </a:solidFill>
-              </a14:hiddenFill>
-            </a:ext>
-          </a:extLst>
-        </p:spPr>
-      </p:pic>
-      <p:sp>
-        <p:nvSpPr>
-          <p:cNvPr id="1026" name="Rectangle 2"/>
-          <p:cNvSpPr>
-            <a:spLocks noGrp="1" noChangeArrowheads="1"/>
-          </p:cNvSpPr>
-          <p:nvPr>
-            <p:ph type="title"/>
-          </p:nvPr>
-        </p:nvSpPr>
-        <p:spPr bwMode="auto">
-          <a:xfrm>
-            <a:off x="685800" y="609600"/>
-            <a:ext cx="7772400" cy="1143000"/>
+        </p:spPr>
+        <p:txBody>
+          <a:bodyPr vert="horz" lIns="91440" tIns="45720" rIns="91440" bIns="45720" rtlCol="0" anchor="ctr">
+            <a:normAutofit/>
+          </a:bodyPr>
+          <a:lstStyle/>
+          <a:p>
+            <a:r>
+              <a:rPr lang="en-US" smtClean="0"/>
+              <a:t>Click to edit Master title style</a:t>
+            </a:r>
+            <a:endParaRPr lang="en-US" dirty="0"/>
+          </a:p>
+        </p:txBody>
+      </p:sp>
+      <p:sp>
+        <p:nvSpPr>
+          <p:cNvPr id="3" name="Text Placeholder 2"/>
+          <p:cNvSpPr>
+            <a:spLocks noGrp="1"/>
+          </p:cNvSpPr>
+          <p:nvPr>
+            <p:ph type="body" idx="1"/>
+          </p:nvPr>
+        </p:nvSpPr>
+        <p:spPr>
+          <a:xfrm>
+            <a:off x="488373" y="914400"/>
+            <a:ext cx="8219209" cy="5262563"/>
           </a:xfrm>
           <a:prstGeom prst="rect">
             <a:avLst/>
           </a:prstGeom>
-          <a:noFill/>
-          <a:ln>
-            <a:noFill/>
-          </a:ln>
-          <a:effectLst/>
-          <a:extLst>
-            <a:ext uri="{909E8E84-426E-40DD-AFC4-6F175D3DCCD1}">
-              <a14:hiddenFill xmlns:a14="http://schemas.microsoft.com/office/drawing/2010/main">
-                <a:solidFill>
-                  <a:schemeClr val="accent1"/>
-                </a:solidFill>
-              </a14:hiddenFill>
-            </a:ext>
-            <a:ext uri="{91240B29-F687-4F45-9708-019B960494DF}">
-              <a14:hiddenLine xmlns:a14="http://schemas.microsoft.com/office/drawing/2010/main" w="9525">
+        </p:spPr>
+        <p:txBody>
+          <a:bodyPr vert="horz" lIns="91440" tIns="45720" rIns="91440" bIns="45720" rtlCol="0">
+            <a:normAutofit/>
+          </a:bodyPr>
+          <a:lstStyle/>
+          <a:p>
+            <a:pPr lvl="0"/>
+            <a:r>
+              <a:rPr lang="en-US" dirty="0" smtClean="0"/>
+              <a:t>Edit Master text styles</a:t>
+            </a:r>
+          </a:p>
+          <a:p>
+            <a:pPr lvl="1"/>
+            <a:r>
+              <a:rPr lang="en-US" dirty="0" smtClean="0"/>
+              <a:t>Second level</a:t>
+            </a:r>
+          </a:p>
+          <a:p>
+            <a:pPr lvl="2"/>
+            <a:r>
+              <a:rPr lang="en-US" dirty="0" smtClean="0"/>
+              <a:t>Third level</a:t>
+            </a:r>
+          </a:p>
+          <a:p>
+            <a:pPr lvl="3"/>
+            <a:r>
+              <a:rPr lang="en-US" dirty="0" smtClean="0"/>
+              <a:t>Fourth level</a:t>
+            </a:r>
+          </a:p>
+          <a:p>
+            <a:pPr lvl="4"/>
+            <a:r>
+              <a:rPr lang="en-US" dirty="0" smtClean="0"/>
+              <a:t>Fifth level</a:t>
+            </a:r>
+            <a:endParaRPr lang="en-US" dirty="0"/>
+          </a:p>
+        </p:txBody>
+      </p:sp>
+      <p:sp>
+        <p:nvSpPr>
+          <p:cNvPr id="6" name="Slide Number Placeholder 5"/>
+          <p:cNvSpPr>
+            <a:spLocks noGrp="1"/>
+          </p:cNvSpPr>
+          <p:nvPr>
+            <p:ph type="sldNum" sz="quarter" idx="4"/>
+          </p:nvPr>
+        </p:nvSpPr>
+        <p:spPr>
+          <a:xfrm>
+            <a:off x="6832023" y="6539055"/>
+            <a:ext cx="2057400" cy="365125"/>
+          </a:xfrm>
+          <a:prstGeom prst="rect">
+            <a:avLst/>
+          </a:prstGeom>
+        </p:spPr>
+        <p:txBody>
+          <a:bodyPr vert="horz" lIns="91440" tIns="45720" rIns="91440" bIns="45720" rtlCol="0" anchor="ctr"/>
+          <a:lstStyle>
+            <a:lvl1pPr algn="r">
+              <a:defRPr sz="1200" b="1">
                 <a:solidFill>
                   <a:schemeClr val="tx1"/>
                 </a:solidFill>
-                <a:miter lim="800000"/>
-                <a:headEnd/>
-                <a:tailEnd/>
-              </a14:hiddenLine>
-            </a:ext>
-            <a:ext uri="{AF507438-7753-43E0-B8FC-AC1667EBCBE1}">
-              <a14:hiddenEffects xmlns:a14="http://schemas.microsoft.com/office/drawing/2010/main">
-                <a:effectLst>
-                  <a:outerShdw dist="35921" dir="2700000" algn="ctr" rotWithShape="0">
-                    <a:schemeClr val="bg2"/>
-                  </a:outerShdw>
-                </a:effectLst>
-              </a14:hiddenEffects>
-            </a:ext>
-          </a:extLst>
-        </p:spPr>
-        <p:txBody>
-          <a:bodyPr vert="horz" wrap="square" lIns="91440" tIns="45720" rIns="91440" bIns="45720" numCol="1" anchor="ctr" anchorCtr="0" compatLnSpc="1"/>
-          <a:lstStyle/>
-          <a:p>
-            <a:pPr lvl="0"/>
-            <a:r>
+                <a:latin typeface="Karma Medium" panose="02000000000000000000" pitchFamily="2" charset="0"/>
+                <a:cs typeface="Karma Medium" panose="02000000000000000000" pitchFamily="2" charset="0"/>
+              </a:defRPr>
+            </a:lvl1pPr>
+          </a:lstStyle>
+          <a:p>
+            <a:fld id="{7FAD312C-826E-40DC-8EA2-9106566C605C}" type="slidenum">
               <a:rPr lang="en-US" altLang="en-US" smtClean="0"/>
-              <a:t>Click to edit Master title style</a:t>
-            </a:r>
-            <a:endParaRPr lang="en-US" altLang="en-US" smtClean="0"/>
-          </a:p>
-        </p:txBody>
-      </p:sp>
-      <p:sp>
-        <p:nvSpPr>
-          <p:cNvPr id="1027" name="Rectangle 3"/>
-          <p:cNvSpPr>
-            <a:spLocks noGrp="1" noChangeArrowheads="1"/>
-          </p:cNvSpPr>
-          <p:nvPr>
-            <p:ph type="body" idx="1"/>
-          </p:nvPr>
-        </p:nvSpPr>
-        <p:spPr bwMode="auto">
-          <a:xfrm>
-            <a:off x="685800" y="1981200"/>
-            <a:ext cx="7772400" cy="4114800"/>
+              <a:t>‹#›</a:t>
+            </a:fld>
+            <a:endParaRPr lang="en-US" altLang="en-US"/>
+          </a:p>
+        </p:txBody>
+      </p:sp>
+      <p:sp>
+        <p:nvSpPr>
+          <p:cNvPr id="7" name="Footer Placeholder 6"/>
+          <p:cNvSpPr>
+            <a:spLocks noGrp="1"/>
+          </p:cNvSpPr>
+          <p:nvPr>
+            <p:ph type="ftr" sz="quarter" idx="3"/>
+          </p:nvPr>
+        </p:nvSpPr>
+        <p:spPr>
+          <a:xfrm>
+            <a:off x="3460173" y="6539055"/>
+            <a:ext cx="3371850" cy="365125"/>
           </a:xfrm>
           <a:prstGeom prst="rect">
             <a:avLst/>
           </a:prstGeom>
-          <a:noFill/>
-          <a:ln>
-            <a:noFill/>
-          </a:ln>
-          <a:effectLst/>
-          <a:extLst>
-            <a:ext uri="{909E8E84-426E-40DD-AFC4-6F175D3DCCD1}">
-              <a14:hiddenFill xmlns:a14="http://schemas.microsoft.com/office/drawing/2010/main">
-                <a:solidFill>
-                  <a:schemeClr val="accent1"/>
-                </a:solidFill>
-              </a14:hiddenFill>
-            </a:ext>
-            <a:ext uri="{91240B29-F687-4F45-9708-019B960494DF}">
-              <a14:hiddenLine xmlns:a14="http://schemas.microsoft.com/office/drawing/2010/main" w="9525">
+        </p:spPr>
+        <p:txBody>
+          <a:bodyPr vert="horz" lIns="91440" tIns="45720" rIns="91440" bIns="45720" rtlCol="0" anchor="ctr"/>
+          <a:lstStyle>
+            <a:lvl1pPr algn="ctr">
+              <a:defRPr sz="1200" b="0">
                 <a:solidFill>
                   <a:schemeClr val="tx1"/>
                 </a:solidFill>
-                <a:miter lim="800000"/>
-                <a:headEnd/>
-                <a:tailEnd/>
-              </a14:hiddenLine>
-            </a:ext>
-            <a:ext uri="{AF507438-7753-43E0-B8FC-AC1667EBCBE1}">
-              <a14:hiddenEffects xmlns:a14="http://schemas.microsoft.com/office/drawing/2010/main">
-                <a:effectLst>
-                  <a:outerShdw dist="35921" dir="2700000" algn="ctr" rotWithShape="0">
-                    <a:schemeClr val="bg2"/>
-                  </a:outerShdw>
-                </a:effectLst>
-              </a14:hiddenEffects>
-            </a:ext>
-          </a:extLst>
-        </p:spPr>
-        <p:txBody>
-          <a:bodyPr vert="horz" wrap="square" lIns="91440" tIns="45720" rIns="91440" bIns="45720" numCol="1" anchor="t" anchorCtr="0" compatLnSpc="1"/>
-          <a:lstStyle/>
-          <a:p>
-            <a:pPr lvl="0"/>
-            <a:r>
-              <a:rPr lang="en-US" altLang="en-US" smtClean="0"/>
-              <a:t>Click to edit Master text styles</a:t>
-            </a:r>
-            <a:endParaRPr lang="en-US" altLang="en-US" smtClean="0"/>
-          </a:p>
-          <a:p>
-            <a:pPr lvl="1"/>
-            <a:r>
-              <a:rPr lang="en-US" altLang="en-US" smtClean="0"/>
-              <a:t>Second level</a:t>
-            </a:r>
-            <a:endParaRPr lang="en-US" altLang="en-US" smtClean="0"/>
-          </a:p>
-          <a:p>
-            <a:pPr lvl="2"/>
-            <a:r>
-              <a:rPr lang="en-US" altLang="en-US" smtClean="0"/>
-              <a:t>Third level</a:t>
-            </a:r>
-            <a:endParaRPr lang="en-US" altLang="en-US" smtClean="0"/>
-          </a:p>
-          <a:p>
-            <a:pPr lvl="3"/>
-            <a:r>
-              <a:rPr lang="en-US" altLang="en-US" smtClean="0"/>
-              <a:t>Fourth level</a:t>
-            </a:r>
-            <a:endParaRPr lang="en-US" altLang="en-US" smtClean="0"/>
-          </a:p>
-          <a:p>
-            <a:pPr lvl="4"/>
-            <a:r>
-              <a:rPr lang="en-US" altLang="en-US" smtClean="0"/>
-              <a:t>Fifth level</a:t>
-            </a:r>
-            <a:endParaRPr lang="en-US" altLang="en-US" smtClean="0"/>
-          </a:p>
-        </p:txBody>
-      </p:sp>
-      <p:sp>
-        <p:nvSpPr>
-          <p:cNvPr id="1028" name="Rectangle 4"/>
-          <p:cNvSpPr>
-            <a:spLocks noGrp="1" noChangeArrowheads="1"/>
-          </p:cNvSpPr>
-          <p:nvPr>
-            <p:ph type="dt" sz="half" idx="2"/>
-          </p:nvPr>
-        </p:nvSpPr>
-        <p:spPr bwMode="auto">
-          <a:xfrm>
-            <a:off x="685800" y="6248400"/>
-            <a:ext cx="1905000" cy="457200"/>
-          </a:xfrm>
-          <a:prstGeom prst="rect">
-            <a:avLst/>
-          </a:prstGeom>
-          <a:noFill/>
-          <a:ln>
-            <a:noFill/>
-          </a:ln>
-          <a:effectLst/>
-          <a:extLst>
-            <a:ext uri="{909E8E84-426E-40DD-AFC4-6F175D3DCCD1}">
-              <a14:hiddenFill xmlns:a14="http://schemas.microsoft.com/office/drawing/2010/main">
-                <a:solidFill>
-                  <a:schemeClr val="accent1"/>
-                </a:solidFill>
-              </a14:hiddenFill>
-            </a:ext>
-            <a:ext uri="{91240B29-F687-4F45-9708-019B960494DF}">
-              <a14:hiddenLine xmlns:a14="http://schemas.microsoft.com/office/drawing/2010/main" w="9525">
-                <a:solidFill>
-                  <a:schemeClr val="tx1"/>
-                </a:solidFill>
-                <a:miter lim="800000"/>
-                <a:headEnd/>
-                <a:tailEnd/>
-              </a14:hiddenLine>
-            </a:ext>
-            <a:ext uri="{AF507438-7753-43E0-B8FC-AC1667EBCBE1}">
-              <a14:hiddenEffects xmlns:a14="http://schemas.microsoft.com/office/drawing/2010/main">
-                <a:effectLst>
-                  <a:outerShdw dist="35921" dir="2700000" algn="ctr" rotWithShape="0">
-                    <a:schemeClr val="bg2"/>
-                  </a:outerShdw>
-                </a:effectLst>
-              </a14:hiddenEffects>
-            </a:ext>
-          </a:extLst>
-        </p:spPr>
-        <p:txBody>
-          <a:bodyPr vert="horz" wrap="square" lIns="91440" tIns="45720" rIns="91440" bIns="45720" numCol="1" anchor="t" anchorCtr="0" compatLnSpc="1"/>
-          <a:lstStyle>
-            <a:lvl1pPr>
-              <a:defRPr sz="1400">
-                <a:latin typeface="Times Newer Roman" panose="00000500000000000000" charset="0"/>
+                <a:latin typeface="+mj-lt"/>
               </a:defRPr>
             </a:lvl1pPr>
           </a:lstStyle>
@@ -4404,377 +4889,149 @@
           </a:p>
         </p:txBody>
       </p:sp>
-      <p:sp>
-        <p:nvSpPr>
-          <p:cNvPr id="1029" name="Rectangle 5"/>
-          <p:cNvSpPr>
-            <a:spLocks noGrp="1" noChangeArrowheads="1"/>
-          </p:cNvSpPr>
-          <p:nvPr>
-            <p:ph type="ftr" sz="quarter" idx="3"/>
-          </p:nvPr>
-        </p:nvSpPr>
-        <p:spPr bwMode="auto">
-          <a:xfrm>
-            <a:off x="3124200" y="6248400"/>
-            <a:ext cx="2895600" cy="457200"/>
-          </a:xfrm>
-          <a:prstGeom prst="rect">
-            <a:avLst/>
-          </a:prstGeom>
-          <a:noFill/>
-          <a:ln>
-            <a:noFill/>
-          </a:ln>
-          <a:effectLst/>
-          <a:extLst>
-            <a:ext uri="{909E8E84-426E-40DD-AFC4-6F175D3DCCD1}">
-              <a14:hiddenFill xmlns:a14="http://schemas.microsoft.com/office/drawing/2010/main">
-                <a:solidFill>
-                  <a:schemeClr val="accent1"/>
-                </a:solidFill>
-              </a14:hiddenFill>
-            </a:ext>
-            <a:ext uri="{91240B29-F687-4F45-9708-019B960494DF}">
-              <a14:hiddenLine xmlns:a14="http://schemas.microsoft.com/office/drawing/2010/main" w="9525">
-                <a:solidFill>
-                  <a:schemeClr val="tx1"/>
-                </a:solidFill>
-                <a:miter lim="800000"/>
-                <a:headEnd/>
-                <a:tailEnd/>
-              </a14:hiddenLine>
-            </a:ext>
-            <a:ext uri="{AF507438-7753-43E0-B8FC-AC1667EBCBE1}">
-              <a14:hiddenEffects xmlns:a14="http://schemas.microsoft.com/office/drawing/2010/main">
-                <a:effectLst>
-                  <a:outerShdw dist="35921" dir="2700000" algn="ctr" rotWithShape="0">
-                    <a:schemeClr val="bg2"/>
-                  </a:outerShdw>
-                </a:effectLst>
-              </a14:hiddenEffects>
-            </a:ext>
-          </a:extLst>
-        </p:spPr>
-        <p:txBody>
-          <a:bodyPr vert="horz" wrap="square" lIns="91440" tIns="45720" rIns="91440" bIns="45720" numCol="1" anchor="t" anchorCtr="0" compatLnSpc="1"/>
-          <a:lstStyle>
-            <a:lvl1pPr algn="ctr">
-              <a:defRPr sz="1400">
-                <a:latin typeface="Times Newer Roman" panose="00000500000000000000" charset="0"/>
-              </a:defRPr>
-            </a:lvl1pPr>
-          </a:lstStyle>
-          <a:p>
-            <a:endParaRPr lang="en-US" altLang="en-US"/>
-          </a:p>
-        </p:txBody>
-      </p:sp>
-      <p:sp>
-        <p:nvSpPr>
-          <p:cNvPr id="1030" name="Rectangle 6"/>
-          <p:cNvSpPr>
-            <a:spLocks noGrp="1" noChangeArrowheads="1"/>
-          </p:cNvSpPr>
-          <p:nvPr>
-            <p:ph type="sldNum" sz="quarter" idx="4"/>
-          </p:nvPr>
-        </p:nvSpPr>
-        <p:spPr bwMode="auto">
-          <a:xfrm>
-            <a:off x="6553200" y="6248400"/>
-            <a:ext cx="1905000" cy="457200"/>
-          </a:xfrm>
-          <a:prstGeom prst="rect">
-            <a:avLst/>
-          </a:prstGeom>
-          <a:noFill/>
-          <a:ln>
-            <a:noFill/>
-          </a:ln>
-          <a:effectLst/>
-          <a:extLst>
-            <a:ext uri="{909E8E84-426E-40DD-AFC4-6F175D3DCCD1}">
-              <a14:hiddenFill xmlns:a14="http://schemas.microsoft.com/office/drawing/2010/main">
-                <a:solidFill>
-                  <a:schemeClr val="accent1"/>
-                </a:solidFill>
-              </a14:hiddenFill>
-            </a:ext>
-            <a:ext uri="{91240B29-F687-4F45-9708-019B960494DF}">
-              <a14:hiddenLine xmlns:a14="http://schemas.microsoft.com/office/drawing/2010/main" w="9525">
-                <a:solidFill>
-                  <a:schemeClr val="tx1"/>
-                </a:solidFill>
-                <a:miter lim="800000"/>
-                <a:headEnd/>
-                <a:tailEnd/>
-              </a14:hiddenLine>
-            </a:ext>
-            <a:ext uri="{AF507438-7753-43E0-B8FC-AC1667EBCBE1}">
-              <a14:hiddenEffects xmlns:a14="http://schemas.microsoft.com/office/drawing/2010/main">
-                <a:effectLst>
-                  <a:outerShdw dist="35921" dir="2700000" algn="ctr" rotWithShape="0">
-                    <a:schemeClr val="bg2"/>
-                  </a:outerShdw>
-                </a:effectLst>
-              </a14:hiddenEffects>
-            </a:ext>
-          </a:extLst>
-        </p:spPr>
-        <p:txBody>
-          <a:bodyPr vert="horz" wrap="square" lIns="91440" tIns="45720" rIns="91440" bIns="45720" numCol="1" anchor="t" anchorCtr="0" compatLnSpc="1"/>
-          <a:lstStyle>
-            <a:lvl1pPr algn="r">
-              <a:defRPr sz="1400">
-                <a:latin typeface="Times Newer Roman" panose="00000500000000000000" charset="0"/>
-              </a:defRPr>
-            </a:lvl1pPr>
-          </a:lstStyle>
-          <a:p>
-            <a:fld id="{7FAD312C-826E-40DC-8EA2-9106566C605C}" type="slidenum">
-              <a:rPr lang="en-US" altLang="en-US"/>
-            </a:fld>
-            <a:endParaRPr lang="en-US" altLang="en-US"/>
-          </a:p>
-        </p:txBody>
-      </p:sp>
     </p:spTree>
+    <p:extLst>
+      <p:ext uri="{BB962C8B-B14F-4D97-AF65-F5344CB8AC3E}">
+        <p14:creationId xmlns:p14="http://schemas.microsoft.com/office/powerpoint/2010/main" val="3676660105"/>
+      </p:ext>
+    </p:extLst>
   </p:cSld>
   <p:clrMap bg1="lt1" tx1="dk1" bg2="lt2" tx2="dk2" accent1="accent1" accent2="accent2" accent3="accent3" accent4="accent4" accent5="accent5" accent6="accent6" hlink="hlink" folHlink="folHlink"/>
   <p:sldLayoutIdLst>
-    <p:sldLayoutId id="2147483649" r:id="rId1"/>
-    <p:sldLayoutId id="2147483650" r:id="rId2"/>
-    <p:sldLayoutId id="2147483651" r:id="rId3"/>
-    <p:sldLayoutId id="2147483652" r:id="rId4"/>
-    <p:sldLayoutId id="2147483653" r:id="rId5"/>
-    <p:sldLayoutId id="2147483654" r:id="rId6"/>
-    <p:sldLayoutId id="2147483655" r:id="rId7"/>
-    <p:sldLayoutId id="2147483656" r:id="rId8"/>
-    <p:sldLayoutId id="2147483657" r:id="rId9"/>
-    <p:sldLayoutId id="2147483658" r:id="rId10"/>
-    <p:sldLayoutId id="2147483659" r:id="rId11"/>
-    <p:sldLayoutId id="2147483660" r:id="rId12"/>
-    <p:sldLayoutId id="2147483661" r:id="rId13"/>
-    <p:sldLayoutId id="2147483662" r:id="rId14"/>
-    <p:sldLayoutId id="2147483663" r:id="rId15"/>
-    <p:sldLayoutId id="2147483664" r:id="rId16"/>
-    <p:sldLayoutId id="2147483665" r:id="rId17"/>
+    <p:sldLayoutId id="2147483667" r:id="rId1"/>
+    <p:sldLayoutId id="2147483668" r:id="rId2"/>
+    <p:sldLayoutId id="2147483669" r:id="rId3"/>
+    <p:sldLayoutId id="2147483670" r:id="rId4"/>
+    <p:sldLayoutId id="2147483671" r:id="rId5"/>
+    <p:sldLayoutId id="2147483672" r:id="rId6"/>
+    <p:sldLayoutId id="2147483673" r:id="rId7"/>
+    <p:sldLayoutId id="2147483674" r:id="rId8"/>
+    <p:sldLayoutId id="2147483675" r:id="rId9"/>
+    <p:sldLayoutId id="2147483676" r:id="rId10"/>
+    <p:sldLayoutId id="2147483677" r:id="rId11"/>
+    <p:sldLayoutId id="2147483678" r:id="rId12"/>
+    <p:sldLayoutId id="2147483651" r:id="rId13"/>
+    <p:sldLayoutId id="2147483661" r:id="rId14"/>
+    <p:sldLayoutId id="2147483662" r:id="rId15"/>
+    <p:sldLayoutId id="2147483663" r:id="rId16"/>
+    <p:sldLayoutId id="2147483664" r:id="rId17"/>
+    <p:sldLayoutId id="2147483665" r:id="rId18"/>
   </p:sldLayoutIdLst>
+  <p:timing>
+    <p:tnLst>
+      <p:par>
+        <p:cTn id="1" dur="indefinite" restart="never" nodeType="tmRoot"/>
+      </p:par>
+    </p:tnLst>
+  </p:timing>
   <p:hf sldNum="0" hdr="0" ftr="0" dt="0"/>
   <p:txStyles>
     <p:titleStyle>
-      <a:lvl1pPr algn="ctr" rtl="0" eaLnBrk="1" fontAlgn="base" hangingPunct="1">
+      <a:lvl1pPr algn="l" defTabSz="914400" rtl="0" eaLnBrk="1" latinLnBrk="0" hangingPunct="1">
+        <a:lnSpc>
+          <a:spcPct val="90000"/>
+        </a:lnSpc>
         <a:spcBef>
           <a:spcPct val="0"/>
         </a:spcBef>
-        <a:spcAft>
-          <a:spcPct val="0"/>
-        </a:spcAft>
-        <a:defRPr sz="4400" kern="1200">
-          <a:solidFill>
-            <a:schemeClr val="tx2"/>
-          </a:solidFill>
-          <a:latin typeface="Times Newer Roman" panose="00000500000000000000" charset="0"/>
-          <a:ea typeface="+mj-ea"/>
-          <a:cs typeface="+mj-cs"/>
-        </a:defRPr>
-      </a:lvl1pPr>
-      <a:lvl2pPr algn="ctr" rtl="0" eaLnBrk="1" fontAlgn="base" hangingPunct="1">
-        <a:spcBef>
-          <a:spcPct val="0"/>
-        </a:spcBef>
-        <a:spcAft>
-          <a:spcPct val="0"/>
-        </a:spcAft>
-        <a:defRPr sz="4400">
-          <a:solidFill>
-            <a:schemeClr val="tx2"/>
-          </a:solidFill>
-          <a:latin typeface="Times New Roman" panose="02020603050405020304" pitchFamily="18" charset="0"/>
-        </a:defRPr>
-      </a:lvl2pPr>
-      <a:lvl3pPr algn="ctr" rtl="0" eaLnBrk="1" fontAlgn="base" hangingPunct="1">
-        <a:spcBef>
-          <a:spcPct val="0"/>
-        </a:spcBef>
-        <a:spcAft>
-          <a:spcPct val="0"/>
-        </a:spcAft>
-        <a:defRPr sz="4400">
-          <a:solidFill>
-            <a:schemeClr val="tx2"/>
-          </a:solidFill>
-          <a:latin typeface="Times New Roman" panose="02020603050405020304" pitchFamily="18" charset="0"/>
-        </a:defRPr>
-      </a:lvl3pPr>
-      <a:lvl4pPr algn="ctr" rtl="0" eaLnBrk="1" fontAlgn="base" hangingPunct="1">
-        <a:spcBef>
-          <a:spcPct val="0"/>
-        </a:spcBef>
-        <a:spcAft>
-          <a:spcPct val="0"/>
-        </a:spcAft>
-        <a:defRPr sz="4400">
-          <a:solidFill>
-            <a:schemeClr val="tx2"/>
-          </a:solidFill>
-          <a:latin typeface="Times New Roman" panose="02020603050405020304" pitchFamily="18" charset="0"/>
-        </a:defRPr>
-      </a:lvl4pPr>
-      <a:lvl5pPr algn="ctr" rtl="0" eaLnBrk="1" fontAlgn="base" hangingPunct="1">
-        <a:spcBef>
-          <a:spcPct val="0"/>
-        </a:spcBef>
-        <a:spcAft>
-          <a:spcPct val="0"/>
-        </a:spcAft>
-        <a:defRPr sz="4400">
-          <a:solidFill>
-            <a:schemeClr val="tx2"/>
-          </a:solidFill>
-          <a:latin typeface="Times New Roman" panose="02020603050405020304" pitchFamily="18" charset="0"/>
-        </a:defRPr>
-      </a:lvl5pPr>
-      <a:lvl6pPr marL="457200" algn="ctr" rtl="0" eaLnBrk="1" fontAlgn="base" hangingPunct="1">
-        <a:spcBef>
-          <a:spcPct val="0"/>
-        </a:spcBef>
-        <a:spcAft>
-          <a:spcPct val="0"/>
-        </a:spcAft>
-        <a:defRPr sz="4400">
-          <a:solidFill>
-            <a:schemeClr val="tx2"/>
-          </a:solidFill>
-          <a:latin typeface="Times New Roman" panose="02020603050405020304" pitchFamily="18" charset="0"/>
-        </a:defRPr>
-      </a:lvl6pPr>
-      <a:lvl7pPr marL="914400" algn="ctr" rtl="0" eaLnBrk="1" fontAlgn="base" hangingPunct="1">
-        <a:spcBef>
-          <a:spcPct val="0"/>
-        </a:spcBef>
-        <a:spcAft>
-          <a:spcPct val="0"/>
-        </a:spcAft>
-        <a:defRPr sz="4400">
-          <a:solidFill>
-            <a:schemeClr val="tx2"/>
-          </a:solidFill>
-          <a:latin typeface="Times New Roman" panose="02020603050405020304" pitchFamily="18" charset="0"/>
-        </a:defRPr>
-      </a:lvl7pPr>
-      <a:lvl8pPr marL="1371600" algn="ctr" rtl="0" eaLnBrk="1" fontAlgn="base" hangingPunct="1">
-        <a:spcBef>
-          <a:spcPct val="0"/>
-        </a:spcBef>
-        <a:spcAft>
-          <a:spcPct val="0"/>
-        </a:spcAft>
-        <a:defRPr sz="4400">
-          <a:solidFill>
-            <a:schemeClr val="tx2"/>
-          </a:solidFill>
-          <a:latin typeface="Times New Roman" panose="02020603050405020304" pitchFamily="18" charset="0"/>
-        </a:defRPr>
-      </a:lvl8pPr>
-      <a:lvl9pPr marL="1828800" algn="ctr" rtl="0" eaLnBrk="1" fontAlgn="base" hangingPunct="1">
-        <a:spcBef>
-          <a:spcPct val="0"/>
-        </a:spcBef>
-        <a:spcAft>
-          <a:spcPct val="0"/>
-        </a:spcAft>
-        <a:defRPr sz="4400">
-          <a:solidFill>
-            <a:schemeClr val="tx2"/>
-          </a:solidFill>
-          <a:latin typeface="Times New Roman" panose="02020603050405020304" pitchFamily="18" charset="0"/>
-        </a:defRPr>
-      </a:lvl9pPr>
-    </p:titleStyle>
-    <p:bodyStyle>
-      <a:lvl1pPr marL="342900" indent="-342900" algn="l" rtl="0" eaLnBrk="1" fontAlgn="base" hangingPunct="1">
-        <a:spcBef>
-          <a:spcPct val="20000"/>
-        </a:spcBef>
-        <a:spcAft>
-          <a:spcPct val="0"/>
-        </a:spcAft>
-        <a:buChar char="•"/>
+        <a:buNone/>
         <a:defRPr sz="3200" kern="1200">
           <a:solidFill>
             <a:schemeClr val="tx1"/>
           </a:solidFill>
-          <a:latin typeface="Times Newer Roman" panose="00000500000000000000" charset="0"/>
-          <a:ea typeface="+mn-ea"/>
-          <a:cs typeface="+mn-cs"/>
+          <a:latin typeface="+mj-lt"/>
+          <a:ea typeface="+mj-ea"/>
+          <a:cs typeface="Karma Medium" panose="02000000000000000000" pitchFamily="2" charset="0"/>
         </a:defRPr>
       </a:lvl1pPr>
-      <a:lvl2pPr marL="742950" indent="-285750" algn="l" rtl="0" eaLnBrk="1" fontAlgn="base" hangingPunct="1">
+    </p:titleStyle>
+    <p:bodyStyle>
+      <a:lvl1pPr marL="228600" indent="-228600" algn="l" defTabSz="914400" rtl="0" eaLnBrk="1" latinLnBrk="0" hangingPunct="1">
+        <a:lnSpc>
+          <a:spcPct val="90000"/>
+        </a:lnSpc>
         <a:spcBef>
-          <a:spcPct val="20000"/>
+          <a:spcPts val="1000"/>
         </a:spcBef>
-        <a:spcAft>
-          <a:spcPct val="0"/>
-        </a:spcAft>
-        <a:buChar char="–"/>
-        <a:defRPr sz="2800" kern="1200">
-          <a:solidFill>
-            <a:schemeClr val="tx1"/>
-          </a:solidFill>
-          <a:latin typeface="Times Newer Roman" panose="00000500000000000000" charset="0"/>
-          <a:ea typeface="+mn-ea"/>
-          <a:cs typeface="+mn-cs"/>
-        </a:defRPr>
-      </a:lvl2pPr>
-      <a:lvl3pPr marL="1143000" indent="-228600" algn="l" rtl="0" eaLnBrk="1" fontAlgn="base" hangingPunct="1">
-        <a:spcBef>
-          <a:spcPct val="20000"/>
-        </a:spcBef>
-        <a:spcAft>
-          <a:spcPct val="0"/>
-        </a:spcAft>
+        <a:buFont typeface="Arial" panose="020B0604020202020204" pitchFamily="34" charset="0"/>
         <a:buChar char="•"/>
         <a:defRPr sz="2400" kern="1200">
           <a:solidFill>
             <a:schemeClr val="tx1"/>
           </a:solidFill>
-          <a:latin typeface="Times Newer Roman" panose="00000500000000000000" charset="0"/>
+          <a:latin typeface="+mn-lt"/>
+          <a:ea typeface="+mn-ea"/>
+          <a:cs typeface="+mn-cs"/>
+        </a:defRPr>
+      </a:lvl1pPr>
+      <a:lvl2pPr marL="685800" indent="-228600" algn="l" defTabSz="914400" rtl="0" eaLnBrk="1" latinLnBrk="0" hangingPunct="1">
+        <a:lnSpc>
+          <a:spcPct val="90000"/>
+        </a:lnSpc>
+        <a:spcBef>
+          <a:spcPts val="500"/>
+        </a:spcBef>
+        <a:buFont typeface="Arial" panose="020B0604020202020204" pitchFamily="34" charset="0"/>
+        <a:buChar char="•"/>
+        <a:defRPr sz="2200" kern="1200">
+          <a:solidFill>
+            <a:schemeClr val="tx1"/>
+          </a:solidFill>
+          <a:latin typeface="+mn-lt"/>
+          <a:ea typeface="+mn-ea"/>
+          <a:cs typeface="+mn-cs"/>
+        </a:defRPr>
+      </a:lvl2pPr>
+      <a:lvl3pPr marL="1143000" indent="-228600" algn="l" defTabSz="914400" rtl="0" eaLnBrk="1" latinLnBrk="0" hangingPunct="1">
+        <a:lnSpc>
+          <a:spcPct val="90000"/>
+        </a:lnSpc>
+        <a:spcBef>
+          <a:spcPts val="500"/>
+        </a:spcBef>
+        <a:buFont typeface="Arial" panose="020B0604020202020204" pitchFamily="34" charset="0"/>
+        <a:buChar char="•"/>
+        <a:defRPr sz="2000" kern="1200">
+          <a:solidFill>
+            <a:schemeClr val="tx1"/>
+          </a:solidFill>
+          <a:latin typeface="+mn-lt"/>
           <a:ea typeface="+mn-ea"/>
           <a:cs typeface="+mn-cs"/>
         </a:defRPr>
       </a:lvl3pPr>
-      <a:lvl4pPr marL="1600200" indent="-228600" algn="l" rtl="0" eaLnBrk="1" fontAlgn="base" hangingPunct="1">
+      <a:lvl4pPr marL="1600200" indent="-228600" algn="l" defTabSz="914400" rtl="0" eaLnBrk="1" latinLnBrk="0" hangingPunct="1">
+        <a:lnSpc>
+          <a:spcPct val="90000"/>
+        </a:lnSpc>
         <a:spcBef>
-          <a:spcPct val="20000"/>
+          <a:spcPts val="500"/>
         </a:spcBef>
-        <a:spcAft>
-          <a:spcPct val="0"/>
-        </a:spcAft>
-        <a:buChar char="–"/>
-        <a:defRPr sz="2000" kern="1200">
+        <a:buFont typeface="Arial" panose="020B0604020202020204" pitchFamily="34" charset="0"/>
+        <a:buChar char="•"/>
+        <a:defRPr sz="1800" kern="1200">
           <a:solidFill>
             <a:schemeClr val="tx1"/>
           </a:solidFill>
-          <a:latin typeface="Times Newer Roman" panose="00000500000000000000" charset="0"/>
+          <a:latin typeface="+mn-lt"/>
           <a:ea typeface="+mn-ea"/>
           <a:cs typeface="+mn-cs"/>
         </a:defRPr>
       </a:lvl4pPr>
-      <a:lvl5pPr marL="2057400" indent="-228600" algn="l" rtl="0" eaLnBrk="1" fontAlgn="base" hangingPunct="1">
+      <a:lvl5pPr marL="2057400" indent="-228600" algn="l" defTabSz="914400" rtl="0" eaLnBrk="1" latinLnBrk="0" hangingPunct="1">
+        <a:lnSpc>
+          <a:spcPct val="90000"/>
+        </a:lnSpc>
         <a:spcBef>
-          <a:spcPct val="20000"/>
+          <a:spcPts val="500"/>
         </a:spcBef>
-        <a:spcAft>
-          <a:spcPct val="0"/>
-        </a:spcAft>
-        <a:buChar char="»"/>
-        <a:defRPr sz="2000" kern="1200">
+        <a:buFont typeface="Arial" panose="020B0604020202020204" pitchFamily="34" charset="0"/>
+        <a:buChar char="•"/>
+        <a:defRPr sz="1800" kern="1200">
           <a:solidFill>
             <a:schemeClr val="tx1"/>
           </a:solidFill>
-          <a:latin typeface="Times Newer Roman" panose="00000500000000000000" charset="0"/>
+          <a:latin typeface="+mn-lt"/>
           <a:ea typeface="+mn-ea"/>
           <a:cs typeface="+mn-cs"/>
         </a:defRPr>
@@ -4978,83 +5235,29 @@
             <p:ph type="title"/>
           </p:nvPr>
         </p:nvSpPr>
-        <p:spPr>
-          <a:xfrm>
-            <a:off x="685800" y="2751455"/>
-            <a:ext cx="7772400" cy="1143000"/>
-          </a:xfrm>
-        </p:spPr>
-        <p:txBody>
-          <a:bodyPr/>
-          <a:lstStyle/>
-          <a:p>
-            <a:r>
-              <a:rPr lang="en-US" altLang="en-IN" sz="4800" dirty="0">
-                <a:latin typeface="+mn-lt"/>
-                <a:ea typeface="Noto Serif CJK JP" panose="02020400000000000000" charset="-122"/>
-                <a:cs typeface="+mn-lt"/>
-              </a:rPr>
-              <a:t>Data</a:t>
-            </a:r>
-            <a:r>
-              <a:rPr lang="en-US" altLang="en-US" sz="4800" dirty="0">
-                <a:latin typeface="+mn-lt"/>
-                <a:ea typeface="Noto Serif CJK JP" panose="02020400000000000000" charset="-122"/>
-                <a:cs typeface="+mn-lt"/>
-              </a:rPr>
-              <a:t>base</a:t>
-            </a:r>
-            <a:r>
-              <a:rPr lang="en-US" altLang="en-IN" sz="4800" dirty="0">
-                <a:latin typeface="+mn-lt"/>
-                <a:ea typeface="Noto Serif CJK JP" panose="02020400000000000000" charset="-122"/>
-                <a:cs typeface="+mn-lt"/>
-              </a:rPr>
-              <a:t> </a:t>
-            </a:r>
-            <a:r>
-              <a:rPr lang="en-US" altLang="en-US" sz="4800" dirty="0">
-                <a:latin typeface="+mn-lt"/>
-                <a:ea typeface="Noto Serif CJK JP" panose="02020400000000000000" charset="-122"/>
-                <a:cs typeface="+mn-lt"/>
-              </a:rPr>
-              <a:t>Technologies</a:t>
-            </a:r>
-            <a:br>
-              <a:rPr lang="en-US" altLang="en-US" dirty="0">
-                <a:latin typeface="+mn-lt"/>
-                <a:ea typeface="Noto Serif CJK JP" panose="02020400000000000000" charset="-122"/>
-                <a:cs typeface="+mn-lt"/>
-              </a:rPr>
-            </a:br>
-            <a:r>
-              <a:rPr lang="en-US" altLang="en-US" sz="3600" dirty="0">
-                <a:latin typeface="+mn-lt"/>
-                <a:ea typeface="Noto Serif CJK JP" panose="02020400000000000000" charset="-122"/>
-                <a:cs typeface="+mn-lt"/>
-              </a:rPr>
-              <a:t>Session-1</a:t>
-            </a:r>
-            <a:endParaRPr lang="en-US" altLang="en-US" sz="3600" dirty="0">
-              <a:latin typeface="+mn-lt"/>
-              <a:ea typeface="Noto Serif CJK JP" panose="02020400000000000000" charset="-122"/>
-              <a:cs typeface="+mn-lt"/>
-            </a:endParaRPr>
+        <p:spPr/>
+        <p:txBody>
+          <a:bodyPr/>
+          <a:lstStyle/>
+          <a:p>
+            <a:r>
+              <a:rPr lang="en-IN" dirty="0" smtClean="0"/>
+              <a:t>Database Concepts</a:t>
+            </a:r>
+            <a:endParaRPr lang="en-IN" dirty="0"/>
           </a:p>
         </p:txBody>
       </p:sp>
     </p:spTree>
+    <p:extLst>
+      <p:ext uri="{BB962C8B-B14F-4D97-AF65-F5344CB8AC3E}">
+        <p14:creationId xmlns:p14="http://schemas.microsoft.com/office/powerpoint/2010/main" val="3866375207"/>
+      </p:ext>
+    </p:extLst>
   </p:cSld>
   <p:clrMapOvr>
     <a:masterClrMapping/>
   </p:clrMapOvr>
-  <p:timing>
-    <p:tnLst>
-      <p:par>
-        <p:cTn id="1" dur="indefinite" restart="never" nodeType="tmRoot"/>
-      </p:par>
-    </p:tnLst>
-  </p:timing>
 </p:sld>
 </file>
 
@@ -5103,11 +5306,6 @@
               </a:rPr>
               <a:t>Network Model</a:t>
             </a:r>
-            <a:endParaRPr lang="en-IN" sz="3200" dirty="0">
-              <a:latin typeface="+mn-lt"/>
-              <a:cs typeface="+mn-lt"/>
-              <a:sym typeface="+mn-ea"/>
-            </a:endParaRPr>
           </a:p>
         </p:txBody>
       </p:sp>
@@ -5150,10 +5348,6 @@
               </a:rPr>
               <a:t>rganises data a more like a graph, and are allowed to have more than one parent node.</a:t>
             </a:r>
-            <a:endParaRPr lang="en-IN" sz="2400" dirty="0" smtClean="0">
-              <a:latin typeface="+mn-lt"/>
-              <a:cs typeface="+mn-lt"/>
-            </a:endParaRPr>
           </a:p>
           <a:p>
             <a:pPr algn="just">
@@ -5168,10 +5362,6 @@
               </a:rPr>
               <a:t>data is more related as more relationships are established in this database model. </a:t>
             </a:r>
-            <a:endParaRPr lang="en-IN" sz="2400" dirty="0" smtClean="0">
-              <a:latin typeface="+mn-lt"/>
-              <a:cs typeface="+mn-lt"/>
-            </a:endParaRPr>
           </a:p>
           <a:p>
             <a:pPr algn="just">
@@ -5274,21 +5464,8 @@
                 <a:cs typeface="+mn-lt"/>
                 <a:sym typeface="+mn-ea"/>
               </a:rPr>
-              <a:t>Network </a:t>
-            </a:r>
-            <a:r>
-              <a:rPr lang="en-IN" sz="3200" dirty="0">
-                <a:latin typeface="+mn-lt"/>
-                <a:cs typeface="+mn-lt"/>
-                <a:sym typeface="+mn-ea"/>
-              </a:rPr>
-              <a:t>Model</a:t>
-            </a:r>
-            <a:endParaRPr lang="en-IN" sz="3200" dirty="0">
-              <a:latin typeface="+mn-lt"/>
-              <a:cs typeface="+mn-lt"/>
-              <a:sym typeface="+mn-ea"/>
-            </a:endParaRPr>
+              <a:t>Network Model</a:t>
+            </a:r>
           </a:p>
         </p:txBody>
       </p:sp>
@@ -5296,17 +5473,17 @@
         <p:nvPicPr>
           <p:cNvPr id="5" name="Content Placeholder 4" descr="/media/jishnu/CC405AEC405ADCB0/Repositories/Training-Materials/Database Technologies/Raw Sources/network-model.svgnetwork-model"/>
           <p:cNvPicPr>
-            <a:picLocks noChangeAspect="1"/>
+            <a:picLocks noGrp="1" noChangeAspect="1"/>
           </p:cNvPicPr>
           <p:nvPr>
             <p:ph idx="1"/>
           </p:nvPr>
         </p:nvPicPr>
         <p:blipFill>
-          <a:blip r:embed="rId1">
+          <a:blip r:embed="rId2">
             <a:extLst>
               <a:ext uri="{96DAC541-7B7A-43D3-8B79-37D633B846F1}">
-                <asvg:svgBlip xmlns:asvg="http://schemas.microsoft.com/office/drawing/2016/SVG/main" r:embed="rId2"/>
+                <asvg:svgBlip xmlns:asvg="http://schemas.microsoft.com/office/drawing/2016/SVG/main" xmlns="" r:embed="rId3"/>
               </a:ext>
             </a:extLst>
           </a:blip>
@@ -5393,11 +5570,6 @@
               </a:rPr>
               <a:t>Model</a:t>
             </a:r>
-            <a:endParaRPr lang="en-IN" sz="3200" dirty="0">
-              <a:latin typeface="+mn-lt"/>
-              <a:cs typeface="+mn-lt"/>
-              <a:sym typeface="+mn-ea"/>
-            </a:endParaRPr>
           </a:p>
         </p:txBody>
       </p:sp>
@@ -5447,10 +5619,6 @@
               </a:rPr>
               <a:t>.</a:t>
             </a:r>
-            <a:endParaRPr lang="en-IN" sz="2400" dirty="0" smtClean="0">
-              <a:latin typeface="+mn-lt"/>
-              <a:cs typeface="+mn-lt"/>
-            </a:endParaRPr>
           </a:p>
           <a:p>
             <a:pPr algn="just">
@@ -5565,11 +5733,6 @@
               </a:rPr>
               <a:t>Model</a:t>
             </a:r>
-            <a:endParaRPr lang="en-IN" sz="3200" dirty="0">
-              <a:latin typeface="+mn-lt"/>
-              <a:cs typeface="+mn-lt"/>
-              <a:sym typeface="+mn-ea"/>
-            </a:endParaRPr>
           </a:p>
         </p:txBody>
       </p:sp>
@@ -5577,17 +5740,17 @@
         <p:nvPicPr>
           <p:cNvPr id="5" name="Content Placeholder 4" descr="/media/jishnu/CC405AEC405ADCB0/Repositories/Training-Materials/Database Technologies/Raw Sources/relational-model.svgrelational-model"/>
           <p:cNvPicPr>
-            <a:picLocks noChangeAspect="1"/>
+            <a:picLocks noGrp="1" noChangeAspect="1"/>
           </p:cNvPicPr>
           <p:nvPr>
             <p:ph idx="1"/>
           </p:nvPr>
         </p:nvPicPr>
         <p:blipFill>
-          <a:blip r:embed="rId1">
+          <a:blip r:embed="rId2">
             <a:extLst>
               <a:ext uri="{96DAC541-7B7A-43D3-8B79-37D633B846F1}">
-                <asvg:svgBlip xmlns:asvg="http://schemas.microsoft.com/office/drawing/2016/SVG/main" r:embed="rId2"/>
+                <asvg:svgBlip xmlns:asvg="http://schemas.microsoft.com/office/drawing/2016/SVG/main" xmlns="" r:embed="rId3"/>
               </a:ext>
             </a:extLst>
           </a:blip>
@@ -5714,10 +5877,6 @@
               </a:rPr>
               <a:t>Conceptual: This Data Model defines WHAT the system contains. The purpose is to organize, scope and define business concepts and rules.</a:t>
             </a:r>
-            <a:endParaRPr sz="2400" dirty="0" smtClean="0">
-              <a:latin typeface="+mn-lt"/>
-              <a:cs typeface="+mn-lt"/>
-            </a:endParaRPr>
           </a:p>
           <a:p>
             <a:pPr algn="just">
@@ -5732,10 +5891,6 @@
               </a:rPr>
               <a:t>Logical: Defines HOW the system should be implemented regardless of the DBMS. The purpose is to developed technical map of rules and data structures.</a:t>
             </a:r>
-            <a:endParaRPr sz="2400" dirty="0" smtClean="0">
-              <a:latin typeface="+mn-lt"/>
-              <a:cs typeface="+mn-lt"/>
-            </a:endParaRPr>
           </a:p>
           <a:p>
             <a:pPr algn="just">
@@ -5750,10 +5905,6 @@
               </a:rPr>
               <a:t>Physical: This Data Model describes HOW the system will be implemented using a specific DBMS system. The purpose is actual implementation of the database.</a:t>
             </a:r>
-            <a:endParaRPr sz="2400" dirty="0" smtClean="0">
-              <a:latin typeface="+mn-lt"/>
-              <a:cs typeface="+mn-lt"/>
-            </a:endParaRPr>
           </a:p>
         </p:txBody>
       </p:sp>
@@ -5866,10 +6017,6 @@
               </a:rPr>
               <a:t>A conceptual data model identifies the highest-level relationships between the different entities. Features of conceptual data model include:</a:t>
             </a:r>
-            <a:endParaRPr sz="2400" dirty="0" smtClean="0">
-              <a:latin typeface="+mn-lt"/>
-              <a:cs typeface="+mn-lt"/>
-            </a:endParaRPr>
           </a:p>
           <a:p>
             <a:pPr lvl="1" algn="just">
@@ -5884,10 +6031,6 @@
               </a:rPr>
               <a:t>Includes the important entities and the relationships among them.</a:t>
             </a:r>
-            <a:endParaRPr sz="2100" dirty="0" smtClean="0">
-              <a:latin typeface="+mn-lt"/>
-              <a:cs typeface="+mn-lt"/>
-            </a:endParaRPr>
           </a:p>
           <a:p>
             <a:pPr lvl="1" algn="just">
@@ -5902,10 +6045,6 @@
               </a:rPr>
               <a:t>No attribute is specified.</a:t>
             </a:r>
-            <a:endParaRPr sz="2100" dirty="0" smtClean="0">
-              <a:latin typeface="+mn-lt"/>
-              <a:cs typeface="+mn-lt"/>
-            </a:endParaRPr>
           </a:p>
           <a:p>
             <a:pPr lvl="1" algn="just">
@@ -5920,10 +6059,6 @@
               </a:rPr>
               <a:t>No primary key is specified.</a:t>
             </a:r>
-            <a:endParaRPr sz="2100" dirty="0" smtClean="0">
-              <a:latin typeface="+mn-lt"/>
-              <a:cs typeface="+mn-lt"/>
-            </a:endParaRPr>
           </a:p>
         </p:txBody>
       </p:sp>
@@ -6003,11 +6138,6 @@
               </a:rPr>
               <a:t>ling</a:t>
             </a:r>
-            <a:endParaRPr lang="en-US" sz="3200" dirty="0" smtClean="0">
-              <a:latin typeface="+mn-lt"/>
-              <a:cs typeface="+mn-lt"/>
-              <a:sym typeface="+mn-ea"/>
-            </a:endParaRPr>
           </a:p>
         </p:txBody>
       </p:sp>
@@ -6015,14 +6145,14 @@
         <p:nvPicPr>
           <p:cNvPr id="5" name="Content Placeholder 4" descr="/home/jishnu/Downloads/FireShot/FireShot Capture 004 - Sanjay Gupta_ Difference between Conceptual, Logical and Physical Dat_ - uksanjay.blogspot.com.pngFireShot Capture 004 - Sanjay Gupta_ Difference between Conceptual, Logical and Physical Dat_ - uksanjay.blogspot.com"/>
           <p:cNvPicPr>
-            <a:picLocks noChangeAspect="1"/>
+            <a:picLocks noGrp="1" noChangeAspect="1"/>
           </p:cNvPicPr>
           <p:nvPr>
             <p:ph idx="1"/>
           </p:nvPr>
         </p:nvPicPr>
         <p:blipFill>
-          <a:blip r:embed="rId1"/>
+          <a:blip r:embed="rId2"/>
           <a:srcRect/>
           <a:stretch>
             <a:fillRect/>
@@ -6104,15 +6234,7 @@
                 <a:cs typeface="+mn-lt"/>
                 <a:sym typeface="+mn-ea"/>
               </a:rPr>
-              <a:t>ogical </a:t>
-            </a:r>
-            <a:r>
-              <a:rPr sz="3200" dirty="0" smtClean="0">
-                <a:latin typeface="+mn-lt"/>
-                <a:cs typeface="+mn-lt"/>
-                <a:sym typeface="+mn-ea"/>
-              </a:rPr>
-              <a:t>data model</a:t>
+              <a:t>ogical data model</a:t>
             </a:r>
             <a:endParaRPr sz="3200" dirty="0">
               <a:latin typeface="+mn-lt"/>
@@ -6155,10 +6277,6 @@
               </a:rPr>
               <a:t>A logical data model describes the data in as much detail as possible, without regard to how they will be physical implemented in the database. Features of a logical data model include:</a:t>
             </a:r>
-            <a:endParaRPr sz="2400" dirty="0" smtClean="0">
-              <a:latin typeface="+mn-lt"/>
-              <a:cs typeface="+mn-lt"/>
-            </a:endParaRPr>
           </a:p>
           <a:p>
             <a:pPr lvl="1" algn="just">
@@ -6173,10 +6291,6 @@
               </a:rPr>
               <a:t>Includes all entities and relationships among them.</a:t>
             </a:r>
-            <a:endParaRPr sz="2100" dirty="0" smtClean="0">
-              <a:latin typeface="+mn-lt"/>
-              <a:cs typeface="+mn-lt"/>
-            </a:endParaRPr>
           </a:p>
           <a:p>
             <a:pPr lvl="1" algn="just">
@@ -6191,10 +6305,6 @@
               </a:rPr>
               <a:t>All attributes for each entity are specified.</a:t>
             </a:r>
-            <a:endParaRPr sz="2100" dirty="0" smtClean="0">
-              <a:latin typeface="+mn-lt"/>
-              <a:cs typeface="+mn-lt"/>
-            </a:endParaRPr>
           </a:p>
           <a:p>
             <a:pPr lvl="1" algn="just">
@@ -6209,10 +6319,6 @@
               </a:rPr>
               <a:t>The primary key for each entity is specified.</a:t>
             </a:r>
-            <a:endParaRPr sz="2100" dirty="0" smtClean="0">
-              <a:latin typeface="+mn-lt"/>
-              <a:cs typeface="+mn-lt"/>
-            </a:endParaRPr>
           </a:p>
           <a:p>
             <a:pPr lvl="1" algn="just">
@@ -6227,10 +6333,6 @@
               </a:rPr>
               <a:t>Foreign keys (keys identifying the relationship between different entities) are specified.</a:t>
             </a:r>
-            <a:endParaRPr sz="2100" dirty="0" smtClean="0">
-              <a:latin typeface="+mn-lt"/>
-              <a:cs typeface="+mn-lt"/>
-            </a:endParaRPr>
           </a:p>
           <a:p>
             <a:pPr lvl="1" algn="just">
@@ -6245,10 +6347,6 @@
               </a:rPr>
               <a:t>Normalization occurs at this level.</a:t>
             </a:r>
-            <a:endParaRPr sz="2100" dirty="0" smtClean="0">
-              <a:latin typeface="+mn-lt"/>
-              <a:cs typeface="+mn-lt"/>
-            </a:endParaRPr>
           </a:p>
           <a:p>
             <a:pPr marL="0" indent="0" algn="just">
@@ -6340,11 +6438,6 @@
               </a:rPr>
               <a:t>ling</a:t>
             </a:r>
-            <a:endParaRPr lang="en-US" sz="3200" dirty="0" smtClean="0">
-              <a:latin typeface="+mn-lt"/>
-              <a:cs typeface="+mn-lt"/>
-              <a:sym typeface="+mn-ea"/>
-            </a:endParaRPr>
           </a:p>
         </p:txBody>
       </p:sp>
@@ -6352,14 +6445,14 @@
         <p:nvPicPr>
           <p:cNvPr id="5" name="Content Placeholder 4" descr="/home/jishnu/Downloads/FireShot/FireShot Capture 003 - Sanjay Gupta_ Difference between Conceptual, Logical and Physical Dat_ - uksanjay.blogspot.com.pngFireShot Capture 003 - Sanjay Gupta_ Difference between Conceptual, Logical and Physical Dat_ - uksanjay.blogspot.com"/>
           <p:cNvPicPr>
-            <a:picLocks noChangeAspect="1"/>
+            <a:picLocks noGrp="1" noChangeAspect="1"/>
           </p:cNvPicPr>
           <p:nvPr>
             <p:ph idx="1"/>
           </p:nvPr>
         </p:nvPicPr>
         <p:blipFill>
-          <a:blip r:embed="rId1"/>
+          <a:blip r:embed="rId2"/>
           <a:srcRect/>
           <a:stretch>
             <a:fillRect/>
@@ -6441,15 +6534,7 @@
                 <a:cs typeface="+mn-lt"/>
                 <a:sym typeface="+mn-ea"/>
               </a:rPr>
-              <a:t>hysical </a:t>
-            </a:r>
-            <a:r>
-              <a:rPr sz="3200" dirty="0" smtClean="0">
-                <a:latin typeface="+mn-lt"/>
-                <a:cs typeface="+mn-lt"/>
-                <a:sym typeface="+mn-ea"/>
-              </a:rPr>
-              <a:t>data model</a:t>
+              <a:t>hysical data model</a:t>
             </a:r>
             <a:endParaRPr sz="3200" dirty="0">
               <a:latin typeface="+mn-lt"/>
@@ -6476,7 +6561,9 @@
           </a:xfrm>
         </p:spPr>
         <p:txBody>
-          <a:bodyPr/>
+          <a:bodyPr>
+            <a:normAutofit lnSpcReduction="10000"/>
+          </a:bodyPr>
           <a:lstStyle/>
           <a:p>
             <a:pPr marL="0" indent="0" algn="just">
@@ -6492,10 +6579,6 @@
               </a:rPr>
               <a:t>Physical data model represents how the model will be built in the database. A physical database model shows all table structures, including column name, column data type, column constraints, primary key, foreign key, and relationships between tables. Features of a physical data model include:</a:t>
             </a:r>
-            <a:endParaRPr sz="2400" dirty="0" smtClean="0">
-              <a:latin typeface="+mn-lt"/>
-              <a:cs typeface="+mn-lt"/>
-            </a:endParaRPr>
           </a:p>
           <a:p>
             <a:pPr lvl="1" algn="just">
@@ -6510,10 +6593,6 @@
               </a:rPr>
               <a:t>Specification all tables and columns.</a:t>
             </a:r>
-            <a:endParaRPr sz="2100" dirty="0" smtClean="0">
-              <a:latin typeface="+mn-lt"/>
-              <a:cs typeface="+mn-lt"/>
-            </a:endParaRPr>
           </a:p>
           <a:p>
             <a:pPr lvl="1" algn="just">
@@ -6528,10 +6607,6 @@
               </a:rPr>
               <a:t>Foreign keys are used to identify relationships between tables.</a:t>
             </a:r>
-            <a:endParaRPr sz="2100" dirty="0" smtClean="0">
-              <a:latin typeface="+mn-lt"/>
-              <a:cs typeface="+mn-lt"/>
-            </a:endParaRPr>
           </a:p>
           <a:p>
             <a:pPr lvl="1" algn="just">
@@ -6546,10 +6621,6 @@
               </a:rPr>
               <a:t>Physical considerations may cause the physical data model to be quite different from the logical data model.</a:t>
             </a:r>
-            <a:endParaRPr sz="2100" dirty="0" smtClean="0">
-              <a:latin typeface="+mn-lt"/>
-              <a:cs typeface="+mn-lt"/>
-            </a:endParaRPr>
           </a:p>
           <a:p>
             <a:pPr lvl="1" algn="just">
@@ -6564,10 +6635,6 @@
               </a:rPr>
               <a:t>Physical data model will be different for different RDBMS. For example, data type for a column may be different between Oracle, DB2 etc.</a:t>
             </a:r>
-            <a:endParaRPr sz="2100" dirty="0" smtClean="0">
-              <a:latin typeface="+mn-lt"/>
-              <a:cs typeface="+mn-lt"/>
-            </a:endParaRPr>
           </a:p>
         </p:txBody>
       </p:sp>
@@ -6615,12 +6682,14 @@
         </p:nvSpPr>
         <p:spPr>
           <a:xfrm>
-            <a:off x="182245" y="245745"/>
-            <a:ext cx="7772400" cy="1143000"/>
-          </a:xfrm>
-        </p:spPr>
-        <p:txBody>
-          <a:bodyPr/>
+            <a:off x="761999" y="245745"/>
+            <a:ext cx="7192645" cy="516255"/>
+          </a:xfrm>
+        </p:spPr>
+        <p:txBody>
+          <a:bodyPr>
+            <a:normAutofit fontScale="90000"/>
+          </a:bodyPr>
           <a:lstStyle/>
           <a:p>
             <a:r>
@@ -6631,11 +6700,6 @@
               </a:rPr>
               <a:t>Topics Covered</a:t>
             </a:r>
-            <a:endParaRPr lang="en-US" altLang="en-US" sz="3200" dirty="0">
-              <a:latin typeface="+mj-lt"/>
-              <a:ea typeface="Noto Serif CJK JP" panose="02020400000000000000" charset="-122"/>
-              <a:cs typeface="+mj-lt"/>
-            </a:endParaRPr>
           </a:p>
         </p:txBody>
       </p:sp>
@@ -6651,14 +6715,19 @@
         </p:nvSpPr>
         <p:spPr>
           <a:xfrm>
-            <a:off x="535231" y="1511196"/>
+            <a:off x="533400" y="1295400"/>
             <a:ext cx="7772400" cy="4832176"/>
           </a:xfrm>
         </p:spPr>
         <p:txBody>
-          <a:bodyPr/>
-          <a:lstStyle/>
-          <a:p>
+          <a:bodyPr>
+            <a:normAutofit fontScale="92500"/>
+          </a:bodyPr>
+          <a:lstStyle/>
+          <a:p>
+            <a:pPr marL="0" indent="0">
+              <a:buNone/>
+            </a:pPr>
             <a:endParaRPr lang="en-IN" sz="2400" dirty="0" smtClean="0">
               <a:latin typeface="+mn-lt"/>
               <a:cs typeface="+mn-lt"/>
@@ -6677,10 +6746,6 @@
               </a:rPr>
               <a:t>Introduction to DBMS </a:t>
             </a:r>
-            <a:endParaRPr lang="en-IN" sz="2400" dirty="0">
-              <a:latin typeface="+mn-lt"/>
-              <a:cs typeface="+mn-lt"/>
-            </a:endParaRPr>
           </a:p>
           <a:p>
             <a:pPr>
@@ -6693,12 +6758,15 @@
                 <a:latin typeface="+mn-lt"/>
                 <a:cs typeface="+mn-lt"/>
               </a:rPr>
-              <a:t>Areas where DBMS are used</a:t>
-            </a:r>
-            <a:endParaRPr lang="en-IN" sz="2400" dirty="0">
-              <a:latin typeface="+mn-lt"/>
-              <a:cs typeface="+mn-lt"/>
-            </a:endParaRPr>
+              <a:t>Areas where DBMS are </a:t>
+            </a:r>
+            <a:r>
+              <a:rPr lang="en-IN" sz="2400" dirty="0" smtClean="0">
+                <a:latin typeface="+mn-lt"/>
+                <a:cs typeface="+mn-lt"/>
+              </a:rPr>
+              <a:t>used</a:t>
+            </a:r>
           </a:p>
           <a:p>
             <a:pPr>
@@ -6707,16 +6775,35 @@
               </a:lnSpc>
             </a:pPr>
             <a:r>
-              <a:rPr lang="en-IN" sz="2400" dirty="0">
-                <a:latin typeface="+mn-lt"/>
-                <a:cs typeface="+mn-lt"/>
-              </a:rPr>
-              <a:t>Types of DBMS: Introduction to Hierarchical Model, Network and Relational Models</a:t>
-            </a:r>
-            <a:endParaRPr lang="en-IN" sz="2400" dirty="0">
-              <a:latin typeface="+mn-lt"/>
-              <a:cs typeface="+mn-lt"/>
-            </a:endParaRPr>
+              <a:rPr lang="" altLang="en-IN" dirty="0" smtClean="0">
+                <a:cs typeface="+mn-lt"/>
+              </a:rPr>
+              <a:t>T</a:t>
+            </a:r>
+            <a:r>
+              <a:rPr lang="en-IN" dirty="0" smtClean="0">
+                <a:cs typeface="+mn-lt"/>
+              </a:rPr>
+              <a:t>hree </a:t>
+            </a:r>
+            <a:r>
+              <a:rPr lang="en-IN" dirty="0">
+                <a:cs typeface="+mn-lt"/>
+              </a:rPr>
+              <a:t>level of abstraction(conceptual</a:t>
+            </a:r>
+            <a:r>
+              <a:rPr lang="en-US" altLang="en-IN" dirty="0">
+                <a:cs typeface="+mn-lt"/>
+              </a:rPr>
+              <a:t>,</a:t>
+            </a:r>
+            <a:r>
+              <a:rPr lang="en-IN" dirty="0">
+                <a:cs typeface="+mn-lt"/>
+              </a:rPr>
+              <a:t> physical and logical)</a:t>
+            </a:r>
           </a:p>
           <a:p>
             <a:pPr>
@@ -6725,32 +6812,8 @@
               </a:lnSpc>
             </a:pPr>
             <a:r>
-              <a:rPr lang="" altLang="en-IN" sz="2400" dirty="0">
-                <a:latin typeface="+mn-lt"/>
-                <a:cs typeface="+mn-lt"/>
-              </a:rPr>
-              <a:t>T</a:t>
-            </a:r>
-            <a:r>
-              <a:rPr lang="en-IN" sz="2400" dirty="0">
-                <a:latin typeface="+mn-lt"/>
-                <a:cs typeface="+mn-lt"/>
-              </a:rPr>
-              <a:t>hree level of data modeling (conceptual</a:t>
-            </a:r>
-            <a:r>
-              <a:rPr lang="en-US" altLang="en-IN" sz="2400" dirty="0">
-                <a:latin typeface="+mn-lt"/>
-                <a:cs typeface="+mn-lt"/>
-              </a:rPr>
-              <a:t>,</a:t>
-            </a:r>
-            <a:r>
-              <a:rPr lang="en-IN" sz="2400" dirty="0">
-                <a:latin typeface="+mn-lt"/>
-                <a:cs typeface="+mn-lt"/>
-              </a:rPr>
-              <a:t> physical and logical)</a:t>
+              <a:rPr lang="en-IN" dirty="0"/>
+              <a:t>Schema and Instance</a:t>
             </a:r>
             <a:endParaRPr lang="en-IN" sz="2400" dirty="0">
               <a:latin typeface="+mn-lt"/>
@@ -6758,12 +6821,70 @@
             </a:endParaRPr>
           </a:p>
           <a:p>
-            <a:pPr marL="0" indent="0">
+            <a:pPr>
               <a:lnSpc>
                 <a:spcPct val="150000"/>
               </a:lnSpc>
-              <a:buNone/>
             </a:pPr>
+            <a:r>
+              <a:rPr lang="en-IN" dirty="0"/>
+              <a:t>Data Models </a:t>
+            </a:r>
+            <a:r>
+              <a:rPr lang="en-IN" sz="2400" dirty="0" smtClean="0">
+                <a:latin typeface="+mn-lt"/>
+                <a:cs typeface="+mn-lt"/>
+              </a:rPr>
+              <a:t>: </a:t>
+            </a:r>
+            <a:r>
+              <a:rPr lang="en-IN" sz="2400" dirty="0">
+                <a:latin typeface="+mn-lt"/>
+                <a:cs typeface="+mn-lt"/>
+              </a:rPr>
+              <a:t>Introduction to Hierarchical Model, Network and Relational </a:t>
+            </a:r>
+            <a:r>
+              <a:rPr lang="en-IN" sz="2400" dirty="0" smtClean="0">
+                <a:latin typeface="+mn-lt"/>
+                <a:cs typeface="+mn-lt"/>
+              </a:rPr>
+              <a:t>Model, </a:t>
+            </a:r>
+            <a:r>
+              <a:rPr lang="en-IN" dirty="0"/>
+              <a:t>S</a:t>
+            </a:r>
+            <a:r>
+              <a:rPr lang="en-IN" dirty="0" smtClean="0"/>
+              <a:t>emi-structured </a:t>
+            </a:r>
+            <a:r>
+              <a:rPr lang="en-IN" dirty="0"/>
+              <a:t>data </a:t>
+            </a:r>
+            <a:r>
+              <a:rPr lang="en-IN" dirty="0" smtClean="0"/>
+              <a:t>model</a:t>
+            </a:r>
+            <a:endParaRPr lang="en-IN" dirty="0">
+              <a:latin typeface="+mn-lt"/>
+              <a:cs typeface="+mn-lt"/>
+            </a:endParaRPr>
+          </a:p>
+          <a:p>
+            <a:pPr>
+              <a:lnSpc>
+                <a:spcPct val="150000"/>
+              </a:lnSpc>
+            </a:pPr>
+            <a:r>
+              <a:rPr lang="en-IN" sz="2400" dirty="0" smtClean="0">
+                <a:latin typeface="+mn-lt"/>
+                <a:cs typeface="+mn-lt"/>
+              </a:rPr>
+              <a:t>Database client-server model</a:t>
+            </a:r>
             <a:endParaRPr lang="en-IN" sz="2400" dirty="0">
               <a:latin typeface="+mn-lt"/>
               <a:cs typeface="+mn-lt"/>
@@ -6847,11 +6968,6 @@
               </a:rPr>
               <a:t>ling</a:t>
             </a:r>
-            <a:endParaRPr lang="" sz="3200" dirty="0" smtClean="0">
-              <a:latin typeface="+mn-lt"/>
-              <a:cs typeface="+mn-lt"/>
-              <a:sym typeface="+mn-ea"/>
-            </a:endParaRPr>
           </a:p>
         </p:txBody>
       </p:sp>
@@ -6859,14 +6975,14 @@
         <p:nvPicPr>
           <p:cNvPr id="5" name="Content Placeholder 4" descr="FireShot Capture 002 - Sanjay Gupta_ Difference between Conceptual, Logical and Physical Dat_ - uksanjay.blogspot.com"/>
           <p:cNvPicPr>
-            <a:picLocks noChangeAspect="1"/>
+            <a:picLocks noGrp="1" noChangeAspect="1"/>
           </p:cNvPicPr>
           <p:nvPr>
             <p:ph idx="1"/>
           </p:nvPr>
         </p:nvPicPr>
         <p:blipFill>
-          <a:blip r:embed="rId1"/>
+          <a:blip r:embed="rId2"/>
           <a:stretch>
             <a:fillRect/>
           </a:stretch>
@@ -6957,11 +7073,6 @@
               </a:rPr>
               <a:t>ling</a:t>
             </a:r>
-            <a:endParaRPr lang="en-US" sz="3200" dirty="0" smtClean="0">
-              <a:latin typeface="+mn-lt"/>
-              <a:cs typeface="+mn-lt"/>
-              <a:sym typeface="+mn-ea"/>
-            </a:endParaRPr>
           </a:p>
         </p:txBody>
       </p:sp>
@@ -6969,14 +7080,14 @@
         <p:nvPicPr>
           <p:cNvPr id="5" name="Content Placeholder 4" descr="/media/jishnu/CC405AEC405ADCB0/Repositories/Training-Materials/Database Technologies/Raw Sources/FireShot Capture 001 - Sanjay Gupta_ Difference between Conceptual, Logical and Physical Dat_ - uksanjay.blogspot.com.pngFireShot Capture 001 - Sanjay Gupta_ Difference between Conceptual, Logical and Physical Dat_ - uksanjay.blogspot.com"/>
           <p:cNvPicPr>
-            <a:picLocks noChangeAspect="1"/>
+            <a:picLocks noGrp="1" noChangeAspect="1"/>
           </p:cNvPicPr>
           <p:nvPr>
             <p:ph idx="1"/>
           </p:nvPr>
         </p:nvPicPr>
         <p:blipFill>
-          <a:blip r:embed="rId1"/>
+          <a:blip r:embed="rId2"/>
           <a:srcRect/>
           <a:stretch>
             <a:fillRect/>
@@ -7095,10 +7206,6 @@
               </a:rPr>
               <a:t>: facts or information in the form of text, video, images, etc.</a:t>
             </a:r>
-            <a:endParaRPr lang="en-US" altLang="en-IN" sz="2400" dirty="0">
-              <a:latin typeface="+mn-lt"/>
-              <a:cs typeface="+mn-lt"/>
-            </a:endParaRPr>
           </a:p>
           <a:p>
             <a:pPr algn="just">
@@ -7120,10 +7227,6 @@
               </a:rPr>
               <a:t>: collection of inter-related data which helps in efficient retrieval, insertion and deletion of data. </a:t>
             </a:r>
-            <a:endParaRPr lang="en-US" altLang="en-IN" sz="2400" dirty="0">
-              <a:latin typeface="+mn-lt"/>
-              <a:cs typeface="+mn-lt"/>
-            </a:endParaRPr>
           </a:p>
           <a:p>
             <a:pPr algn="just">
@@ -7145,10 +7248,6 @@
               </a:rPr>
               <a:t> :  technology for creating and managing databases. </a:t>
             </a:r>
-            <a:endParaRPr lang="en-US" altLang="en-IN" sz="2400" dirty="0">
-              <a:latin typeface="+mn-lt"/>
-              <a:cs typeface="+mn-lt"/>
-            </a:endParaRPr>
           </a:p>
           <a:p>
             <a:pPr lvl="1" algn="just">
@@ -7163,10 +7262,6 @@
               </a:rPr>
               <a:t>DBMS is a software tool to organize (create, retrieve, update and manage) data in a database.</a:t>
             </a:r>
-            <a:endParaRPr lang="en-US" altLang="en-IN" sz="2100" dirty="0">
-              <a:latin typeface="+mn-lt"/>
-              <a:cs typeface="+mn-lt"/>
-            </a:endParaRPr>
           </a:p>
           <a:p>
             <a:pPr lvl="1" algn="just">
@@ -7181,10 +7276,6 @@
               </a:rPr>
               <a:t>Eg : Oracle, MySQL, MongoDB, Cassandra, ..etc</a:t>
             </a:r>
-            <a:endParaRPr lang="en-US" altLang="en-US" sz="2100" dirty="0">
-              <a:latin typeface="+mn-lt"/>
-              <a:cs typeface="+mn-lt"/>
-            </a:endParaRPr>
           </a:p>
         </p:txBody>
       </p:sp>
@@ -7249,12 +7340,6 @@
               </a:rPr>
               <a:t> Data Management Factors</a:t>
             </a:r>
-            <a:endParaRPr lang="en-US" altLang="en-US" sz="3200" dirty="0">
-              <a:latin typeface="+mn-lt"/>
-              <a:ea typeface="Noto Serif CJK JP" panose="02020400000000000000" charset="-122"/>
-              <a:cs typeface="+mn-lt"/>
-              <a:sym typeface="+mn-ea"/>
-            </a:endParaRPr>
           </a:p>
         </p:txBody>
       </p:sp>
@@ -7297,10 +7382,6 @@
               </a:rPr>
               <a:t>: Data is said to be redundant if same data is copied at many places. </a:t>
             </a:r>
-            <a:endParaRPr lang="en-IN" sz="2400" dirty="0" smtClean="0">
-              <a:latin typeface="+mn-lt"/>
-              <a:cs typeface="+mn-lt"/>
-            </a:endParaRPr>
           </a:p>
           <a:p>
             <a:pPr algn="just">
@@ -7322,10 +7403,6 @@
               </a:rPr>
               <a:t>: Data is said to be inconsistent if multiple copies of same data does not match with each other. </a:t>
             </a:r>
-            <a:endParaRPr lang="en-IN" sz="2400" dirty="0" smtClean="0">
-              <a:latin typeface="+mn-lt"/>
-              <a:cs typeface="+mn-lt"/>
-            </a:endParaRPr>
           </a:p>
           <a:p>
             <a:pPr algn="just">
@@ -7347,10 +7424,6 @@
               </a:rPr>
               <a:t>: File System may lead to unauthorized access to data. </a:t>
             </a:r>
-            <a:endParaRPr lang="en-IN" sz="2400" dirty="0" smtClean="0">
-              <a:latin typeface="+mn-lt"/>
-              <a:cs typeface="+mn-lt"/>
-            </a:endParaRPr>
           </a:p>
           <a:p>
             <a:pPr algn="just">
@@ -7372,10 +7445,6 @@
               </a:rPr>
               <a:t>: The access of same data by multiple users at same time is known as concurrency.</a:t>
             </a:r>
-            <a:endParaRPr lang="en-IN" sz="2400" dirty="0" smtClean="0">
-              <a:latin typeface="+mn-lt"/>
-              <a:cs typeface="+mn-lt"/>
-            </a:endParaRPr>
           </a:p>
           <a:p>
             <a:pPr algn="just">
@@ -7411,10 +7480,6 @@
               </a:rPr>
               <a:t>is lost or corrupted.</a:t>
             </a:r>
-            <a:endParaRPr lang="en-IN" sz="2400" dirty="0" smtClean="0">
-              <a:latin typeface="+mn-lt"/>
-              <a:cs typeface="+mn-lt"/>
-            </a:endParaRPr>
           </a:p>
         </p:txBody>
       </p:sp>
@@ -7520,7 +7585,9 @@
           </a:xfrm>
         </p:spPr>
         <p:txBody>
-          <a:bodyPr/>
+          <a:bodyPr>
+            <a:normAutofit lnSpcReduction="10000"/>
+          </a:bodyPr>
           <a:lstStyle/>
           <a:p>
             <a:pPr algn="just">
@@ -7542,10 +7609,6 @@
               </a:rPr>
               <a:t>: Application programs should be as free or independent as possible from details of data representation and storage.</a:t>
             </a:r>
-            <a:endParaRPr lang="en-IN" sz="2400" dirty="0" smtClean="0">
-              <a:latin typeface="+mn-lt"/>
-              <a:cs typeface="+mn-lt"/>
-            </a:endParaRPr>
           </a:p>
           <a:p>
             <a:pPr algn="just">
@@ -7734,7 +7797,9 @@
           </a:xfrm>
         </p:spPr>
         <p:txBody>
-          <a:bodyPr/>
+          <a:bodyPr>
+            <a:normAutofit fontScale="92500"/>
+          </a:bodyPr>
           <a:lstStyle/>
           <a:p>
             <a:pPr algn="just">
@@ -7756,10 +7821,6 @@
               </a:rPr>
               <a:t>: reservations, schedules, etc</a:t>
             </a:r>
-            <a:endParaRPr lang="en-IN" sz="2400" dirty="0" smtClean="0">
-              <a:latin typeface="+mn-lt"/>
-              <a:cs typeface="+mn-lt"/>
-            </a:endParaRPr>
           </a:p>
           <a:p>
             <a:pPr algn="just">
@@ -7781,10 +7842,6 @@
               </a:rPr>
               <a:t>: calls made, customer details, network usage, etc</a:t>
             </a:r>
-            <a:endParaRPr lang="en-IN" sz="2400" dirty="0" smtClean="0">
-              <a:latin typeface="+mn-lt"/>
-              <a:cs typeface="+mn-lt"/>
-            </a:endParaRPr>
           </a:p>
           <a:p>
             <a:pPr algn="just">
@@ -7806,10 +7863,6 @@
               </a:rPr>
               <a:t>: registration, results, grades, etc</a:t>
             </a:r>
-            <a:endParaRPr lang="en-IN" sz="2400" dirty="0" smtClean="0">
-              <a:latin typeface="+mn-lt"/>
-              <a:cs typeface="+mn-lt"/>
-            </a:endParaRPr>
           </a:p>
           <a:p>
             <a:pPr algn="just">
@@ -7831,10 +7884,6 @@
               </a:rPr>
               <a:t>: products, purchases, customers, etc</a:t>
             </a:r>
-            <a:endParaRPr lang="en-IN" sz="2400" dirty="0" smtClean="0">
-              <a:latin typeface="+mn-lt"/>
-              <a:cs typeface="+mn-lt"/>
-            </a:endParaRPr>
           </a:p>
           <a:p>
             <a:pPr algn="just">
@@ -7856,10 +7905,6 @@
               </a:rPr>
               <a:t>: all transactions etc</a:t>
             </a:r>
-            <a:endParaRPr lang="en-IN" sz="2400" dirty="0" smtClean="0">
-              <a:latin typeface="+mn-lt"/>
-              <a:cs typeface="+mn-lt"/>
-            </a:endParaRPr>
           </a:p>
         </p:txBody>
       </p:sp>
@@ -7923,11 +7968,6 @@
               </a:rPr>
               <a:t>DBMS Database Models</a:t>
             </a:r>
-            <a:endParaRPr lang="en-IN" sz="3200" dirty="0">
-              <a:latin typeface="+mn-lt"/>
-              <a:cs typeface="+mn-lt"/>
-              <a:sym typeface="+mn-ea"/>
-            </a:endParaRPr>
           </a:p>
         </p:txBody>
       </p:sp>
@@ -7963,10 +8003,6 @@
               </a:rPr>
               <a:t>Database model defines the logical design and structure of a database </a:t>
             </a:r>
-            <a:endParaRPr lang="en-IN" sz="2400" dirty="0" smtClean="0">
-              <a:latin typeface="+mn-lt"/>
-              <a:cs typeface="+mn-lt"/>
-            </a:endParaRPr>
           </a:p>
           <a:p>
             <a:pPr algn="just">
@@ -7988,10 +8024,6 @@
               </a:rPr>
               <a:t> the relationships and constraints that determine how data can be stored and accessed</a:t>
             </a:r>
-            <a:endParaRPr sz="2400" dirty="0" smtClean="0">
-              <a:latin typeface="+mn-lt"/>
-              <a:cs typeface="+mn-lt"/>
-            </a:endParaRPr>
           </a:p>
           <a:p>
             <a:pPr algn="just">
@@ -8006,10 +8038,6 @@
               </a:rPr>
               <a:t>While the Relational Model is the most widely used database model, there are other models too:</a:t>
             </a:r>
-            <a:endParaRPr lang="en-IN" sz="2400" dirty="0" smtClean="0">
-              <a:latin typeface="+mn-lt"/>
-              <a:cs typeface="+mn-lt"/>
-            </a:endParaRPr>
           </a:p>
           <a:p>
             <a:pPr lvl="1" algn="just">
@@ -8024,10 +8052,6 @@
               </a:rPr>
               <a:t>Hierarchical Model</a:t>
             </a:r>
-            <a:endParaRPr lang="en-IN" sz="2100" dirty="0" smtClean="0">
-              <a:latin typeface="+mn-lt"/>
-              <a:cs typeface="+mn-lt"/>
-            </a:endParaRPr>
           </a:p>
           <a:p>
             <a:pPr lvl="1" algn="just">
@@ -8042,10 +8066,6 @@
               </a:rPr>
               <a:t>Network Model</a:t>
             </a:r>
-            <a:endParaRPr lang="en-IN" sz="2100" dirty="0" smtClean="0">
-              <a:latin typeface="+mn-lt"/>
-              <a:cs typeface="+mn-lt"/>
-            </a:endParaRPr>
           </a:p>
           <a:p>
             <a:pPr lvl="1" algn="just">
@@ -8060,10 +8080,6 @@
               </a:rPr>
               <a:t>Relational Model</a:t>
             </a:r>
-            <a:endParaRPr lang="en-IN" sz="2100" dirty="0" smtClean="0">
-              <a:latin typeface="+mn-lt"/>
-              <a:cs typeface="+mn-lt"/>
-            </a:endParaRPr>
           </a:p>
         </p:txBody>
       </p:sp>
@@ -8127,11 +8143,6 @@
               </a:rPr>
               <a:t>Hierarchical Model</a:t>
             </a:r>
-            <a:endParaRPr lang="en-IN" sz="3200" dirty="0">
-              <a:latin typeface="+mn-lt"/>
-              <a:cs typeface="+mn-lt"/>
-              <a:sym typeface="+mn-ea"/>
-            </a:endParaRPr>
           </a:p>
         </p:txBody>
       </p:sp>
@@ -8174,10 +8185,6 @@
               </a:rPr>
               <a:t>rganises data into a tree-like-structure</a:t>
             </a:r>
-            <a:endParaRPr lang="en-IN" sz="2400" dirty="0" smtClean="0">
-              <a:latin typeface="+mn-lt"/>
-              <a:cs typeface="+mn-lt"/>
-            </a:endParaRPr>
           </a:p>
           <a:p>
             <a:pPr algn="just">
@@ -8199,10 +8206,6 @@
               </a:rPr>
               <a:t>single root, to which all the other data is linked. The heirarchy starts from the Root data, and expands like a tree, adding child nodes to the parent nodes.</a:t>
             </a:r>
-            <a:endParaRPr lang="en-IN" sz="2400" dirty="0" smtClean="0">
-              <a:latin typeface="+mn-lt"/>
-              <a:cs typeface="+mn-lt"/>
-            </a:endParaRPr>
           </a:p>
           <a:p>
             <a:pPr algn="just">
@@ -8224,10 +8227,6 @@
               </a:rPr>
               <a:t>odel efficiently describes many real-world relationships like index of a book, recipes etc.</a:t>
             </a:r>
-            <a:endParaRPr lang="en-IN" sz="2400" dirty="0" smtClean="0">
-              <a:latin typeface="+mn-lt"/>
-              <a:cs typeface="+mn-lt"/>
-            </a:endParaRPr>
           </a:p>
           <a:p>
             <a:pPr algn="just">
@@ -8302,11 +8301,6 @@
               </a:rPr>
               <a:t>Hierarchical Model</a:t>
             </a:r>
-            <a:endParaRPr lang="en-IN" sz="3200" dirty="0">
-              <a:latin typeface="+mn-lt"/>
-              <a:cs typeface="+mn-lt"/>
-              <a:sym typeface="+mn-ea"/>
-            </a:endParaRPr>
           </a:p>
         </p:txBody>
       </p:sp>
@@ -8314,17 +8308,17 @@
         <p:nvPicPr>
           <p:cNvPr id="5" name="Content Placeholder 4" descr="hierarchical-model"/>
           <p:cNvPicPr>
-            <a:picLocks noChangeAspect="1"/>
+            <a:picLocks noGrp="1" noChangeAspect="1"/>
           </p:cNvPicPr>
           <p:nvPr>
             <p:ph idx="1"/>
           </p:nvPr>
         </p:nvPicPr>
         <p:blipFill>
-          <a:blip r:embed="rId1">
+          <a:blip r:embed="rId2">
             <a:extLst>
               <a:ext uri="{96DAC541-7B7A-43D3-8B79-37D633B846F1}">
-                <asvg:svgBlip xmlns:asvg="http://schemas.microsoft.com/office/drawing/2016/SVG/main" r:embed="rId2"/>
+                <asvg:svgBlip xmlns:asvg="http://schemas.microsoft.com/office/drawing/2016/SVG/main" xmlns="" r:embed="rId3"/>
               </a:ext>
             </a:extLst>
           </a:blip>
@@ -8358,59 +8352,119 @@
 </file>
 
 <file path=ppt/theme/theme1.xml><?xml version="1.0" encoding="utf-8"?>
-<a:theme xmlns:a="http://schemas.openxmlformats.org/drawingml/2006/main" name="Presentation1">
+<a:theme xmlns:a="http://schemas.openxmlformats.org/drawingml/2006/main" name="ceitTheme">
   <a:themeElements>
-    <a:clrScheme name="Default Design 2">
+    <a:clrScheme name="Office Theme">
       <a:dk1>
-        <a:srgbClr val="000000"/>
+        <a:sysClr val="windowText" lastClr="000000"/>
       </a:dk1>
       <a:lt1>
-        <a:srgbClr val="FFFFFF"/>
+        <a:sysClr val="window" lastClr="FFFFFF"/>
       </a:lt1>
       <a:dk2>
-        <a:srgbClr val="000000"/>
+        <a:srgbClr val="44546A"/>
       </a:dk2>
       <a:lt2>
-        <a:srgbClr val="808080"/>
+        <a:srgbClr val="E7E6E6"/>
       </a:lt2>
       <a:accent1>
-        <a:srgbClr val="00CC99"/>
+        <a:srgbClr val="5B9BD5"/>
       </a:accent1>
       <a:accent2>
-        <a:srgbClr val="3333CC"/>
+        <a:srgbClr val="ED7D31"/>
       </a:accent2>
       <a:accent3>
-        <a:srgbClr val="FFFFFF"/>
+        <a:srgbClr val="A5A5A5"/>
       </a:accent3>
       <a:accent4>
-        <a:srgbClr val="000000"/>
+        <a:srgbClr val="FFC000"/>
       </a:accent4>
       <a:accent5>
-        <a:srgbClr val="AAE2CA"/>
+        <a:srgbClr val="4472C4"/>
       </a:accent5>
       <a:accent6>
-        <a:srgbClr val="2D2DB9"/>
+        <a:srgbClr val="70AD47"/>
       </a:accent6>
       <a:hlink>
-        <a:srgbClr val="CCCCFF"/>
+        <a:srgbClr val="0563C1"/>
       </a:hlink>
       <a:folHlink>
-        <a:srgbClr val="B2B2B2"/>
+        <a:srgbClr val="954F72"/>
       </a:folHlink>
     </a:clrScheme>
-    <a:fontScheme name="Default Design">
+    <a:fontScheme name="Cambria">
       <a:majorFont>
-        <a:latin typeface="Times New Roman"/>
+        <a:latin typeface="Cambria" panose="02040503050406030204"/>
         <a:ea typeface=""/>
         <a:cs typeface=""/>
+        <a:font script="Jpan" typeface="HG明朝B"/>
+        <a:font script="Hang" typeface="맑은 고딕"/>
+        <a:font script="Hans" typeface="黑体"/>
+        <a:font script="Hant" typeface="新細明體"/>
+        <a:font script="Arab" typeface="Times New Roman"/>
+        <a:font script="Hebr" typeface="Times New Roman"/>
+        <a:font script="Thai" typeface="Angsana New"/>
+        <a:font script="Ethi" typeface="Nyala"/>
+        <a:font script="Beng" typeface="Vrinda"/>
+        <a:font script="Gujr" typeface="Shruti"/>
+        <a:font script="Khmr" typeface="MoolBoran"/>
+        <a:font script="Knda" typeface="Tunga"/>
+        <a:font script="Guru" typeface="Raavi"/>
+        <a:font script="Cans" typeface="Euphemia"/>
+        <a:font script="Cher" typeface="Plantagenet Cherokee"/>
+        <a:font script="Yiii" typeface="Microsoft Yi Baiti"/>
+        <a:font script="Tibt" typeface="Microsoft Himalaya"/>
+        <a:font script="Thaa" typeface="MV Boli"/>
+        <a:font script="Deva" typeface="Mangal"/>
+        <a:font script="Telu" typeface="Gautami"/>
+        <a:font script="Taml" typeface="Latha"/>
+        <a:font script="Syrc" typeface="Estrangelo Edessa"/>
+        <a:font script="Orya" typeface="Kalinga"/>
+        <a:font script="Mlym" typeface="Kartika"/>
+        <a:font script="Laoo" typeface="DokChampa"/>
+        <a:font script="Sinh" typeface="Iskoola Pota"/>
+        <a:font script="Mong" typeface="Mongolian Baiti"/>
+        <a:font script="Viet" typeface="Times New Roman"/>
+        <a:font script="Uigh" typeface="Microsoft Uighur"/>
+        <a:font script="Geor" typeface="Sylfaen"/>
       </a:majorFont>
       <a:minorFont>
-        <a:latin typeface="Times New Roman"/>
+        <a:latin typeface="Cambria" panose="02040503050406030204"/>
         <a:ea typeface=""/>
         <a:cs typeface=""/>
+        <a:font script="Jpan" typeface="HG明朝B"/>
+        <a:font script="Hang" typeface="맑은 고딕"/>
+        <a:font script="Hans" typeface="黑体"/>
+        <a:font script="Hant" typeface="新細明體"/>
+        <a:font script="Arab" typeface="Times New Roman"/>
+        <a:font script="Hebr" typeface="Times New Roman"/>
+        <a:font script="Thai" typeface="Angsana New"/>
+        <a:font script="Ethi" typeface="Nyala"/>
+        <a:font script="Beng" typeface="Vrinda"/>
+        <a:font script="Gujr" typeface="Shruti"/>
+        <a:font script="Khmr" typeface="MoolBoran"/>
+        <a:font script="Knda" typeface="Tunga"/>
+        <a:font script="Guru" typeface="Raavi"/>
+        <a:font script="Cans" typeface="Euphemia"/>
+        <a:font script="Cher" typeface="Plantagenet Cherokee"/>
+        <a:font script="Yiii" typeface="Microsoft Yi Baiti"/>
+        <a:font script="Tibt" typeface="Microsoft Himalaya"/>
+        <a:font script="Thaa" typeface="MV Boli"/>
+        <a:font script="Deva" typeface="Mangal"/>
+        <a:font script="Telu" typeface="Gautami"/>
+        <a:font script="Taml" typeface="Latha"/>
+        <a:font script="Syrc" typeface="Estrangelo Edessa"/>
+        <a:font script="Orya" typeface="Kalinga"/>
+        <a:font script="Mlym" typeface="Kartika"/>
+        <a:font script="Laoo" typeface="DokChampa"/>
+        <a:font script="Sinh" typeface="Iskoola Pota"/>
+        <a:font script="Mong" typeface="Mongolian Baiti"/>
+        <a:font script="Viet" typeface="Times New Roman"/>
+        <a:font script="Uigh" typeface="Microsoft Uighur"/>
+        <a:font script="Geor" typeface="Sylfaen"/>
       </a:minorFont>
     </a:fontScheme>
-    <a:fmtScheme name="Office">
+    <a:fmtScheme name="Office Theme">
       <a:fillStyleLst>
         <a:solidFill>
           <a:schemeClr val="phClr"/>
@@ -8548,298 +8602,11 @@
       </a:bgFillStyleLst>
     </a:fmtScheme>
   </a:themeElements>
-  <a:extraClrSchemeLst>
-    <a:extraClrScheme>
-      <a:clrScheme name="Default Design 1">
-        <a:dk1>
-          <a:srgbClr val="000000"/>
-        </a:dk1>
-        <a:lt1>
-          <a:srgbClr val="FFFFFF"/>
-        </a:lt1>
-        <a:dk2>
-          <a:srgbClr val="0000FF"/>
-        </a:dk2>
-        <a:lt2>
-          <a:srgbClr val="FFFF00"/>
-        </a:lt2>
-        <a:accent1>
-          <a:srgbClr val="FF9900"/>
-        </a:accent1>
-        <a:accent2>
-          <a:srgbClr val="00FFFF"/>
-        </a:accent2>
-        <a:accent3>
-          <a:srgbClr val="AAAAFF"/>
-        </a:accent3>
-        <a:accent4>
-          <a:srgbClr val="DADADA"/>
-        </a:accent4>
-        <a:accent5>
-          <a:srgbClr val="FFCAAA"/>
-        </a:accent5>
-        <a:accent6>
-          <a:srgbClr val="00E7E7"/>
-        </a:accent6>
-        <a:hlink>
-          <a:srgbClr val="FF0000"/>
-        </a:hlink>
-        <a:folHlink>
-          <a:srgbClr val="969696"/>
-        </a:folHlink>
-      </a:clrScheme>
-      <a:clrMap bg1="dk2" tx1="lt1" bg2="dk1" tx2="lt2" accent1="accent1" accent2="accent2" accent3="accent3" accent4="accent4" accent5="accent5" accent6="accent6" hlink="hlink" folHlink="folHlink"/>
-    </a:extraClrScheme>
-    <a:extraClrScheme>
-      <a:clrScheme name="Default Design 2">
-        <a:dk1>
-          <a:srgbClr val="000000"/>
-        </a:dk1>
-        <a:lt1>
-          <a:srgbClr val="FFFFFF"/>
-        </a:lt1>
-        <a:dk2>
-          <a:srgbClr val="000000"/>
-        </a:dk2>
-        <a:lt2>
-          <a:srgbClr val="808080"/>
-        </a:lt2>
-        <a:accent1>
-          <a:srgbClr val="00CC99"/>
-        </a:accent1>
-        <a:accent2>
-          <a:srgbClr val="3333CC"/>
-        </a:accent2>
-        <a:accent3>
-          <a:srgbClr val="FFFFFF"/>
-        </a:accent3>
-        <a:accent4>
-          <a:srgbClr val="000000"/>
-        </a:accent4>
-        <a:accent5>
-          <a:srgbClr val="AAE2CA"/>
-        </a:accent5>
-        <a:accent6>
-          <a:srgbClr val="2D2DB9"/>
-        </a:accent6>
-        <a:hlink>
-          <a:srgbClr val="CCCCFF"/>
-        </a:hlink>
-        <a:folHlink>
-          <a:srgbClr val="B2B2B2"/>
-        </a:folHlink>
-      </a:clrScheme>
-      <a:clrMap bg1="lt1" tx1="dk1" bg2="lt2" tx2="dk2" accent1="accent1" accent2="accent2" accent3="accent3" accent4="accent4" accent5="accent5" accent6="accent6" hlink="hlink" folHlink="folHlink"/>
-    </a:extraClrScheme>
-    <a:extraClrScheme>
-      <a:clrScheme name="Default Design 3">
-        <a:dk1>
-          <a:srgbClr val="000000"/>
-        </a:dk1>
-        <a:lt1>
-          <a:srgbClr val="FFFFFF"/>
-        </a:lt1>
-        <a:dk2>
-          <a:srgbClr val="000000"/>
-        </a:dk2>
-        <a:lt2>
-          <a:srgbClr val="333333"/>
-        </a:lt2>
-        <a:accent1>
-          <a:srgbClr val="DDDDDD"/>
-        </a:accent1>
-        <a:accent2>
-          <a:srgbClr val="808080"/>
-        </a:accent2>
-        <a:accent3>
-          <a:srgbClr val="FFFFFF"/>
-        </a:accent3>
-        <a:accent4>
-          <a:srgbClr val="000000"/>
-        </a:accent4>
-        <a:accent5>
-          <a:srgbClr val="EBEBEB"/>
-        </a:accent5>
-        <a:accent6>
-          <a:srgbClr val="737373"/>
-        </a:accent6>
-        <a:hlink>
-          <a:srgbClr val="4D4D4D"/>
-        </a:hlink>
-        <a:folHlink>
-          <a:srgbClr val="EAEAEA"/>
-        </a:folHlink>
-      </a:clrScheme>
-      <a:clrMap bg1="lt1" tx1="dk1" bg2="lt2" tx2="dk2" accent1="accent1" accent2="accent2" accent3="accent3" accent4="accent4" accent5="accent5" accent6="accent6" hlink="hlink" folHlink="folHlink"/>
-    </a:extraClrScheme>
-    <a:extraClrScheme>
-      <a:clrScheme name="Default Design 4">
-        <a:dk1>
-          <a:srgbClr val="000000"/>
-        </a:dk1>
-        <a:lt1>
-          <a:srgbClr val="FFFFCC"/>
-        </a:lt1>
-        <a:dk2>
-          <a:srgbClr val="808000"/>
-        </a:dk2>
-        <a:lt2>
-          <a:srgbClr val="666633"/>
-        </a:lt2>
-        <a:accent1>
-          <a:srgbClr val="339933"/>
-        </a:accent1>
-        <a:accent2>
-          <a:srgbClr val="800000"/>
-        </a:accent2>
-        <a:accent3>
-          <a:srgbClr val="FFFFE2"/>
-        </a:accent3>
-        <a:accent4>
-          <a:srgbClr val="000000"/>
-        </a:accent4>
-        <a:accent5>
-          <a:srgbClr val="ADCAAD"/>
-        </a:accent5>
-        <a:accent6>
-          <a:srgbClr val="730000"/>
-        </a:accent6>
-        <a:hlink>
-          <a:srgbClr val="0033CC"/>
-        </a:hlink>
-        <a:folHlink>
-          <a:srgbClr val="FFCC66"/>
-        </a:folHlink>
-      </a:clrScheme>
-      <a:clrMap bg1="lt1" tx1="dk1" bg2="lt2" tx2="dk2" accent1="accent1" accent2="accent2" accent3="accent3" accent4="accent4" accent5="accent5" accent6="accent6" hlink="hlink" folHlink="folHlink"/>
-    </a:extraClrScheme>
-    <a:extraClrScheme>
-      <a:clrScheme name="Default Design 5">
-        <a:dk1>
-          <a:srgbClr val="000000"/>
-        </a:dk1>
-        <a:lt1>
-          <a:srgbClr val="FFFFFF"/>
-        </a:lt1>
-        <a:dk2>
-          <a:srgbClr val="000000"/>
-        </a:dk2>
-        <a:lt2>
-          <a:srgbClr val="808080"/>
-        </a:lt2>
-        <a:accent1>
-          <a:srgbClr val="FFCC66"/>
-        </a:accent1>
-        <a:accent2>
-          <a:srgbClr val="0000FF"/>
-        </a:accent2>
-        <a:accent3>
-          <a:srgbClr val="FFFFFF"/>
-        </a:accent3>
-        <a:accent4>
-          <a:srgbClr val="000000"/>
-        </a:accent4>
-        <a:accent5>
-          <a:srgbClr val="FFE2B8"/>
-        </a:accent5>
-        <a:accent6>
-          <a:srgbClr val="0000E7"/>
-        </a:accent6>
-        <a:hlink>
-          <a:srgbClr val="CC00CC"/>
-        </a:hlink>
-        <a:folHlink>
-          <a:srgbClr val="C0C0C0"/>
-        </a:folHlink>
-      </a:clrScheme>
-      <a:clrMap bg1="lt1" tx1="dk1" bg2="lt2" tx2="dk2" accent1="accent1" accent2="accent2" accent3="accent3" accent4="accent4" accent5="accent5" accent6="accent6" hlink="hlink" folHlink="folHlink"/>
-    </a:extraClrScheme>
-    <a:extraClrScheme>
-      <a:clrScheme name="Default Design 6">
-        <a:dk1>
-          <a:srgbClr val="000000"/>
-        </a:dk1>
-        <a:lt1>
-          <a:srgbClr val="FFFFFF"/>
-        </a:lt1>
-        <a:dk2>
-          <a:srgbClr val="000000"/>
-        </a:dk2>
-        <a:lt2>
-          <a:srgbClr val="808080"/>
-        </a:lt2>
-        <a:accent1>
-          <a:srgbClr val="C0C0C0"/>
-        </a:accent1>
-        <a:accent2>
-          <a:srgbClr val="0066FF"/>
-        </a:accent2>
-        <a:accent3>
-          <a:srgbClr val="FFFFFF"/>
-        </a:accent3>
-        <a:accent4>
-          <a:srgbClr val="000000"/>
-        </a:accent4>
-        <a:accent5>
-          <a:srgbClr val="DCDCDC"/>
-        </a:accent5>
-        <a:accent6>
-          <a:srgbClr val="005CE7"/>
-        </a:accent6>
-        <a:hlink>
-          <a:srgbClr val="FF0000"/>
-        </a:hlink>
-        <a:folHlink>
-          <a:srgbClr val="009900"/>
-        </a:folHlink>
-      </a:clrScheme>
-      <a:clrMap bg1="lt1" tx1="dk1" bg2="lt2" tx2="dk2" accent1="accent1" accent2="accent2" accent3="accent3" accent4="accent4" accent5="accent5" accent6="accent6" hlink="hlink" folHlink="folHlink"/>
-    </a:extraClrScheme>
-    <a:extraClrScheme>
-      <a:clrScheme name="Default Design 7">
-        <a:dk1>
-          <a:srgbClr val="000000"/>
-        </a:dk1>
-        <a:lt1>
-          <a:srgbClr val="FFFFFF"/>
-        </a:lt1>
-        <a:dk2>
-          <a:srgbClr val="000000"/>
-        </a:dk2>
-        <a:lt2>
-          <a:srgbClr val="808080"/>
-        </a:lt2>
-        <a:accent1>
-          <a:srgbClr val="3399FF"/>
-        </a:accent1>
-        <a:accent2>
-          <a:srgbClr val="99FFCC"/>
-        </a:accent2>
-        <a:accent3>
-          <a:srgbClr val="FFFFFF"/>
-        </a:accent3>
-        <a:accent4>
-          <a:srgbClr val="000000"/>
-        </a:accent4>
-        <a:accent5>
-          <a:srgbClr val="ADCAFF"/>
-        </a:accent5>
-        <a:accent6>
-          <a:srgbClr val="8AE7B9"/>
-        </a:accent6>
-        <a:hlink>
-          <a:srgbClr val="CC00CC"/>
-        </a:hlink>
-        <a:folHlink>
-          <a:srgbClr val="B2B2B2"/>
-        </a:folHlink>
-      </a:clrScheme>
-      <a:clrMap bg1="lt1" tx1="dk1" bg2="lt2" tx2="dk2" accent1="accent1" accent2="accent2" accent3="accent3" accent4="accent4" accent5="accent5" accent6="accent6" hlink="hlink" folHlink="folHlink"/>
-    </a:extraClrScheme>
-  </a:extraClrSchemeLst>
+  <a:objectDefaults/>
+  <a:extraClrSchemeLst/>
   <a:extLst>
     <a:ext uri="{05A4C25C-085E-4340-85A3-A5531E510DB2}">
-      <thm15:themeFamily xmlns:thm15="http://schemas.microsoft.com/office/thememl/2012/main" name="Office Theme" id="{62F939B6-93AF-4DB8-9C6B-D6C7DFDC589F}" vid="{4A3C46E8-61CC-4603-A589-7422A47A8E4A}"/>
+      <thm15:themeFamily xmlns:thm15="http://schemas.microsoft.com/office/thememl/2012/main" name="ceitTheme" id="{773BE53D-AF43-48C2-87DA-C1256364C54C}" vid="{FEE66D1D-8A06-41C8-9704-8D9E3FBB7480}"/>
     </a:ext>
   </a:extLst>
 </a:theme>
@@ -9096,6 +8863,8 @@
       </a:bgFillStyleLst>
     </a:fmtScheme>
   </a:themeElements>
+  <a:objectDefaults/>
+  <a:extraClrSchemeLst/>
   <a:extLst>
     <a:ext uri="{05A4C25C-085E-4340-85A3-A5531E510DB2}">
       <thm15:themeFamily xmlns:thm15="http://schemas.microsoft.com/office/thememl/2012/main" name="Office Theme" id="{62F939B6-93AF-4DB8-9C6B-D6C7DFDC589F}" vid="{4A3C46E8-61CC-4603-A589-7422A47A8E4A}"/>
@@ -9355,6 +9124,8 @@
       </a:bgFillStyleLst>
     </a:fmtScheme>
   </a:themeElements>
+  <a:objectDefaults/>
+  <a:extraClrSchemeLst/>
   <a:extLst>
     <a:ext uri="{05A4C25C-085E-4340-85A3-A5531E510DB2}">
       <thm15:themeFamily xmlns:thm15="http://schemas.microsoft.com/office/thememl/2012/main" name="Office Theme" id="{62F939B6-93AF-4DB8-9C6B-D6C7DFDC589F}" vid="{4A3C46E8-61CC-4603-A589-7422A47A8E4A}"/>
